--- a/presentation/presentation.pptx
+++ b/presentation/presentation.pptx
@@ -17,23 +17,37 @@
     <p:sldId id="262" r:id="rId12"/>
     <p:sldId id="263" r:id="rId13"/>
     <p:sldId id="264" r:id="rId14"/>
+    <p:sldId id="265" r:id="rId15"/>
+    <p:sldId id="266" r:id="rId16"/>
+    <p:sldId id="267" r:id="rId17"/>
+    <p:sldId id="268" r:id="rId18"/>
+    <p:sldId id="269" r:id="rId19"/>
+    <p:sldId id="270" r:id="rId20"/>
+    <p:sldId id="271" r:id="rId21"/>
+    <p:sldId id="272" r:id="rId22"/>
+    <p:sldId id="273" r:id="rId23"/>
+    <p:sldId id="274" r:id="rId24"/>
+    <p:sldId id="275" r:id="rId25"/>
+    <p:sldId id="276" r:id="rId26"/>
+    <p:sldId id="277" r:id="rId27"/>
+    <p:sldId id="278" r:id="rId28"/>
   </p:sldIdLst>
   <p:sldSz cy="5143500" cx="9144000"/>
   <p:notesSz cx="6858000" cy="9144000"/>
   <p:embeddedFontLst>
     <p:embeddedFont>
       <p:font typeface="Roboto Mono Medium"/>
-      <p:regular r:id="rId15"/>
-      <p:bold r:id="rId16"/>
-      <p:italic r:id="rId17"/>
-      <p:boldItalic r:id="rId18"/>
+      <p:regular r:id="rId29"/>
+      <p:bold r:id="rId30"/>
+      <p:italic r:id="rId31"/>
+      <p:boldItalic r:id="rId32"/>
     </p:embeddedFont>
     <p:embeddedFont>
       <p:font typeface="Roboto Mono"/>
-      <p:regular r:id="rId19"/>
-      <p:bold r:id="rId20"/>
-      <p:italic r:id="rId21"/>
-      <p:boldItalic r:id="rId22"/>
+      <p:regular r:id="rId33"/>
+      <p:bold r:id="rId34"/>
+      <p:italic r:id="rId35"/>
+      <p:boldItalic r:id="rId36"/>
     </p:embeddedFont>
   </p:embeddedFontLst>
   <p:defaultTextStyle>
@@ -809,12 +823,12 @@
 </p:notes>
 </file>
 
-<file path=ppt/notesSlides/notesSlide2.xml><?xml version="1.0" encoding="utf-8"?>
+<file path=ppt/notesSlides/notesSlide10.xml><?xml version="1.0" encoding="utf-8"?>
 <p:notes xmlns:a="http://schemas.openxmlformats.org/drawingml/2006/main" xmlns:r="http://schemas.openxmlformats.org/officeDocument/2006/relationships" xmlns:mc="http://schemas.openxmlformats.org/markup-compatibility/2006" xmlns:mv="urn:schemas-microsoft-com:mac:vml" xmlns:p="http://schemas.openxmlformats.org/presentationml/2006/main" xmlns:c="http://schemas.openxmlformats.org/drawingml/2006/chart" xmlns:dgm="http://schemas.openxmlformats.org/drawingml/2006/diagram" xmlns:o="urn:schemas-microsoft-com:office:office" xmlns:v="urn:schemas-microsoft-com:vml" xmlns:pvml="urn:schemas-microsoft-com:office:powerpoint" xmlns:com="http://schemas.openxmlformats.org/drawingml/2006/compatibility" xmlns:p14="http://schemas.microsoft.com/office/powerpoint/2010/main" xmlns:p15="http://schemas.microsoft.com/office/powerpoint/2012/main" xmlns:ahyp="http://schemas.microsoft.com/office/drawing/2018/hyperlinkcolor" showMasterPhAnim="0" showMasterSp="0">
   <p:cSld>
     <p:spTree>
       <p:nvGrpSpPr>
-        <p:cNvPr id="57" name="Shape 57"/>
+        <p:cNvPr id="126" name="Shape 126"/>
         <p:cNvGrpSpPr/>
         <p:nvPr/>
       </p:nvGrpSpPr>
@@ -828,7 +842,7 @@
       </p:grpSpPr>
       <p:sp>
         <p:nvSpPr>
-          <p:cNvPr id="58" name="Google Shape;58;g2d3e7a8c33e_0_20:notes"/>
+          <p:cNvPr id="127" name="Google Shape;127;g2d308fb75c8_0_120:notes"/>
           <p:cNvSpPr/>
           <p:nvPr>
             <p:ph idx="2" type="sldImg"/>
@@ -863,7 +877,7 @@
       </p:sp>
       <p:sp>
         <p:nvSpPr>
-          <p:cNvPr id="59" name="Google Shape;59;g2d3e7a8c33e_0_20:notes"/>
+          <p:cNvPr id="128" name="Google Shape;128;g2d308fb75c8_0_120:notes"/>
           <p:cNvSpPr txBox="1"/>
           <p:nvPr>
             <p:ph idx="1" type="body"/>
@@ -908,12 +922,12 @@
 </p:notes>
 </file>
 
-<file path=ppt/notesSlides/notesSlide3.xml><?xml version="1.0" encoding="utf-8"?>
+<file path=ppt/notesSlides/notesSlide11.xml><?xml version="1.0" encoding="utf-8"?>
 <p:notes xmlns:a="http://schemas.openxmlformats.org/drawingml/2006/main" xmlns:r="http://schemas.openxmlformats.org/officeDocument/2006/relationships" xmlns:mc="http://schemas.openxmlformats.org/markup-compatibility/2006" xmlns:mv="urn:schemas-microsoft-com:mac:vml" xmlns:p="http://schemas.openxmlformats.org/presentationml/2006/main" xmlns:c="http://schemas.openxmlformats.org/drawingml/2006/chart" xmlns:dgm="http://schemas.openxmlformats.org/drawingml/2006/diagram" xmlns:o="urn:schemas-microsoft-com:office:office" xmlns:v="urn:schemas-microsoft-com:vml" xmlns:pvml="urn:schemas-microsoft-com:office:powerpoint" xmlns:com="http://schemas.openxmlformats.org/drawingml/2006/compatibility" xmlns:p14="http://schemas.microsoft.com/office/powerpoint/2010/main" xmlns:p15="http://schemas.microsoft.com/office/powerpoint/2012/main" xmlns:ahyp="http://schemas.microsoft.com/office/drawing/2018/hyperlinkcolor" showMasterPhAnim="0" showMasterSp="0">
   <p:cSld>
     <p:spTree>
       <p:nvGrpSpPr>
-        <p:cNvPr id="63" name="Shape 63"/>
+        <p:cNvPr id="132" name="Shape 132"/>
         <p:cNvGrpSpPr/>
         <p:nvPr/>
       </p:nvGrpSpPr>
@@ -927,7 +941,7 @@
       </p:grpSpPr>
       <p:sp>
         <p:nvSpPr>
-          <p:cNvPr id="64" name="Google Shape;64;g308b3ccabd5_0_1:notes"/>
+          <p:cNvPr id="133" name="Google Shape;133;g300e1a07c4e_0_18:notes"/>
           <p:cNvSpPr/>
           <p:nvPr>
             <p:ph idx="2" type="sldImg"/>
@@ -962,7 +976,7 @@
       </p:sp>
       <p:sp>
         <p:nvSpPr>
-          <p:cNvPr id="65" name="Google Shape;65;g308b3ccabd5_0_1:notes"/>
+          <p:cNvPr id="134" name="Google Shape;134;g300e1a07c4e_0_18:notes"/>
           <p:cNvSpPr txBox="1"/>
           <p:nvPr>
             <p:ph idx="1" type="body"/>
@@ -1007,12 +1021,12 @@
 </p:notes>
 </file>
 
-<file path=ppt/notesSlides/notesSlide4.xml><?xml version="1.0" encoding="utf-8"?>
+<file path=ppt/notesSlides/notesSlide12.xml><?xml version="1.0" encoding="utf-8"?>
 <p:notes xmlns:a="http://schemas.openxmlformats.org/drawingml/2006/main" xmlns:r="http://schemas.openxmlformats.org/officeDocument/2006/relationships" xmlns:mc="http://schemas.openxmlformats.org/markup-compatibility/2006" xmlns:mv="urn:schemas-microsoft-com:mac:vml" xmlns:p="http://schemas.openxmlformats.org/presentationml/2006/main" xmlns:c="http://schemas.openxmlformats.org/drawingml/2006/chart" xmlns:dgm="http://schemas.openxmlformats.org/drawingml/2006/diagram" xmlns:o="urn:schemas-microsoft-com:office:office" xmlns:v="urn:schemas-microsoft-com:vml" xmlns:pvml="urn:schemas-microsoft-com:office:powerpoint" xmlns:com="http://schemas.openxmlformats.org/drawingml/2006/compatibility" xmlns:p14="http://schemas.microsoft.com/office/powerpoint/2010/main" xmlns:p15="http://schemas.microsoft.com/office/powerpoint/2012/main" xmlns:ahyp="http://schemas.microsoft.com/office/drawing/2018/hyperlinkcolor" showMasterPhAnim="0" showMasterSp="0">
   <p:cSld>
     <p:spTree>
       <p:nvGrpSpPr>
-        <p:cNvPr id="85" name="Shape 85"/>
+        <p:cNvPr id="143" name="Shape 143"/>
         <p:cNvGrpSpPr/>
         <p:nvPr/>
       </p:nvGrpSpPr>
@@ -1026,7 +1040,7 @@
       </p:grpSpPr>
       <p:sp>
         <p:nvSpPr>
-          <p:cNvPr id="86" name="Google Shape;86;g2d3e7a8c33e_0_1:notes"/>
+          <p:cNvPr id="144" name="Google Shape;144;g300e1a07c4e_0_5:notes"/>
           <p:cNvSpPr/>
           <p:nvPr>
             <p:ph idx="2" type="sldImg"/>
@@ -1061,7 +1075,7 @@
       </p:sp>
       <p:sp>
         <p:nvSpPr>
-          <p:cNvPr id="87" name="Google Shape;87;g2d3e7a8c33e_0_1:notes"/>
+          <p:cNvPr id="145" name="Google Shape;145;g300e1a07c4e_0_5:notes"/>
           <p:cNvSpPr txBox="1"/>
           <p:nvPr>
             <p:ph idx="1" type="body"/>
@@ -1106,12 +1120,12 @@
 </p:notes>
 </file>
 
-<file path=ppt/notesSlides/notesSlide5.xml><?xml version="1.0" encoding="utf-8"?>
+<file path=ppt/notesSlides/notesSlide13.xml><?xml version="1.0" encoding="utf-8"?>
 <p:notes xmlns:a="http://schemas.openxmlformats.org/drawingml/2006/main" xmlns:r="http://schemas.openxmlformats.org/officeDocument/2006/relationships" xmlns:mc="http://schemas.openxmlformats.org/markup-compatibility/2006" xmlns:mv="urn:schemas-microsoft-com:mac:vml" xmlns:p="http://schemas.openxmlformats.org/presentationml/2006/main" xmlns:c="http://schemas.openxmlformats.org/drawingml/2006/chart" xmlns:dgm="http://schemas.openxmlformats.org/drawingml/2006/diagram" xmlns:o="urn:schemas-microsoft-com:office:office" xmlns:v="urn:schemas-microsoft-com:vml" xmlns:pvml="urn:schemas-microsoft-com:office:powerpoint" xmlns:com="http://schemas.openxmlformats.org/drawingml/2006/compatibility" xmlns:p14="http://schemas.microsoft.com/office/powerpoint/2010/main" xmlns:p15="http://schemas.microsoft.com/office/powerpoint/2012/main" xmlns:ahyp="http://schemas.microsoft.com/office/drawing/2018/hyperlinkcolor" showMasterPhAnim="0" showMasterSp="0">
   <p:cSld>
     <p:spTree>
       <p:nvGrpSpPr>
-        <p:cNvPr id="91" name="Shape 91"/>
+        <p:cNvPr id="150" name="Shape 150"/>
         <p:cNvGrpSpPr/>
         <p:nvPr/>
       </p:nvGrpSpPr>
@@ -1125,7 +1139,7 @@
       </p:grpSpPr>
       <p:sp>
         <p:nvSpPr>
-          <p:cNvPr id="92" name="Google Shape;92;g308b3ccabd5_0_45:notes"/>
+          <p:cNvPr id="151" name="Google Shape;151;g300fbfd5d3b_0_20:notes"/>
           <p:cNvSpPr/>
           <p:nvPr>
             <p:ph idx="2" type="sldImg"/>
@@ -1160,7 +1174,7 @@
       </p:sp>
       <p:sp>
         <p:nvSpPr>
-          <p:cNvPr id="93" name="Google Shape;93;g308b3ccabd5_0_45:notes"/>
+          <p:cNvPr id="152" name="Google Shape;152;g300fbfd5d3b_0_20:notes"/>
           <p:cNvSpPr txBox="1"/>
           <p:nvPr>
             <p:ph idx="1" type="body"/>
@@ -1205,12 +1219,12 @@
 </p:notes>
 </file>
 
-<file path=ppt/notesSlides/notesSlide6.xml><?xml version="1.0" encoding="utf-8"?>
+<file path=ppt/notesSlides/notesSlide14.xml><?xml version="1.0" encoding="utf-8"?>
 <p:notes xmlns:a="http://schemas.openxmlformats.org/drawingml/2006/main" xmlns:r="http://schemas.openxmlformats.org/officeDocument/2006/relationships" xmlns:mc="http://schemas.openxmlformats.org/markup-compatibility/2006" xmlns:mv="urn:schemas-microsoft-com:mac:vml" xmlns:p="http://schemas.openxmlformats.org/presentationml/2006/main" xmlns:c="http://schemas.openxmlformats.org/drawingml/2006/chart" xmlns:dgm="http://schemas.openxmlformats.org/drawingml/2006/diagram" xmlns:o="urn:schemas-microsoft-com:office:office" xmlns:v="urn:schemas-microsoft-com:vml" xmlns:pvml="urn:schemas-microsoft-com:office:powerpoint" xmlns:com="http://schemas.openxmlformats.org/drawingml/2006/compatibility" xmlns:p14="http://schemas.microsoft.com/office/powerpoint/2010/main" xmlns:p15="http://schemas.microsoft.com/office/powerpoint/2012/main" xmlns:ahyp="http://schemas.microsoft.com/office/drawing/2018/hyperlinkcolor" showMasterPhAnim="0" showMasterSp="0">
   <p:cSld>
     <p:spTree>
       <p:nvGrpSpPr>
-        <p:cNvPr id="97" name="Shape 97"/>
+        <p:cNvPr id="157" name="Shape 157"/>
         <p:cNvGrpSpPr/>
         <p:nvPr/>
       </p:nvGrpSpPr>
@@ -1224,7 +1238,7 @@
       </p:grpSpPr>
       <p:sp>
         <p:nvSpPr>
-          <p:cNvPr id="98" name="Google Shape;98;g308b3ccabd5_0_29:notes"/>
+          <p:cNvPr id="158" name="Google Shape;158;g300fbfd5d3b_1_11:notes"/>
           <p:cNvSpPr/>
           <p:nvPr>
             <p:ph idx="2" type="sldImg"/>
@@ -1259,7 +1273,7 @@
       </p:sp>
       <p:sp>
         <p:nvSpPr>
-          <p:cNvPr id="99" name="Google Shape;99;g308b3ccabd5_0_29:notes"/>
+          <p:cNvPr id="159" name="Google Shape;159;g300fbfd5d3b_1_11:notes"/>
           <p:cNvSpPr txBox="1"/>
           <p:nvPr>
             <p:ph idx="1" type="body"/>
@@ -1304,12 +1318,12 @@
 </p:notes>
 </file>
 
-<file path=ppt/notesSlides/notesSlide7.xml><?xml version="1.0" encoding="utf-8"?>
+<file path=ppt/notesSlides/notesSlide15.xml><?xml version="1.0" encoding="utf-8"?>
 <p:notes xmlns:a="http://schemas.openxmlformats.org/drawingml/2006/main" xmlns:r="http://schemas.openxmlformats.org/officeDocument/2006/relationships" xmlns:mc="http://schemas.openxmlformats.org/markup-compatibility/2006" xmlns:mv="urn:schemas-microsoft-com:mac:vml" xmlns:p="http://schemas.openxmlformats.org/presentationml/2006/main" xmlns:c="http://schemas.openxmlformats.org/drawingml/2006/chart" xmlns:dgm="http://schemas.openxmlformats.org/drawingml/2006/diagram" xmlns:o="urn:schemas-microsoft-com:office:office" xmlns:v="urn:schemas-microsoft-com:vml" xmlns:pvml="urn:schemas-microsoft-com:office:powerpoint" xmlns:com="http://schemas.openxmlformats.org/drawingml/2006/compatibility" xmlns:p14="http://schemas.microsoft.com/office/powerpoint/2010/main" xmlns:p15="http://schemas.microsoft.com/office/powerpoint/2012/main" xmlns:ahyp="http://schemas.microsoft.com/office/drawing/2018/hyperlinkcolor" showMasterPhAnim="0" showMasterSp="0">
   <p:cSld>
     <p:spTree>
       <p:nvGrpSpPr>
-        <p:cNvPr id="103" name="Shape 103"/>
+        <p:cNvPr id="164" name="Shape 164"/>
         <p:cNvGrpSpPr/>
         <p:nvPr/>
       </p:nvGrpSpPr>
@@ -1323,7 +1337,7 @@
       </p:grpSpPr>
       <p:sp>
         <p:nvSpPr>
-          <p:cNvPr id="104" name="Google Shape;104;g2d3e7a8c33e_0_8:notes"/>
+          <p:cNvPr id="165" name="Google Shape;165;g300fbfd5d3b_1_4:notes"/>
           <p:cNvSpPr/>
           <p:nvPr>
             <p:ph idx="2" type="sldImg"/>
@@ -1358,7 +1372,7 @@
       </p:sp>
       <p:sp>
         <p:nvSpPr>
-          <p:cNvPr id="105" name="Google Shape;105;g2d3e7a8c33e_0_8:notes"/>
+          <p:cNvPr id="166" name="Google Shape;166;g300fbfd5d3b_1_4:notes"/>
           <p:cNvSpPr txBox="1"/>
           <p:nvPr>
             <p:ph idx="1" type="body"/>
@@ -1403,12 +1417,12 @@
 </p:notes>
 </file>
 
-<file path=ppt/notesSlides/notesSlide8.xml><?xml version="1.0" encoding="utf-8"?>
+<file path=ppt/notesSlides/notesSlide16.xml><?xml version="1.0" encoding="utf-8"?>
 <p:notes xmlns:a="http://schemas.openxmlformats.org/drawingml/2006/main" xmlns:r="http://schemas.openxmlformats.org/officeDocument/2006/relationships" xmlns:mc="http://schemas.openxmlformats.org/markup-compatibility/2006" xmlns:mv="urn:schemas-microsoft-com:mac:vml" xmlns:p="http://schemas.openxmlformats.org/presentationml/2006/main" xmlns:c="http://schemas.openxmlformats.org/drawingml/2006/chart" xmlns:dgm="http://schemas.openxmlformats.org/drawingml/2006/diagram" xmlns:o="urn:schemas-microsoft-com:office:office" xmlns:v="urn:schemas-microsoft-com:vml" xmlns:pvml="urn:schemas-microsoft-com:office:powerpoint" xmlns:com="http://schemas.openxmlformats.org/drawingml/2006/compatibility" xmlns:p14="http://schemas.microsoft.com/office/powerpoint/2010/main" xmlns:p15="http://schemas.microsoft.com/office/powerpoint/2012/main" xmlns:ahyp="http://schemas.microsoft.com/office/drawing/2018/hyperlinkcolor" showMasterPhAnim="0" showMasterSp="0">
   <p:cSld>
     <p:spTree>
       <p:nvGrpSpPr>
-        <p:cNvPr id="110" name="Shape 110"/>
+        <p:cNvPr id="171" name="Shape 171"/>
         <p:cNvGrpSpPr/>
         <p:nvPr/>
       </p:nvGrpSpPr>
@@ -1422,7 +1436,7 @@
       </p:grpSpPr>
       <p:sp>
         <p:nvSpPr>
-          <p:cNvPr id="111" name="Google Shape;111;g308b3ccabd5_0_23:notes"/>
+          <p:cNvPr id="172" name="Google Shape;172;g3010279156c_1_6:notes"/>
           <p:cNvSpPr/>
           <p:nvPr>
             <p:ph idx="2" type="sldImg"/>
@@ -1457,7 +1471,7 @@
       </p:sp>
       <p:sp>
         <p:nvSpPr>
-          <p:cNvPr id="112" name="Google Shape;112;g308b3ccabd5_0_23:notes"/>
+          <p:cNvPr id="173" name="Google Shape;173;g3010279156c_1_6:notes"/>
           <p:cNvSpPr txBox="1"/>
           <p:nvPr>
             <p:ph idx="1" type="body"/>
@@ -1502,12 +1516,12 @@
 </p:notes>
 </file>
 
-<file path=ppt/notesSlides/notesSlide9.xml><?xml version="1.0" encoding="utf-8"?>
+<file path=ppt/notesSlides/notesSlide17.xml><?xml version="1.0" encoding="utf-8"?>
 <p:notes xmlns:a="http://schemas.openxmlformats.org/drawingml/2006/main" xmlns:r="http://schemas.openxmlformats.org/officeDocument/2006/relationships" xmlns:mc="http://schemas.openxmlformats.org/markup-compatibility/2006" xmlns:mv="urn:schemas-microsoft-com:mac:vml" xmlns:p="http://schemas.openxmlformats.org/presentationml/2006/main" xmlns:c="http://schemas.openxmlformats.org/drawingml/2006/chart" xmlns:dgm="http://schemas.openxmlformats.org/drawingml/2006/diagram" xmlns:o="urn:schemas-microsoft-com:office:office" xmlns:v="urn:schemas-microsoft-com:vml" xmlns:pvml="urn:schemas-microsoft-com:office:powerpoint" xmlns:com="http://schemas.openxmlformats.org/drawingml/2006/compatibility" xmlns:p14="http://schemas.microsoft.com/office/powerpoint/2010/main" xmlns:p15="http://schemas.microsoft.com/office/powerpoint/2012/main" xmlns:ahyp="http://schemas.microsoft.com/office/drawing/2018/hyperlinkcolor" showMasterPhAnim="0" showMasterSp="0">
   <p:cSld>
     <p:spTree>
       <p:nvGrpSpPr>
-        <p:cNvPr id="117" name="Shape 117"/>
+        <p:cNvPr id="178" name="Shape 178"/>
         <p:cNvGrpSpPr/>
         <p:nvPr/>
       </p:nvGrpSpPr>
@@ -1521,7 +1535,7 @@
       </p:grpSpPr>
       <p:sp>
         <p:nvSpPr>
-          <p:cNvPr id="118" name="Google Shape;118;g2d3e7a8c33e_0_57:notes"/>
+          <p:cNvPr id="179" name="Google Shape;179;g2d308fb75c8_0_0:notes"/>
           <p:cNvSpPr/>
           <p:nvPr>
             <p:ph idx="2" type="sldImg"/>
@@ -1556,7 +1570,1393 @@
       </p:sp>
       <p:sp>
         <p:nvSpPr>
-          <p:cNvPr id="119" name="Google Shape;119;g2d3e7a8c33e_0_57:notes"/>
+          <p:cNvPr id="180" name="Google Shape;180;g2d308fb75c8_0_0:notes"/>
+          <p:cNvSpPr txBox="1"/>
+          <p:nvPr>
+            <p:ph idx="1" type="body"/>
+          </p:nvPr>
+        </p:nvSpPr>
+        <p:spPr>
+          <a:xfrm>
+            <a:off x="685800" y="4343400"/>
+            <a:ext cx="5486400" cy="4114800"/>
+          </a:xfrm>
+          <a:prstGeom prst="rect">
+            <a:avLst/>
+          </a:prstGeom>
+        </p:spPr>
+        <p:txBody>
+          <a:bodyPr anchorCtr="0" anchor="t" bIns="91425" lIns="91425" spcFirstLastPara="1" rIns="91425" wrap="square" tIns="91425">
+            <a:noAutofit/>
+          </a:bodyPr>
+          <a:lstStyle/>
+          <a:p>
+            <a:pPr indent="0" lvl="0" marL="0" rtl="0" algn="l">
+              <a:spcBef>
+                <a:spcPts val="0"/>
+              </a:spcBef>
+              <a:spcAft>
+                <a:spcPts val="0"/>
+              </a:spcAft>
+              <a:buNone/>
+            </a:pPr>
+            <a:r>
+              <a:t/>
+            </a:r>
+            <a:endParaRPr/>
+          </a:p>
+        </p:txBody>
+      </p:sp>
+    </p:spTree>
+  </p:cSld>
+  <p:clrMapOvr>
+    <a:masterClrMapping/>
+  </p:clrMapOvr>
+</p:notes>
+</file>
+
+<file path=ppt/notesSlides/notesSlide18.xml><?xml version="1.0" encoding="utf-8"?>
+<p:notes xmlns:a="http://schemas.openxmlformats.org/drawingml/2006/main" xmlns:r="http://schemas.openxmlformats.org/officeDocument/2006/relationships" xmlns:mc="http://schemas.openxmlformats.org/markup-compatibility/2006" xmlns:mv="urn:schemas-microsoft-com:mac:vml" xmlns:p="http://schemas.openxmlformats.org/presentationml/2006/main" xmlns:c="http://schemas.openxmlformats.org/drawingml/2006/chart" xmlns:dgm="http://schemas.openxmlformats.org/drawingml/2006/diagram" xmlns:o="urn:schemas-microsoft-com:office:office" xmlns:v="urn:schemas-microsoft-com:vml" xmlns:pvml="urn:schemas-microsoft-com:office:powerpoint" xmlns:com="http://schemas.openxmlformats.org/drawingml/2006/compatibility" xmlns:p14="http://schemas.microsoft.com/office/powerpoint/2010/main" xmlns:p15="http://schemas.microsoft.com/office/powerpoint/2012/main" xmlns:ahyp="http://schemas.microsoft.com/office/drawing/2018/hyperlinkcolor" showMasterPhAnim="0" showMasterSp="0">
+  <p:cSld>
+    <p:spTree>
+      <p:nvGrpSpPr>
+        <p:cNvPr id="188" name="Shape 188"/>
+        <p:cNvGrpSpPr/>
+        <p:nvPr/>
+      </p:nvGrpSpPr>
+      <p:grpSpPr>
+        <a:xfrm>
+          <a:off x="0" y="0"/>
+          <a:ext cx="0" cy="0"/>
+          <a:chOff x="0" y="0"/>
+          <a:chExt cx="0" cy="0"/>
+        </a:xfrm>
+      </p:grpSpPr>
+      <p:sp>
+        <p:nvSpPr>
+          <p:cNvPr id="189" name="Google Shape;189;g2d308fb75c8_0_98:notes"/>
+          <p:cNvSpPr/>
+          <p:nvPr>
+            <p:ph idx="2" type="sldImg"/>
+          </p:nvPr>
+        </p:nvSpPr>
+        <p:spPr>
+          <a:xfrm>
+            <a:off x="381300" y="685800"/>
+            <a:ext cx="6096000" cy="3429000"/>
+          </a:xfrm>
+          <a:custGeom>
+            <a:rect b="b" l="l" r="r" t="t"/>
+            <a:pathLst>
+              <a:path extrusionOk="0" h="120000" w="120000">
+                <a:moveTo>
+                  <a:pt x="0" y="0"/>
+                </a:moveTo>
+                <a:lnTo>
+                  <a:pt x="120000" y="0"/>
+                </a:lnTo>
+                <a:lnTo>
+                  <a:pt x="120000" y="120000"/>
+                </a:lnTo>
+                <a:lnTo>
+                  <a:pt x="0" y="120000"/>
+                </a:lnTo>
+                <a:close/>
+              </a:path>
+            </a:pathLst>
+          </a:custGeom>
+        </p:spPr>
+      </p:sp>
+      <p:sp>
+        <p:nvSpPr>
+          <p:cNvPr id="190" name="Google Shape;190;g2d308fb75c8_0_98:notes"/>
+          <p:cNvSpPr txBox="1"/>
+          <p:nvPr>
+            <p:ph idx="1" type="body"/>
+          </p:nvPr>
+        </p:nvSpPr>
+        <p:spPr>
+          <a:xfrm>
+            <a:off x="685800" y="4343400"/>
+            <a:ext cx="5486400" cy="4114800"/>
+          </a:xfrm>
+          <a:prstGeom prst="rect">
+            <a:avLst/>
+          </a:prstGeom>
+        </p:spPr>
+        <p:txBody>
+          <a:bodyPr anchorCtr="0" anchor="t" bIns="91425" lIns="91425" spcFirstLastPara="1" rIns="91425" wrap="square" tIns="91425">
+            <a:noAutofit/>
+          </a:bodyPr>
+          <a:lstStyle/>
+          <a:p>
+            <a:pPr indent="0" lvl="0" marL="0" rtl="0" algn="l">
+              <a:spcBef>
+                <a:spcPts val="0"/>
+              </a:spcBef>
+              <a:spcAft>
+                <a:spcPts val="0"/>
+              </a:spcAft>
+              <a:buNone/>
+            </a:pPr>
+            <a:r>
+              <a:t/>
+            </a:r>
+            <a:endParaRPr/>
+          </a:p>
+        </p:txBody>
+      </p:sp>
+    </p:spTree>
+  </p:cSld>
+  <p:clrMapOvr>
+    <a:masterClrMapping/>
+  </p:clrMapOvr>
+</p:notes>
+</file>
+
+<file path=ppt/notesSlides/notesSlide19.xml><?xml version="1.0" encoding="utf-8"?>
+<p:notes xmlns:a="http://schemas.openxmlformats.org/drawingml/2006/main" xmlns:r="http://schemas.openxmlformats.org/officeDocument/2006/relationships" xmlns:mc="http://schemas.openxmlformats.org/markup-compatibility/2006" xmlns:mv="urn:schemas-microsoft-com:mac:vml" xmlns:p="http://schemas.openxmlformats.org/presentationml/2006/main" xmlns:c="http://schemas.openxmlformats.org/drawingml/2006/chart" xmlns:dgm="http://schemas.openxmlformats.org/drawingml/2006/diagram" xmlns:o="urn:schemas-microsoft-com:office:office" xmlns:v="urn:schemas-microsoft-com:vml" xmlns:pvml="urn:schemas-microsoft-com:office:powerpoint" xmlns:com="http://schemas.openxmlformats.org/drawingml/2006/compatibility" xmlns:p14="http://schemas.microsoft.com/office/powerpoint/2010/main" xmlns:p15="http://schemas.microsoft.com/office/powerpoint/2012/main" xmlns:ahyp="http://schemas.microsoft.com/office/drawing/2018/hyperlinkcolor" showMasterPhAnim="0" showMasterSp="0">
+  <p:cSld>
+    <p:spTree>
+      <p:nvGrpSpPr>
+        <p:cNvPr id="195" name="Shape 195"/>
+        <p:cNvGrpSpPr/>
+        <p:nvPr/>
+      </p:nvGrpSpPr>
+      <p:grpSpPr>
+        <a:xfrm>
+          <a:off x="0" y="0"/>
+          <a:ext cx="0" cy="0"/>
+          <a:chOff x="0" y="0"/>
+          <a:chExt cx="0" cy="0"/>
+        </a:xfrm>
+      </p:grpSpPr>
+      <p:sp>
+        <p:nvSpPr>
+          <p:cNvPr id="196" name="Google Shape;196;g2d308fb75c8_0_44:notes"/>
+          <p:cNvSpPr/>
+          <p:nvPr>
+            <p:ph idx="2" type="sldImg"/>
+          </p:nvPr>
+        </p:nvSpPr>
+        <p:spPr>
+          <a:xfrm>
+            <a:off x="381300" y="685800"/>
+            <a:ext cx="6096000" cy="3429000"/>
+          </a:xfrm>
+          <a:custGeom>
+            <a:rect b="b" l="l" r="r" t="t"/>
+            <a:pathLst>
+              <a:path extrusionOk="0" h="120000" w="120000">
+                <a:moveTo>
+                  <a:pt x="0" y="0"/>
+                </a:moveTo>
+                <a:lnTo>
+                  <a:pt x="120000" y="0"/>
+                </a:lnTo>
+                <a:lnTo>
+                  <a:pt x="120000" y="120000"/>
+                </a:lnTo>
+                <a:lnTo>
+                  <a:pt x="0" y="120000"/>
+                </a:lnTo>
+                <a:close/>
+              </a:path>
+            </a:pathLst>
+          </a:custGeom>
+        </p:spPr>
+      </p:sp>
+      <p:sp>
+        <p:nvSpPr>
+          <p:cNvPr id="197" name="Google Shape;197;g2d308fb75c8_0_44:notes"/>
+          <p:cNvSpPr txBox="1"/>
+          <p:nvPr>
+            <p:ph idx="1" type="body"/>
+          </p:nvPr>
+        </p:nvSpPr>
+        <p:spPr>
+          <a:xfrm>
+            <a:off x="685800" y="4343400"/>
+            <a:ext cx="5486400" cy="4114800"/>
+          </a:xfrm>
+          <a:prstGeom prst="rect">
+            <a:avLst/>
+          </a:prstGeom>
+        </p:spPr>
+        <p:txBody>
+          <a:bodyPr anchorCtr="0" anchor="t" bIns="91425" lIns="91425" spcFirstLastPara="1" rIns="91425" wrap="square" tIns="91425">
+            <a:noAutofit/>
+          </a:bodyPr>
+          <a:lstStyle/>
+          <a:p>
+            <a:pPr indent="0" lvl="0" marL="0" rtl="0" algn="l">
+              <a:spcBef>
+                <a:spcPts val="0"/>
+              </a:spcBef>
+              <a:spcAft>
+                <a:spcPts val="0"/>
+              </a:spcAft>
+              <a:buNone/>
+            </a:pPr>
+            <a:r>
+              <a:t/>
+            </a:r>
+            <a:endParaRPr/>
+          </a:p>
+        </p:txBody>
+      </p:sp>
+    </p:spTree>
+  </p:cSld>
+  <p:clrMapOvr>
+    <a:masterClrMapping/>
+  </p:clrMapOvr>
+</p:notes>
+</file>
+
+<file path=ppt/notesSlides/notesSlide2.xml><?xml version="1.0" encoding="utf-8"?>
+<p:notes xmlns:a="http://schemas.openxmlformats.org/drawingml/2006/main" xmlns:r="http://schemas.openxmlformats.org/officeDocument/2006/relationships" xmlns:mc="http://schemas.openxmlformats.org/markup-compatibility/2006" xmlns:mv="urn:schemas-microsoft-com:mac:vml" xmlns:p="http://schemas.openxmlformats.org/presentationml/2006/main" xmlns:c="http://schemas.openxmlformats.org/drawingml/2006/chart" xmlns:dgm="http://schemas.openxmlformats.org/drawingml/2006/diagram" xmlns:o="urn:schemas-microsoft-com:office:office" xmlns:v="urn:schemas-microsoft-com:vml" xmlns:pvml="urn:schemas-microsoft-com:office:powerpoint" xmlns:com="http://schemas.openxmlformats.org/drawingml/2006/compatibility" xmlns:p14="http://schemas.microsoft.com/office/powerpoint/2010/main" xmlns:p15="http://schemas.microsoft.com/office/powerpoint/2012/main" xmlns:ahyp="http://schemas.microsoft.com/office/drawing/2018/hyperlinkcolor" showMasterPhAnim="0" showMasterSp="0">
+  <p:cSld>
+    <p:spTree>
+      <p:nvGrpSpPr>
+        <p:cNvPr id="57" name="Shape 57"/>
+        <p:cNvGrpSpPr/>
+        <p:nvPr/>
+      </p:nvGrpSpPr>
+      <p:grpSpPr>
+        <a:xfrm>
+          <a:off x="0" y="0"/>
+          <a:ext cx="0" cy="0"/>
+          <a:chOff x="0" y="0"/>
+          <a:chExt cx="0" cy="0"/>
+        </a:xfrm>
+      </p:grpSpPr>
+      <p:sp>
+        <p:nvSpPr>
+          <p:cNvPr id="58" name="Google Shape;58;g3010279156c_0_0:notes"/>
+          <p:cNvSpPr/>
+          <p:nvPr>
+            <p:ph idx="2" type="sldImg"/>
+          </p:nvPr>
+        </p:nvSpPr>
+        <p:spPr>
+          <a:xfrm>
+            <a:off x="381300" y="685800"/>
+            <a:ext cx="6096000" cy="3429000"/>
+          </a:xfrm>
+          <a:custGeom>
+            <a:rect b="b" l="l" r="r" t="t"/>
+            <a:pathLst>
+              <a:path extrusionOk="0" h="120000" w="120000">
+                <a:moveTo>
+                  <a:pt x="0" y="0"/>
+                </a:moveTo>
+                <a:lnTo>
+                  <a:pt x="120000" y="0"/>
+                </a:lnTo>
+                <a:lnTo>
+                  <a:pt x="120000" y="120000"/>
+                </a:lnTo>
+                <a:lnTo>
+                  <a:pt x="0" y="120000"/>
+                </a:lnTo>
+                <a:close/>
+              </a:path>
+            </a:pathLst>
+          </a:custGeom>
+        </p:spPr>
+      </p:sp>
+      <p:sp>
+        <p:nvSpPr>
+          <p:cNvPr id="59" name="Google Shape;59;g3010279156c_0_0:notes"/>
+          <p:cNvSpPr txBox="1"/>
+          <p:nvPr>
+            <p:ph idx="1" type="body"/>
+          </p:nvPr>
+        </p:nvSpPr>
+        <p:spPr>
+          <a:xfrm>
+            <a:off x="685800" y="4343400"/>
+            <a:ext cx="5486400" cy="4114800"/>
+          </a:xfrm>
+          <a:prstGeom prst="rect">
+            <a:avLst/>
+          </a:prstGeom>
+        </p:spPr>
+        <p:txBody>
+          <a:bodyPr anchorCtr="0" anchor="t" bIns="91425" lIns="91425" spcFirstLastPara="1" rIns="91425" wrap="square" tIns="91425">
+            <a:noAutofit/>
+          </a:bodyPr>
+          <a:lstStyle/>
+          <a:p>
+            <a:pPr indent="0" lvl="0" marL="0" rtl="0" algn="l">
+              <a:spcBef>
+                <a:spcPts val="0"/>
+              </a:spcBef>
+              <a:spcAft>
+                <a:spcPts val="0"/>
+              </a:spcAft>
+              <a:buNone/>
+            </a:pPr>
+            <a:r>
+              <a:t/>
+            </a:r>
+            <a:endParaRPr/>
+          </a:p>
+        </p:txBody>
+      </p:sp>
+    </p:spTree>
+  </p:cSld>
+  <p:clrMapOvr>
+    <a:masterClrMapping/>
+  </p:clrMapOvr>
+</p:notes>
+</file>
+
+<file path=ppt/notesSlides/notesSlide20.xml><?xml version="1.0" encoding="utf-8"?>
+<p:notes xmlns:a="http://schemas.openxmlformats.org/drawingml/2006/main" xmlns:r="http://schemas.openxmlformats.org/officeDocument/2006/relationships" xmlns:mc="http://schemas.openxmlformats.org/markup-compatibility/2006" xmlns:mv="urn:schemas-microsoft-com:mac:vml" xmlns:p="http://schemas.openxmlformats.org/presentationml/2006/main" xmlns:c="http://schemas.openxmlformats.org/drawingml/2006/chart" xmlns:dgm="http://schemas.openxmlformats.org/drawingml/2006/diagram" xmlns:o="urn:schemas-microsoft-com:office:office" xmlns:v="urn:schemas-microsoft-com:vml" xmlns:pvml="urn:schemas-microsoft-com:office:powerpoint" xmlns:com="http://schemas.openxmlformats.org/drawingml/2006/compatibility" xmlns:p14="http://schemas.microsoft.com/office/powerpoint/2010/main" xmlns:p15="http://schemas.microsoft.com/office/powerpoint/2012/main" xmlns:ahyp="http://schemas.microsoft.com/office/drawing/2018/hyperlinkcolor" showMasterPhAnim="0" showMasterSp="0">
+  <p:cSld>
+    <p:spTree>
+      <p:nvGrpSpPr>
+        <p:cNvPr id="202" name="Shape 202"/>
+        <p:cNvGrpSpPr/>
+        <p:nvPr/>
+      </p:nvGrpSpPr>
+      <p:grpSpPr>
+        <a:xfrm>
+          <a:off x="0" y="0"/>
+          <a:ext cx="0" cy="0"/>
+          <a:chOff x="0" y="0"/>
+          <a:chExt cx="0" cy="0"/>
+        </a:xfrm>
+      </p:grpSpPr>
+      <p:sp>
+        <p:nvSpPr>
+          <p:cNvPr id="203" name="Google Shape;203;g2d308fb75c8_0_59:notes"/>
+          <p:cNvSpPr/>
+          <p:nvPr>
+            <p:ph idx="2" type="sldImg"/>
+          </p:nvPr>
+        </p:nvSpPr>
+        <p:spPr>
+          <a:xfrm>
+            <a:off x="381300" y="685800"/>
+            <a:ext cx="6096000" cy="3429000"/>
+          </a:xfrm>
+          <a:custGeom>
+            <a:rect b="b" l="l" r="r" t="t"/>
+            <a:pathLst>
+              <a:path extrusionOk="0" h="120000" w="120000">
+                <a:moveTo>
+                  <a:pt x="0" y="0"/>
+                </a:moveTo>
+                <a:lnTo>
+                  <a:pt x="120000" y="0"/>
+                </a:lnTo>
+                <a:lnTo>
+                  <a:pt x="120000" y="120000"/>
+                </a:lnTo>
+                <a:lnTo>
+                  <a:pt x="0" y="120000"/>
+                </a:lnTo>
+                <a:close/>
+              </a:path>
+            </a:pathLst>
+          </a:custGeom>
+        </p:spPr>
+      </p:sp>
+      <p:sp>
+        <p:nvSpPr>
+          <p:cNvPr id="204" name="Google Shape;204;g2d308fb75c8_0_59:notes"/>
+          <p:cNvSpPr txBox="1"/>
+          <p:nvPr>
+            <p:ph idx="1" type="body"/>
+          </p:nvPr>
+        </p:nvSpPr>
+        <p:spPr>
+          <a:xfrm>
+            <a:off x="685800" y="4343400"/>
+            <a:ext cx="5486400" cy="4114800"/>
+          </a:xfrm>
+          <a:prstGeom prst="rect">
+            <a:avLst/>
+          </a:prstGeom>
+        </p:spPr>
+        <p:txBody>
+          <a:bodyPr anchorCtr="0" anchor="t" bIns="91425" lIns="91425" spcFirstLastPara="1" rIns="91425" wrap="square" tIns="91425">
+            <a:noAutofit/>
+          </a:bodyPr>
+          <a:lstStyle/>
+          <a:p>
+            <a:pPr indent="0" lvl="0" marL="0" rtl="0" algn="l">
+              <a:spcBef>
+                <a:spcPts val="0"/>
+              </a:spcBef>
+              <a:spcAft>
+                <a:spcPts val="0"/>
+              </a:spcAft>
+              <a:buNone/>
+            </a:pPr>
+            <a:r>
+              <a:t/>
+            </a:r>
+            <a:endParaRPr/>
+          </a:p>
+        </p:txBody>
+      </p:sp>
+    </p:spTree>
+  </p:cSld>
+  <p:clrMapOvr>
+    <a:masterClrMapping/>
+  </p:clrMapOvr>
+</p:notes>
+</file>
+
+<file path=ppt/notesSlides/notesSlide21.xml><?xml version="1.0" encoding="utf-8"?>
+<p:notes xmlns:a="http://schemas.openxmlformats.org/drawingml/2006/main" xmlns:r="http://schemas.openxmlformats.org/officeDocument/2006/relationships" xmlns:mc="http://schemas.openxmlformats.org/markup-compatibility/2006" xmlns:mv="urn:schemas-microsoft-com:mac:vml" xmlns:p="http://schemas.openxmlformats.org/presentationml/2006/main" xmlns:c="http://schemas.openxmlformats.org/drawingml/2006/chart" xmlns:dgm="http://schemas.openxmlformats.org/drawingml/2006/diagram" xmlns:o="urn:schemas-microsoft-com:office:office" xmlns:v="urn:schemas-microsoft-com:vml" xmlns:pvml="urn:schemas-microsoft-com:office:powerpoint" xmlns:com="http://schemas.openxmlformats.org/drawingml/2006/compatibility" xmlns:p14="http://schemas.microsoft.com/office/powerpoint/2010/main" xmlns:p15="http://schemas.microsoft.com/office/powerpoint/2012/main" xmlns:ahyp="http://schemas.microsoft.com/office/drawing/2018/hyperlinkcolor" showMasterPhAnim="0" showMasterSp="0">
+  <p:cSld>
+    <p:spTree>
+      <p:nvGrpSpPr>
+        <p:cNvPr id="209" name="Shape 209"/>
+        <p:cNvGrpSpPr/>
+        <p:nvPr/>
+      </p:nvGrpSpPr>
+      <p:grpSpPr>
+        <a:xfrm>
+          <a:off x="0" y="0"/>
+          <a:ext cx="0" cy="0"/>
+          <a:chOff x="0" y="0"/>
+          <a:chExt cx="0" cy="0"/>
+        </a:xfrm>
+      </p:grpSpPr>
+      <p:sp>
+        <p:nvSpPr>
+          <p:cNvPr id="210" name="Google Shape;210;g2d308fb75c8_0_73:notes"/>
+          <p:cNvSpPr/>
+          <p:nvPr>
+            <p:ph idx="2" type="sldImg"/>
+          </p:nvPr>
+        </p:nvSpPr>
+        <p:spPr>
+          <a:xfrm>
+            <a:off x="381300" y="685800"/>
+            <a:ext cx="6096000" cy="3429000"/>
+          </a:xfrm>
+          <a:custGeom>
+            <a:rect b="b" l="l" r="r" t="t"/>
+            <a:pathLst>
+              <a:path extrusionOk="0" h="120000" w="120000">
+                <a:moveTo>
+                  <a:pt x="0" y="0"/>
+                </a:moveTo>
+                <a:lnTo>
+                  <a:pt x="120000" y="0"/>
+                </a:lnTo>
+                <a:lnTo>
+                  <a:pt x="120000" y="120000"/>
+                </a:lnTo>
+                <a:lnTo>
+                  <a:pt x="0" y="120000"/>
+                </a:lnTo>
+                <a:close/>
+              </a:path>
+            </a:pathLst>
+          </a:custGeom>
+        </p:spPr>
+      </p:sp>
+      <p:sp>
+        <p:nvSpPr>
+          <p:cNvPr id="211" name="Google Shape;211;g2d308fb75c8_0_73:notes"/>
+          <p:cNvSpPr txBox="1"/>
+          <p:nvPr>
+            <p:ph idx="1" type="body"/>
+          </p:nvPr>
+        </p:nvSpPr>
+        <p:spPr>
+          <a:xfrm>
+            <a:off x="685800" y="4343400"/>
+            <a:ext cx="5486400" cy="4114800"/>
+          </a:xfrm>
+          <a:prstGeom prst="rect">
+            <a:avLst/>
+          </a:prstGeom>
+        </p:spPr>
+        <p:txBody>
+          <a:bodyPr anchorCtr="0" anchor="t" bIns="91425" lIns="91425" spcFirstLastPara="1" rIns="91425" wrap="square" tIns="91425">
+            <a:noAutofit/>
+          </a:bodyPr>
+          <a:lstStyle/>
+          <a:p>
+            <a:pPr indent="0" lvl="0" marL="0" rtl="0" algn="l">
+              <a:spcBef>
+                <a:spcPts val="0"/>
+              </a:spcBef>
+              <a:spcAft>
+                <a:spcPts val="0"/>
+              </a:spcAft>
+              <a:buNone/>
+            </a:pPr>
+            <a:r>
+              <a:t/>
+            </a:r>
+            <a:endParaRPr/>
+          </a:p>
+        </p:txBody>
+      </p:sp>
+    </p:spTree>
+  </p:cSld>
+  <p:clrMapOvr>
+    <a:masterClrMapping/>
+  </p:clrMapOvr>
+</p:notes>
+</file>
+
+<file path=ppt/notesSlides/notesSlide22.xml><?xml version="1.0" encoding="utf-8"?>
+<p:notes xmlns:a="http://schemas.openxmlformats.org/drawingml/2006/main" xmlns:r="http://schemas.openxmlformats.org/officeDocument/2006/relationships" xmlns:mc="http://schemas.openxmlformats.org/markup-compatibility/2006" xmlns:mv="urn:schemas-microsoft-com:mac:vml" xmlns:p="http://schemas.openxmlformats.org/presentationml/2006/main" xmlns:c="http://schemas.openxmlformats.org/drawingml/2006/chart" xmlns:dgm="http://schemas.openxmlformats.org/drawingml/2006/diagram" xmlns:o="urn:schemas-microsoft-com:office:office" xmlns:v="urn:schemas-microsoft-com:vml" xmlns:pvml="urn:schemas-microsoft-com:office:powerpoint" xmlns:com="http://schemas.openxmlformats.org/drawingml/2006/compatibility" xmlns:p14="http://schemas.microsoft.com/office/powerpoint/2010/main" xmlns:p15="http://schemas.microsoft.com/office/powerpoint/2012/main" xmlns:ahyp="http://schemas.microsoft.com/office/drawing/2018/hyperlinkcolor" showMasterPhAnim="0" showMasterSp="0">
+  <p:cSld>
+    <p:spTree>
+      <p:nvGrpSpPr>
+        <p:cNvPr id="216" name="Shape 216"/>
+        <p:cNvGrpSpPr/>
+        <p:nvPr/>
+      </p:nvGrpSpPr>
+      <p:grpSpPr>
+        <a:xfrm>
+          <a:off x="0" y="0"/>
+          <a:ext cx="0" cy="0"/>
+          <a:chOff x="0" y="0"/>
+          <a:chExt cx="0" cy="0"/>
+        </a:xfrm>
+      </p:grpSpPr>
+      <p:sp>
+        <p:nvSpPr>
+          <p:cNvPr id="217" name="Google Shape;217;g2d308fb75c8_0_85:notes"/>
+          <p:cNvSpPr/>
+          <p:nvPr>
+            <p:ph idx="2" type="sldImg"/>
+          </p:nvPr>
+        </p:nvSpPr>
+        <p:spPr>
+          <a:xfrm>
+            <a:off x="381300" y="685800"/>
+            <a:ext cx="6096000" cy="3429000"/>
+          </a:xfrm>
+          <a:custGeom>
+            <a:rect b="b" l="l" r="r" t="t"/>
+            <a:pathLst>
+              <a:path extrusionOk="0" h="120000" w="120000">
+                <a:moveTo>
+                  <a:pt x="0" y="0"/>
+                </a:moveTo>
+                <a:lnTo>
+                  <a:pt x="120000" y="0"/>
+                </a:lnTo>
+                <a:lnTo>
+                  <a:pt x="120000" y="120000"/>
+                </a:lnTo>
+                <a:lnTo>
+                  <a:pt x="0" y="120000"/>
+                </a:lnTo>
+                <a:close/>
+              </a:path>
+            </a:pathLst>
+          </a:custGeom>
+        </p:spPr>
+      </p:sp>
+      <p:sp>
+        <p:nvSpPr>
+          <p:cNvPr id="218" name="Google Shape;218;g2d308fb75c8_0_85:notes"/>
+          <p:cNvSpPr txBox="1"/>
+          <p:nvPr>
+            <p:ph idx="1" type="body"/>
+          </p:nvPr>
+        </p:nvSpPr>
+        <p:spPr>
+          <a:xfrm>
+            <a:off x="685800" y="4343400"/>
+            <a:ext cx="5486400" cy="4114800"/>
+          </a:xfrm>
+          <a:prstGeom prst="rect">
+            <a:avLst/>
+          </a:prstGeom>
+        </p:spPr>
+        <p:txBody>
+          <a:bodyPr anchorCtr="0" anchor="t" bIns="91425" lIns="91425" spcFirstLastPara="1" rIns="91425" wrap="square" tIns="91425">
+            <a:noAutofit/>
+          </a:bodyPr>
+          <a:lstStyle/>
+          <a:p>
+            <a:pPr indent="0" lvl="0" marL="0" rtl="0" algn="l">
+              <a:spcBef>
+                <a:spcPts val="0"/>
+              </a:spcBef>
+              <a:spcAft>
+                <a:spcPts val="0"/>
+              </a:spcAft>
+              <a:buNone/>
+            </a:pPr>
+            <a:r>
+              <a:t/>
+            </a:r>
+            <a:endParaRPr/>
+          </a:p>
+        </p:txBody>
+      </p:sp>
+    </p:spTree>
+  </p:cSld>
+  <p:clrMapOvr>
+    <a:masterClrMapping/>
+  </p:clrMapOvr>
+</p:notes>
+</file>
+
+<file path=ppt/notesSlides/notesSlide23.xml><?xml version="1.0" encoding="utf-8"?>
+<p:notes xmlns:a="http://schemas.openxmlformats.org/drawingml/2006/main" xmlns:r="http://schemas.openxmlformats.org/officeDocument/2006/relationships" xmlns:mc="http://schemas.openxmlformats.org/markup-compatibility/2006" xmlns:mv="urn:schemas-microsoft-com:mac:vml" xmlns:p="http://schemas.openxmlformats.org/presentationml/2006/main" xmlns:c="http://schemas.openxmlformats.org/drawingml/2006/chart" xmlns:dgm="http://schemas.openxmlformats.org/drawingml/2006/diagram" xmlns:o="urn:schemas-microsoft-com:office:office" xmlns:v="urn:schemas-microsoft-com:vml" xmlns:pvml="urn:schemas-microsoft-com:office:powerpoint" xmlns:com="http://schemas.openxmlformats.org/drawingml/2006/compatibility" xmlns:p14="http://schemas.microsoft.com/office/powerpoint/2010/main" xmlns:p15="http://schemas.microsoft.com/office/powerpoint/2012/main" xmlns:ahyp="http://schemas.microsoft.com/office/drawing/2018/hyperlinkcolor" showMasterPhAnim="0" showMasterSp="0">
+  <p:cSld>
+    <p:spTree>
+      <p:nvGrpSpPr>
+        <p:cNvPr id="223" name="Shape 223"/>
+        <p:cNvGrpSpPr/>
+        <p:nvPr/>
+      </p:nvGrpSpPr>
+      <p:grpSpPr>
+        <a:xfrm>
+          <a:off x="0" y="0"/>
+          <a:ext cx="0" cy="0"/>
+          <a:chOff x="0" y="0"/>
+          <a:chExt cx="0" cy="0"/>
+        </a:xfrm>
+      </p:grpSpPr>
+      <p:sp>
+        <p:nvSpPr>
+          <p:cNvPr id="224" name="Google Shape;224;g300fbfd5d3b_1_25:notes"/>
+          <p:cNvSpPr/>
+          <p:nvPr>
+            <p:ph idx="2" type="sldImg"/>
+          </p:nvPr>
+        </p:nvSpPr>
+        <p:spPr>
+          <a:xfrm>
+            <a:off x="381300" y="685800"/>
+            <a:ext cx="6096000" cy="3429000"/>
+          </a:xfrm>
+          <a:custGeom>
+            <a:rect b="b" l="l" r="r" t="t"/>
+            <a:pathLst>
+              <a:path extrusionOk="0" h="120000" w="120000">
+                <a:moveTo>
+                  <a:pt x="0" y="0"/>
+                </a:moveTo>
+                <a:lnTo>
+                  <a:pt x="120000" y="0"/>
+                </a:lnTo>
+                <a:lnTo>
+                  <a:pt x="120000" y="120000"/>
+                </a:lnTo>
+                <a:lnTo>
+                  <a:pt x="0" y="120000"/>
+                </a:lnTo>
+                <a:close/>
+              </a:path>
+            </a:pathLst>
+          </a:custGeom>
+        </p:spPr>
+      </p:sp>
+      <p:sp>
+        <p:nvSpPr>
+          <p:cNvPr id="225" name="Google Shape;225;g300fbfd5d3b_1_25:notes"/>
+          <p:cNvSpPr txBox="1"/>
+          <p:nvPr>
+            <p:ph idx="1" type="body"/>
+          </p:nvPr>
+        </p:nvSpPr>
+        <p:spPr>
+          <a:xfrm>
+            <a:off x="685800" y="4343400"/>
+            <a:ext cx="5486400" cy="4114800"/>
+          </a:xfrm>
+          <a:prstGeom prst="rect">
+            <a:avLst/>
+          </a:prstGeom>
+        </p:spPr>
+        <p:txBody>
+          <a:bodyPr anchorCtr="0" anchor="t" bIns="91425" lIns="91425" spcFirstLastPara="1" rIns="91425" wrap="square" tIns="91425">
+            <a:noAutofit/>
+          </a:bodyPr>
+          <a:lstStyle/>
+          <a:p>
+            <a:pPr indent="0" lvl="0" marL="0" rtl="0" algn="l">
+              <a:spcBef>
+                <a:spcPts val="0"/>
+              </a:spcBef>
+              <a:spcAft>
+                <a:spcPts val="0"/>
+              </a:spcAft>
+              <a:buNone/>
+            </a:pPr>
+            <a:r>
+              <a:t/>
+            </a:r>
+            <a:endParaRPr/>
+          </a:p>
+        </p:txBody>
+      </p:sp>
+    </p:spTree>
+  </p:cSld>
+  <p:clrMapOvr>
+    <a:masterClrMapping/>
+  </p:clrMapOvr>
+</p:notes>
+</file>
+
+<file path=ppt/notesSlides/notesSlide3.xml><?xml version="1.0" encoding="utf-8"?>
+<p:notes xmlns:a="http://schemas.openxmlformats.org/drawingml/2006/main" xmlns:r="http://schemas.openxmlformats.org/officeDocument/2006/relationships" xmlns:mc="http://schemas.openxmlformats.org/markup-compatibility/2006" xmlns:mv="urn:schemas-microsoft-com:mac:vml" xmlns:p="http://schemas.openxmlformats.org/presentationml/2006/main" xmlns:c="http://schemas.openxmlformats.org/drawingml/2006/chart" xmlns:dgm="http://schemas.openxmlformats.org/drawingml/2006/diagram" xmlns:o="urn:schemas-microsoft-com:office:office" xmlns:v="urn:schemas-microsoft-com:vml" xmlns:pvml="urn:schemas-microsoft-com:office:powerpoint" xmlns:com="http://schemas.openxmlformats.org/drawingml/2006/compatibility" xmlns:p14="http://schemas.microsoft.com/office/powerpoint/2010/main" xmlns:p15="http://schemas.microsoft.com/office/powerpoint/2012/main" xmlns:ahyp="http://schemas.microsoft.com/office/drawing/2018/hyperlinkcolor" showMasterPhAnim="0" showMasterSp="0">
+  <p:cSld>
+    <p:spTree>
+      <p:nvGrpSpPr>
+        <p:cNvPr id="70" name="Shape 70"/>
+        <p:cNvGrpSpPr/>
+        <p:nvPr/>
+      </p:nvGrpSpPr>
+      <p:grpSpPr>
+        <a:xfrm>
+          <a:off x="0" y="0"/>
+          <a:ext cx="0" cy="0"/>
+          <a:chOff x="0" y="0"/>
+          <a:chExt cx="0" cy="0"/>
+        </a:xfrm>
+      </p:grpSpPr>
+      <p:sp>
+        <p:nvSpPr>
+          <p:cNvPr id="71" name="Google Shape;71;g3010279156c_0_18:notes"/>
+          <p:cNvSpPr/>
+          <p:nvPr>
+            <p:ph idx="2" type="sldImg"/>
+          </p:nvPr>
+        </p:nvSpPr>
+        <p:spPr>
+          <a:xfrm>
+            <a:off x="381300" y="685800"/>
+            <a:ext cx="6096000" cy="3429000"/>
+          </a:xfrm>
+          <a:custGeom>
+            <a:rect b="b" l="l" r="r" t="t"/>
+            <a:pathLst>
+              <a:path extrusionOk="0" h="120000" w="120000">
+                <a:moveTo>
+                  <a:pt x="0" y="0"/>
+                </a:moveTo>
+                <a:lnTo>
+                  <a:pt x="120000" y="0"/>
+                </a:lnTo>
+                <a:lnTo>
+                  <a:pt x="120000" y="120000"/>
+                </a:lnTo>
+                <a:lnTo>
+                  <a:pt x="0" y="120000"/>
+                </a:lnTo>
+                <a:close/>
+              </a:path>
+            </a:pathLst>
+          </a:custGeom>
+        </p:spPr>
+      </p:sp>
+      <p:sp>
+        <p:nvSpPr>
+          <p:cNvPr id="72" name="Google Shape;72;g3010279156c_0_18:notes"/>
+          <p:cNvSpPr txBox="1"/>
+          <p:nvPr>
+            <p:ph idx="1" type="body"/>
+          </p:nvPr>
+        </p:nvSpPr>
+        <p:spPr>
+          <a:xfrm>
+            <a:off x="685800" y="4343400"/>
+            <a:ext cx="5486400" cy="4114800"/>
+          </a:xfrm>
+          <a:prstGeom prst="rect">
+            <a:avLst/>
+          </a:prstGeom>
+        </p:spPr>
+        <p:txBody>
+          <a:bodyPr anchorCtr="0" anchor="t" bIns="91425" lIns="91425" spcFirstLastPara="1" rIns="91425" wrap="square" tIns="91425">
+            <a:noAutofit/>
+          </a:bodyPr>
+          <a:lstStyle/>
+          <a:p>
+            <a:pPr indent="0" lvl="0" marL="0" rtl="0" algn="l">
+              <a:spcBef>
+                <a:spcPts val="0"/>
+              </a:spcBef>
+              <a:spcAft>
+                <a:spcPts val="0"/>
+              </a:spcAft>
+              <a:buNone/>
+            </a:pPr>
+            <a:r>
+              <a:t/>
+            </a:r>
+            <a:endParaRPr/>
+          </a:p>
+        </p:txBody>
+      </p:sp>
+    </p:spTree>
+  </p:cSld>
+  <p:clrMapOvr>
+    <a:masterClrMapping/>
+  </p:clrMapOvr>
+</p:notes>
+</file>
+
+<file path=ppt/notesSlides/notesSlide4.xml><?xml version="1.0" encoding="utf-8"?>
+<p:notes xmlns:a="http://schemas.openxmlformats.org/drawingml/2006/main" xmlns:r="http://schemas.openxmlformats.org/officeDocument/2006/relationships" xmlns:mc="http://schemas.openxmlformats.org/markup-compatibility/2006" xmlns:mv="urn:schemas-microsoft-com:mac:vml" xmlns:p="http://schemas.openxmlformats.org/presentationml/2006/main" xmlns:c="http://schemas.openxmlformats.org/drawingml/2006/chart" xmlns:dgm="http://schemas.openxmlformats.org/drawingml/2006/diagram" xmlns:o="urn:schemas-microsoft-com:office:office" xmlns:v="urn:schemas-microsoft-com:vml" xmlns:pvml="urn:schemas-microsoft-com:office:powerpoint" xmlns:com="http://schemas.openxmlformats.org/drawingml/2006/compatibility" xmlns:p14="http://schemas.microsoft.com/office/powerpoint/2010/main" xmlns:p15="http://schemas.microsoft.com/office/powerpoint/2012/main" xmlns:ahyp="http://schemas.microsoft.com/office/drawing/2018/hyperlinkcolor" showMasterPhAnim="0" showMasterSp="0">
+  <p:cSld>
+    <p:spTree>
+      <p:nvGrpSpPr>
+        <p:cNvPr id="77" name="Shape 77"/>
+        <p:cNvGrpSpPr/>
+        <p:nvPr/>
+      </p:nvGrpSpPr>
+      <p:grpSpPr>
+        <a:xfrm>
+          <a:off x="0" y="0"/>
+          <a:ext cx="0" cy="0"/>
+          <a:chOff x="0" y="0"/>
+          <a:chExt cx="0" cy="0"/>
+        </a:xfrm>
+      </p:grpSpPr>
+      <p:sp>
+        <p:nvSpPr>
+          <p:cNvPr id="78" name="Google Shape;78;g2d308fb75c8_0_110:notes"/>
+          <p:cNvSpPr/>
+          <p:nvPr>
+            <p:ph idx="2" type="sldImg"/>
+          </p:nvPr>
+        </p:nvSpPr>
+        <p:spPr>
+          <a:xfrm>
+            <a:off x="381300" y="685800"/>
+            <a:ext cx="6096000" cy="3429000"/>
+          </a:xfrm>
+          <a:custGeom>
+            <a:rect b="b" l="l" r="r" t="t"/>
+            <a:pathLst>
+              <a:path extrusionOk="0" h="120000" w="120000">
+                <a:moveTo>
+                  <a:pt x="0" y="0"/>
+                </a:moveTo>
+                <a:lnTo>
+                  <a:pt x="120000" y="0"/>
+                </a:lnTo>
+                <a:lnTo>
+                  <a:pt x="120000" y="120000"/>
+                </a:lnTo>
+                <a:lnTo>
+                  <a:pt x="0" y="120000"/>
+                </a:lnTo>
+                <a:close/>
+              </a:path>
+            </a:pathLst>
+          </a:custGeom>
+        </p:spPr>
+      </p:sp>
+      <p:sp>
+        <p:nvSpPr>
+          <p:cNvPr id="79" name="Google Shape;79;g2d308fb75c8_0_110:notes"/>
+          <p:cNvSpPr txBox="1"/>
+          <p:nvPr>
+            <p:ph idx="1" type="body"/>
+          </p:nvPr>
+        </p:nvSpPr>
+        <p:spPr>
+          <a:xfrm>
+            <a:off x="685800" y="4343400"/>
+            <a:ext cx="5486400" cy="4114800"/>
+          </a:xfrm>
+          <a:prstGeom prst="rect">
+            <a:avLst/>
+          </a:prstGeom>
+        </p:spPr>
+        <p:txBody>
+          <a:bodyPr anchorCtr="0" anchor="t" bIns="91425" lIns="91425" spcFirstLastPara="1" rIns="91425" wrap="square" tIns="91425">
+            <a:noAutofit/>
+          </a:bodyPr>
+          <a:lstStyle/>
+          <a:p>
+            <a:pPr indent="0" lvl="0" marL="0" rtl="0" algn="l">
+              <a:spcBef>
+                <a:spcPts val="0"/>
+              </a:spcBef>
+              <a:spcAft>
+                <a:spcPts val="0"/>
+              </a:spcAft>
+              <a:buNone/>
+            </a:pPr>
+            <a:r>
+              <a:t/>
+            </a:r>
+            <a:endParaRPr/>
+          </a:p>
+        </p:txBody>
+      </p:sp>
+    </p:spTree>
+  </p:cSld>
+  <p:clrMapOvr>
+    <a:masterClrMapping/>
+  </p:clrMapOvr>
+</p:notes>
+</file>
+
+<file path=ppt/notesSlides/notesSlide5.xml><?xml version="1.0" encoding="utf-8"?>
+<p:notes xmlns:a="http://schemas.openxmlformats.org/drawingml/2006/main" xmlns:r="http://schemas.openxmlformats.org/officeDocument/2006/relationships" xmlns:mc="http://schemas.openxmlformats.org/markup-compatibility/2006" xmlns:mv="urn:schemas-microsoft-com:mac:vml" xmlns:p="http://schemas.openxmlformats.org/presentationml/2006/main" xmlns:c="http://schemas.openxmlformats.org/drawingml/2006/chart" xmlns:dgm="http://schemas.openxmlformats.org/drawingml/2006/diagram" xmlns:o="urn:schemas-microsoft-com:office:office" xmlns:v="urn:schemas-microsoft-com:vml" xmlns:pvml="urn:schemas-microsoft-com:office:powerpoint" xmlns:com="http://schemas.openxmlformats.org/drawingml/2006/compatibility" xmlns:p14="http://schemas.microsoft.com/office/powerpoint/2010/main" xmlns:p15="http://schemas.microsoft.com/office/powerpoint/2012/main" xmlns:ahyp="http://schemas.microsoft.com/office/drawing/2018/hyperlinkcolor" showMasterPhAnim="0" showMasterSp="0">
+  <p:cSld>
+    <p:spTree>
+      <p:nvGrpSpPr>
+        <p:cNvPr id="88" name="Shape 88"/>
+        <p:cNvGrpSpPr/>
+        <p:nvPr/>
+      </p:nvGrpSpPr>
+      <p:grpSpPr>
+        <a:xfrm>
+          <a:off x="0" y="0"/>
+          <a:ext cx="0" cy="0"/>
+          <a:chOff x="0" y="0"/>
+          <a:chExt cx="0" cy="0"/>
+        </a:xfrm>
+      </p:grpSpPr>
+      <p:sp>
+        <p:nvSpPr>
+          <p:cNvPr id="89" name="Google Shape;89;g3006a248f11_0_24:notes"/>
+          <p:cNvSpPr/>
+          <p:nvPr>
+            <p:ph idx="2" type="sldImg"/>
+          </p:nvPr>
+        </p:nvSpPr>
+        <p:spPr>
+          <a:xfrm>
+            <a:off x="381300" y="685800"/>
+            <a:ext cx="6096000" cy="3429000"/>
+          </a:xfrm>
+          <a:custGeom>
+            <a:rect b="b" l="l" r="r" t="t"/>
+            <a:pathLst>
+              <a:path extrusionOk="0" h="120000" w="120000">
+                <a:moveTo>
+                  <a:pt x="0" y="0"/>
+                </a:moveTo>
+                <a:lnTo>
+                  <a:pt x="120000" y="0"/>
+                </a:lnTo>
+                <a:lnTo>
+                  <a:pt x="120000" y="120000"/>
+                </a:lnTo>
+                <a:lnTo>
+                  <a:pt x="0" y="120000"/>
+                </a:lnTo>
+                <a:close/>
+              </a:path>
+            </a:pathLst>
+          </a:custGeom>
+        </p:spPr>
+      </p:sp>
+      <p:sp>
+        <p:nvSpPr>
+          <p:cNvPr id="90" name="Google Shape;90;g3006a248f11_0_24:notes"/>
+          <p:cNvSpPr txBox="1"/>
+          <p:nvPr>
+            <p:ph idx="1" type="body"/>
+          </p:nvPr>
+        </p:nvSpPr>
+        <p:spPr>
+          <a:xfrm>
+            <a:off x="685800" y="4343400"/>
+            <a:ext cx="5486400" cy="4114800"/>
+          </a:xfrm>
+          <a:prstGeom prst="rect">
+            <a:avLst/>
+          </a:prstGeom>
+        </p:spPr>
+        <p:txBody>
+          <a:bodyPr anchorCtr="0" anchor="t" bIns="91425" lIns="91425" spcFirstLastPara="1" rIns="91425" wrap="square" tIns="91425">
+            <a:noAutofit/>
+          </a:bodyPr>
+          <a:lstStyle/>
+          <a:p>
+            <a:pPr indent="0" lvl="0" marL="0" rtl="0" algn="l">
+              <a:spcBef>
+                <a:spcPts val="0"/>
+              </a:spcBef>
+              <a:spcAft>
+                <a:spcPts val="0"/>
+              </a:spcAft>
+              <a:buNone/>
+            </a:pPr>
+            <a:r>
+              <a:t/>
+            </a:r>
+            <a:endParaRPr/>
+          </a:p>
+        </p:txBody>
+      </p:sp>
+    </p:spTree>
+  </p:cSld>
+  <p:clrMapOvr>
+    <a:masterClrMapping/>
+  </p:clrMapOvr>
+</p:notes>
+</file>
+
+<file path=ppt/notesSlides/notesSlide6.xml><?xml version="1.0" encoding="utf-8"?>
+<p:notes xmlns:a="http://schemas.openxmlformats.org/drawingml/2006/main" xmlns:r="http://schemas.openxmlformats.org/officeDocument/2006/relationships" xmlns:mc="http://schemas.openxmlformats.org/markup-compatibility/2006" xmlns:mv="urn:schemas-microsoft-com:mac:vml" xmlns:p="http://schemas.openxmlformats.org/presentationml/2006/main" xmlns:c="http://schemas.openxmlformats.org/drawingml/2006/chart" xmlns:dgm="http://schemas.openxmlformats.org/drawingml/2006/diagram" xmlns:o="urn:schemas-microsoft-com:office:office" xmlns:v="urn:schemas-microsoft-com:vml" xmlns:pvml="urn:schemas-microsoft-com:office:powerpoint" xmlns:com="http://schemas.openxmlformats.org/drawingml/2006/compatibility" xmlns:p14="http://schemas.microsoft.com/office/powerpoint/2010/main" xmlns:p15="http://schemas.microsoft.com/office/powerpoint/2012/main" xmlns:ahyp="http://schemas.microsoft.com/office/drawing/2018/hyperlinkcolor" showMasterPhAnim="0" showMasterSp="0">
+  <p:cSld>
+    <p:spTree>
+      <p:nvGrpSpPr>
+        <p:cNvPr id="95" name="Shape 95"/>
+        <p:cNvGrpSpPr/>
+        <p:nvPr/>
+      </p:nvGrpSpPr>
+      <p:grpSpPr>
+        <a:xfrm>
+          <a:off x="0" y="0"/>
+          <a:ext cx="0" cy="0"/>
+          <a:chOff x="0" y="0"/>
+          <a:chExt cx="0" cy="0"/>
+        </a:xfrm>
+      </p:grpSpPr>
+      <p:sp>
+        <p:nvSpPr>
+          <p:cNvPr id="96" name="Google Shape;96;g2d308fb75c8_0_130:notes"/>
+          <p:cNvSpPr/>
+          <p:nvPr>
+            <p:ph idx="2" type="sldImg"/>
+          </p:nvPr>
+        </p:nvSpPr>
+        <p:spPr>
+          <a:xfrm>
+            <a:off x="381300" y="685800"/>
+            <a:ext cx="6096000" cy="3429000"/>
+          </a:xfrm>
+          <a:custGeom>
+            <a:rect b="b" l="l" r="r" t="t"/>
+            <a:pathLst>
+              <a:path extrusionOk="0" h="120000" w="120000">
+                <a:moveTo>
+                  <a:pt x="0" y="0"/>
+                </a:moveTo>
+                <a:lnTo>
+                  <a:pt x="120000" y="0"/>
+                </a:lnTo>
+                <a:lnTo>
+                  <a:pt x="120000" y="120000"/>
+                </a:lnTo>
+                <a:lnTo>
+                  <a:pt x="0" y="120000"/>
+                </a:lnTo>
+                <a:close/>
+              </a:path>
+            </a:pathLst>
+          </a:custGeom>
+        </p:spPr>
+      </p:sp>
+      <p:sp>
+        <p:nvSpPr>
+          <p:cNvPr id="97" name="Google Shape;97;g2d308fb75c8_0_130:notes"/>
+          <p:cNvSpPr txBox="1"/>
+          <p:nvPr>
+            <p:ph idx="1" type="body"/>
+          </p:nvPr>
+        </p:nvSpPr>
+        <p:spPr>
+          <a:xfrm>
+            <a:off x="685800" y="4343400"/>
+            <a:ext cx="5486400" cy="4114800"/>
+          </a:xfrm>
+          <a:prstGeom prst="rect">
+            <a:avLst/>
+          </a:prstGeom>
+        </p:spPr>
+        <p:txBody>
+          <a:bodyPr anchorCtr="0" anchor="t" bIns="91425" lIns="91425" spcFirstLastPara="1" rIns="91425" wrap="square" tIns="91425">
+            <a:noAutofit/>
+          </a:bodyPr>
+          <a:lstStyle/>
+          <a:p>
+            <a:pPr indent="0" lvl="0" marL="0" rtl="0" algn="l">
+              <a:spcBef>
+                <a:spcPts val="0"/>
+              </a:spcBef>
+              <a:spcAft>
+                <a:spcPts val="0"/>
+              </a:spcAft>
+              <a:buNone/>
+            </a:pPr>
+            <a:r>
+              <a:t/>
+            </a:r>
+            <a:endParaRPr/>
+          </a:p>
+        </p:txBody>
+      </p:sp>
+    </p:spTree>
+  </p:cSld>
+  <p:clrMapOvr>
+    <a:masterClrMapping/>
+  </p:clrMapOvr>
+</p:notes>
+</file>
+
+<file path=ppt/notesSlides/notesSlide7.xml><?xml version="1.0" encoding="utf-8"?>
+<p:notes xmlns:a="http://schemas.openxmlformats.org/drawingml/2006/main" xmlns:r="http://schemas.openxmlformats.org/officeDocument/2006/relationships" xmlns:mc="http://schemas.openxmlformats.org/markup-compatibility/2006" xmlns:mv="urn:schemas-microsoft-com:mac:vml" xmlns:p="http://schemas.openxmlformats.org/presentationml/2006/main" xmlns:c="http://schemas.openxmlformats.org/drawingml/2006/chart" xmlns:dgm="http://schemas.openxmlformats.org/drawingml/2006/diagram" xmlns:o="urn:schemas-microsoft-com:office:office" xmlns:v="urn:schemas-microsoft-com:vml" xmlns:pvml="urn:schemas-microsoft-com:office:powerpoint" xmlns:com="http://schemas.openxmlformats.org/drawingml/2006/compatibility" xmlns:p14="http://schemas.microsoft.com/office/powerpoint/2010/main" xmlns:p15="http://schemas.microsoft.com/office/powerpoint/2012/main" xmlns:ahyp="http://schemas.microsoft.com/office/drawing/2018/hyperlinkcolor" showMasterPhAnim="0" showMasterSp="0">
+  <p:cSld>
+    <p:spTree>
+      <p:nvGrpSpPr>
+        <p:cNvPr id="102" name="Shape 102"/>
+        <p:cNvGrpSpPr/>
+        <p:nvPr/>
+      </p:nvGrpSpPr>
+      <p:grpSpPr>
+        <a:xfrm>
+          <a:off x="0" y="0"/>
+          <a:ext cx="0" cy="0"/>
+          <a:chOff x="0" y="0"/>
+          <a:chExt cx="0" cy="0"/>
+        </a:xfrm>
+      </p:grpSpPr>
+      <p:sp>
+        <p:nvSpPr>
+          <p:cNvPr id="103" name="Google Shape;103;g2d308fb75c8_0_139:notes"/>
+          <p:cNvSpPr/>
+          <p:nvPr>
+            <p:ph idx="2" type="sldImg"/>
+          </p:nvPr>
+        </p:nvSpPr>
+        <p:spPr>
+          <a:xfrm>
+            <a:off x="381300" y="685800"/>
+            <a:ext cx="6096000" cy="3429000"/>
+          </a:xfrm>
+          <a:custGeom>
+            <a:rect b="b" l="l" r="r" t="t"/>
+            <a:pathLst>
+              <a:path extrusionOk="0" h="120000" w="120000">
+                <a:moveTo>
+                  <a:pt x="0" y="0"/>
+                </a:moveTo>
+                <a:lnTo>
+                  <a:pt x="120000" y="0"/>
+                </a:lnTo>
+                <a:lnTo>
+                  <a:pt x="120000" y="120000"/>
+                </a:lnTo>
+                <a:lnTo>
+                  <a:pt x="0" y="120000"/>
+                </a:lnTo>
+                <a:close/>
+              </a:path>
+            </a:pathLst>
+          </a:custGeom>
+        </p:spPr>
+      </p:sp>
+      <p:sp>
+        <p:nvSpPr>
+          <p:cNvPr id="104" name="Google Shape;104;g2d308fb75c8_0_139:notes"/>
+          <p:cNvSpPr txBox="1"/>
+          <p:nvPr>
+            <p:ph idx="1" type="body"/>
+          </p:nvPr>
+        </p:nvSpPr>
+        <p:spPr>
+          <a:xfrm>
+            <a:off x="685800" y="4343400"/>
+            <a:ext cx="5486400" cy="4114800"/>
+          </a:xfrm>
+          <a:prstGeom prst="rect">
+            <a:avLst/>
+          </a:prstGeom>
+        </p:spPr>
+        <p:txBody>
+          <a:bodyPr anchorCtr="0" anchor="t" bIns="91425" lIns="91425" spcFirstLastPara="1" rIns="91425" wrap="square" tIns="91425">
+            <a:noAutofit/>
+          </a:bodyPr>
+          <a:lstStyle/>
+          <a:p>
+            <a:pPr indent="0" lvl="0" marL="0" rtl="0" algn="l">
+              <a:spcBef>
+                <a:spcPts val="0"/>
+              </a:spcBef>
+              <a:spcAft>
+                <a:spcPts val="0"/>
+              </a:spcAft>
+              <a:buNone/>
+            </a:pPr>
+            <a:r>
+              <a:t/>
+            </a:r>
+            <a:endParaRPr/>
+          </a:p>
+        </p:txBody>
+      </p:sp>
+    </p:spTree>
+  </p:cSld>
+  <p:clrMapOvr>
+    <a:masterClrMapping/>
+  </p:clrMapOvr>
+</p:notes>
+</file>
+
+<file path=ppt/notesSlides/notesSlide8.xml><?xml version="1.0" encoding="utf-8"?>
+<p:notes xmlns:a="http://schemas.openxmlformats.org/drawingml/2006/main" xmlns:r="http://schemas.openxmlformats.org/officeDocument/2006/relationships" xmlns:mc="http://schemas.openxmlformats.org/markup-compatibility/2006" xmlns:mv="urn:schemas-microsoft-com:mac:vml" xmlns:p="http://schemas.openxmlformats.org/presentationml/2006/main" xmlns:c="http://schemas.openxmlformats.org/drawingml/2006/chart" xmlns:dgm="http://schemas.openxmlformats.org/drawingml/2006/diagram" xmlns:o="urn:schemas-microsoft-com:office:office" xmlns:v="urn:schemas-microsoft-com:vml" xmlns:pvml="urn:schemas-microsoft-com:office:powerpoint" xmlns:com="http://schemas.openxmlformats.org/drawingml/2006/compatibility" xmlns:p14="http://schemas.microsoft.com/office/powerpoint/2010/main" xmlns:p15="http://schemas.microsoft.com/office/powerpoint/2012/main" xmlns:ahyp="http://schemas.microsoft.com/office/drawing/2018/hyperlinkcolor" showMasterPhAnim="0" showMasterSp="0">
+  <p:cSld>
+    <p:spTree>
+      <p:nvGrpSpPr>
+        <p:cNvPr id="109" name="Shape 109"/>
+        <p:cNvGrpSpPr/>
+        <p:nvPr/>
+      </p:nvGrpSpPr>
+      <p:grpSpPr>
+        <a:xfrm>
+          <a:off x="0" y="0"/>
+          <a:ext cx="0" cy="0"/>
+          <a:chOff x="0" y="0"/>
+          <a:chExt cx="0" cy="0"/>
+        </a:xfrm>
+      </p:grpSpPr>
+      <p:sp>
+        <p:nvSpPr>
+          <p:cNvPr id="110" name="Google Shape;110;g3006a248f11_0_0:notes"/>
+          <p:cNvSpPr/>
+          <p:nvPr>
+            <p:ph idx="2" type="sldImg"/>
+          </p:nvPr>
+        </p:nvSpPr>
+        <p:spPr>
+          <a:xfrm>
+            <a:off x="381300" y="685800"/>
+            <a:ext cx="6096000" cy="3429000"/>
+          </a:xfrm>
+          <a:custGeom>
+            <a:rect b="b" l="l" r="r" t="t"/>
+            <a:pathLst>
+              <a:path extrusionOk="0" h="120000" w="120000">
+                <a:moveTo>
+                  <a:pt x="0" y="0"/>
+                </a:moveTo>
+                <a:lnTo>
+                  <a:pt x="120000" y="0"/>
+                </a:lnTo>
+                <a:lnTo>
+                  <a:pt x="120000" y="120000"/>
+                </a:lnTo>
+                <a:lnTo>
+                  <a:pt x="0" y="120000"/>
+                </a:lnTo>
+                <a:close/>
+              </a:path>
+            </a:pathLst>
+          </a:custGeom>
+        </p:spPr>
+      </p:sp>
+      <p:sp>
+        <p:nvSpPr>
+          <p:cNvPr id="111" name="Google Shape;111;g3006a248f11_0_0:notes"/>
+          <p:cNvSpPr txBox="1"/>
+          <p:nvPr>
+            <p:ph idx="1" type="body"/>
+          </p:nvPr>
+        </p:nvSpPr>
+        <p:spPr>
+          <a:xfrm>
+            <a:off x="685800" y="4343400"/>
+            <a:ext cx="5486400" cy="4114800"/>
+          </a:xfrm>
+          <a:prstGeom prst="rect">
+            <a:avLst/>
+          </a:prstGeom>
+        </p:spPr>
+        <p:txBody>
+          <a:bodyPr anchorCtr="0" anchor="t" bIns="91425" lIns="91425" spcFirstLastPara="1" rIns="91425" wrap="square" tIns="91425">
+            <a:noAutofit/>
+          </a:bodyPr>
+          <a:lstStyle/>
+          <a:p>
+            <a:pPr indent="0" lvl="0" marL="0" rtl="0" algn="l">
+              <a:spcBef>
+                <a:spcPts val="0"/>
+              </a:spcBef>
+              <a:spcAft>
+                <a:spcPts val="0"/>
+              </a:spcAft>
+              <a:buNone/>
+            </a:pPr>
+            <a:r>
+              <a:t/>
+            </a:r>
+            <a:endParaRPr/>
+          </a:p>
+        </p:txBody>
+      </p:sp>
+    </p:spTree>
+  </p:cSld>
+  <p:clrMapOvr>
+    <a:masterClrMapping/>
+  </p:clrMapOvr>
+</p:notes>
+</file>
+
+<file path=ppt/notesSlides/notesSlide9.xml><?xml version="1.0" encoding="utf-8"?>
+<p:notes xmlns:a="http://schemas.openxmlformats.org/drawingml/2006/main" xmlns:r="http://schemas.openxmlformats.org/officeDocument/2006/relationships" xmlns:mc="http://schemas.openxmlformats.org/markup-compatibility/2006" xmlns:mv="urn:schemas-microsoft-com:mac:vml" xmlns:p="http://schemas.openxmlformats.org/presentationml/2006/main" xmlns:c="http://schemas.openxmlformats.org/drawingml/2006/chart" xmlns:dgm="http://schemas.openxmlformats.org/drawingml/2006/diagram" xmlns:o="urn:schemas-microsoft-com:office:office" xmlns:v="urn:schemas-microsoft-com:vml" xmlns:pvml="urn:schemas-microsoft-com:office:powerpoint" xmlns:com="http://schemas.openxmlformats.org/drawingml/2006/compatibility" xmlns:p14="http://schemas.microsoft.com/office/powerpoint/2010/main" xmlns:p15="http://schemas.microsoft.com/office/powerpoint/2012/main" xmlns:ahyp="http://schemas.microsoft.com/office/drawing/2018/hyperlinkcolor" showMasterPhAnim="0" showMasterSp="0">
+  <p:cSld>
+    <p:spTree>
+      <p:nvGrpSpPr>
+        <p:cNvPr id="120" name="Shape 120"/>
+        <p:cNvGrpSpPr/>
+        <p:nvPr/>
+      </p:nvGrpSpPr>
+      <p:grpSpPr>
+        <a:xfrm>
+          <a:off x="0" y="0"/>
+          <a:ext cx="0" cy="0"/>
+          <a:chOff x="0" y="0"/>
+          <a:chExt cx="0" cy="0"/>
+        </a:xfrm>
+      </p:grpSpPr>
+      <p:sp>
+        <p:nvSpPr>
+          <p:cNvPr id="121" name="Google Shape;121;g3006a248f11_0_13:notes"/>
+          <p:cNvSpPr/>
+          <p:nvPr>
+            <p:ph idx="2" type="sldImg"/>
+          </p:nvPr>
+        </p:nvSpPr>
+        <p:spPr>
+          <a:xfrm>
+            <a:off x="381300" y="685800"/>
+            <a:ext cx="6096000" cy="3429000"/>
+          </a:xfrm>
+          <a:custGeom>
+            <a:rect b="b" l="l" r="r" t="t"/>
+            <a:pathLst>
+              <a:path extrusionOk="0" h="120000" w="120000">
+                <a:moveTo>
+                  <a:pt x="0" y="0"/>
+                </a:moveTo>
+                <a:lnTo>
+                  <a:pt x="120000" y="0"/>
+                </a:lnTo>
+                <a:lnTo>
+                  <a:pt x="120000" y="120000"/>
+                </a:lnTo>
+                <a:lnTo>
+                  <a:pt x="0" y="120000"/>
+                </a:lnTo>
+                <a:close/>
+              </a:path>
+            </a:pathLst>
+          </a:custGeom>
+        </p:spPr>
+      </p:sp>
+      <p:sp>
+        <p:nvSpPr>
+          <p:cNvPr id="122" name="Google Shape;122;g3006a248f11_0_13:notes"/>
           <p:cNvSpPr txBox="1"/>
           <p:nvPr>
             <p:ph idx="1" type="body"/>
@@ -6277,8 +7677,8 @@
         </p:nvSpPr>
         <p:spPr>
           <a:xfrm>
-            <a:off x="311700" y="1562625"/>
-            <a:ext cx="8520600" cy="1073400"/>
+            <a:off x="311700" y="2767525"/>
+            <a:ext cx="8520600" cy="834000"/>
           </a:xfrm>
           <a:prstGeom prst="rect">
             <a:avLst/>
@@ -6286,7 +7686,7 @@
         </p:spPr>
         <p:txBody>
           <a:bodyPr anchorCtr="0" anchor="b" bIns="91425" lIns="91425" spcFirstLastPara="1" rIns="91425" wrap="square" tIns="91425">
-            <a:noAutofit/>
+            <a:normAutofit/>
           </a:bodyPr>
           <a:lstStyle/>
           <a:p>
@@ -6300,43 +7700,99 @@
               <a:buNone/>
             </a:pPr>
             <a:r>
-              <a:rPr lang="ru" sz="10000">
+              <a:rPr lang="ru" sz="2000">
                 <a:latin typeface="Roboto Mono Medium"/>
                 <a:ea typeface="Roboto Mono Medium"/>
                 <a:cs typeface="Roboto Mono Medium"/>
                 <a:sym typeface="Roboto Mono Medium"/>
               </a:rPr>
-              <a:t>ZFS</a:t>
-            </a:r>
-            <a:endParaRPr sz="10000">
+              <a:t>предназначение, устройство, </a:t>
+            </a:r>
+            <a:endParaRPr sz="2000">
               <a:latin typeface="Roboto Mono Medium"/>
               <a:ea typeface="Roboto Mono Medium"/>
               <a:cs typeface="Roboto Mono Medium"/>
               <a:sym typeface="Roboto Mono Medium"/>
             </a:endParaRPr>
           </a:p>
+          <a:p>
+            <a:pPr indent="0" lvl="0" marL="0" rtl="0" algn="ctr">
+              <a:spcBef>
+                <a:spcPts val="0"/>
+              </a:spcBef>
+              <a:spcAft>
+                <a:spcPts val="0"/>
+              </a:spcAft>
+              <a:buNone/>
+            </a:pPr>
+            <a:r>
+              <a:rPr lang="ru" sz="2000">
+                <a:latin typeface="Roboto Mono Medium"/>
+                <a:ea typeface="Roboto Mono Medium"/>
+                <a:cs typeface="Roboto Mono Medium"/>
+                <a:sym typeface="Roboto Mono Medium"/>
+              </a:rPr>
+              <a:t>преимущества и недостатки</a:t>
+            </a:r>
+            <a:endParaRPr sz="2000">
+              <a:latin typeface="Roboto Mono Medium"/>
+              <a:ea typeface="Roboto Mono Medium"/>
+              <a:cs typeface="Roboto Mono Medium"/>
+              <a:sym typeface="Roboto Mono Medium"/>
+            </a:endParaRPr>
+          </a:p>
         </p:txBody>
       </p:sp>
-      <p:sp>
-        <p:nvSpPr>
+      <p:pic>
+        <p:nvPicPr>
           <p:cNvPr id="55" name="Google Shape;55;p13"/>
-          <p:cNvSpPr txBox="1"/>
-          <p:nvPr>
-            <p:ph idx="1" type="subTitle"/>
-          </p:nvPr>
-        </p:nvSpPr>
-        <p:spPr>
-          <a:xfrm>
-            <a:off x="311700" y="2597800"/>
-            <a:ext cx="8520600" cy="792600"/>
+          <p:cNvPicPr preferRelativeResize="0"/>
+          <p:nvPr/>
+        </p:nvPicPr>
+        <p:blipFill>
+          <a:blip r:embed="rId3">
+            <a:alphaModFix/>
+          </a:blip>
+          <a:stretch>
+            <a:fillRect/>
+          </a:stretch>
+        </p:blipFill>
+        <p:spPr>
+          <a:xfrm>
+            <a:off x="1810900" y="1244825"/>
+            <a:ext cx="5522206" cy="1326925"/>
           </a:xfrm>
           <a:prstGeom prst="rect">
             <a:avLst/>
           </a:prstGeom>
+          <a:noFill/>
+          <a:ln>
+            <a:noFill/>
+          </a:ln>
+        </p:spPr>
+      </p:pic>
+      <p:sp>
+        <p:nvSpPr>
+          <p:cNvPr id="56" name="Google Shape;56;p13"/>
+          <p:cNvSpPr txBox="1"/>
+          <p:nvPr/>
+        </p:nvSpPr>
+        <p:spPr>
+          <a:xfrm>
+            <a:off x="2446500" y="4155050"/>
+            <a:ext cx="4251000" cy="677100"/>
+          </a:xfrm>
+          <a:prstGeom prst="rect">
+            <a:avLst/>
+          </a:prstGeom>
+          <a:noFill/>
+          <a:ln>
+            <a:noFill/>
+          </a:ln>
         </p:spPr>
         <p:txBody>
           <a:bodyPr anchorCtr="0" anchor="t" bIns="91425" lIns="91425" spcFirstLastPara="1" rIns="91425" wrap="square" tIns="91425">
-            <a:normAutofit fontScale="85000" lnSpcReduction="20000"/>
+            <a:spAutoFit/>
           </a:bodyPr>
           <a:lstStyle/>
           <a:p>
@@ -6350,7 +7806,7 @@
               <a:buNone/>
             </a:pPr>
             <a:r>
-              <a:rPr lang="ru">
+              <a:rPr lang="ru" sz="1600">
                 <a:solidFill>
                   <a:schemeClr val="dk1"/>
                 </a:solidFill>
@@ -6359,9 +7815,9 @@
                 <a:cs typeface="Roboto Mono Medium"/>
                 <a:sym typeface="Roboto Mono Medium"/>
               </a:rPr>
-              <a:t>Устройство, преимущества</a:t>
-            </a:r>
-            <a:endParaRPr>
+              <a:t>Швалов Даниил K34211</a:t>
+            </a:r>
+            <a:endParaRPr sz="1600">
               <a:solidFill>
                 <a:schemeClr val="dk1"/>
               </a:solidFill>
@@ -6382,7 +7838,7 @@
               <a:buNone/>
             </a:pPr>
             <a:r>
-              <a:rPr lang="ru">
+              <a:rPr lang="ru" sz="1600">
                 <a:solidFill>
                   <a:schemeClr val="dk1"/>
                 </a:solidFill>
@@ -6391,9 +7847,9 @@
                 <a:cs typeface="Roboto Mono Medium"/>
                 <a:sym typeface="Roboto Mono Medium"/>
               </a:rPr>
-              <a:t>и недостатки</a:t>
-            </a:r>
-            <a:endParaRPr>
+              <a:t>Университет ИТМО, 2024</a:t>
+            </a:r>
+            <a:endParaRPr sz="1600">
               <a:solidFill>
                 <a:schemeClr val="dk1"/>
               </a:solidFill>
@@ -6405,26 +7861,79 @@
           </a:p>
         </p:txBody>
       </p:sp>
-      <p:sp>
-        <p:nvSpPr>
-          <p:cNvPr id="56" name="Google Shape;56;p13"/>
-          <p:cNvSpPr txBox="1"/>
-          <p:nvPr>
-            <p:ph idx="1" type="subTitle"/>
-          </p:nvPr>
-        </p:nvSpPr>
-        <p:spPr>
-          <a:xfrm>
-            <a:off x="311700" y="4231750"/>
-            <a:ext cx="8520600" cy="531000"/>
+    </p:spTree>
+  </p:cSld>
+  <p:clrMapOvr>
+    <a:masterClrMapping/>
+  </p:clrMapOvr>
+</p:sld>
+</file>
+
+<file path=ppt/slides/slide10.xml><?xml version="1.0" encoding="utf-8"?>
+<p:sld xmlns:a="http://schemas.openxmlformats.org/drawingml/2006/main" xmlns:r="http://schemas.openxmlformats.org/officeDocument/2006/relationships" xmlns:mc="http://schemas.openxmlformats.org/markup-compatibility/2006" xmlns:mv="urn:schemas-microsoft-com:mac:vml" xmlns:p="http://schemas.openxmlformats.org/presentationml/2006/main" xmlns:c="http://schemas.openxmlformats.org/drawingml/2006/chart" xmlns:dgm="http://schemas.openxmlformats.org/drawingml/2006/diagram" xmlns:o="urn:schemas-microsoft-com:office:office" xmlns:v="urn:schemas-microsoft-com:vml" xmlns:pvml="urn:schemas-microsoft-com:office:powerpoint" xmlns:com="http://schemas.openxmlformats.org/drawingml/2006/compatibility" xmlns:p14="http://schemas.microsoft.com/office/powerpoint/2010/main" xmlns:p15="http://schemas.microsoft.com/office/powerpoint/2012/main" xmlns:ahyp="http://schemas.microsoft.com/office/drawing/2018/hyperlinkcolor">
+  <p:cSld>
+    <p:spTree>
+      <p:nvGrpSpPr>
+        <p:cNvPr id="129" name="Shape 129"/>
+        <p:cNvGrpSpPr/>
+        <p:nvPr/>
+      </p:nvGrpSpPr>
+      <p:grpSpPr>
+        <a:xfrm>
+          <a:off x="0" y="0"/>
+          <a:ext cx="0" cy="0"/>
+          <a:chOff x="0" y="0"/>
+          <a:chExt cx="0" cy="0"/>
+        </a:xfrm>
+      </p:grpSpPr>
+      <p:pic>
+        <p:nvPicPr>
+          <p:cNvPr id="130" name="Google Shape;130;p22"/>
+          <p:cNvPicPr preferRelativeResize="0"/>
+          <p:nvPr/>
+        </p:nvPicPr>
+        <p:blipFill>
+          <a:blip r:embed="rId3">
+            <a:alphaModFix/>
+          </a:blip>
+          <a:stretch>
+            <a:fillRect/>
+          </a:stretch>
+        </p:blipFill>
+        <p:spPr>
+          <a:xfrm>
+            <a:off x="1660250" y="1354200"/>
+            <a:ext cx="6113150" cy="3495926"/>
           </a:xfrm>
           <a:prstGeom prst="rect">
             <a:avLst/>
           </a:prstGeom>
+          <a:noFill/>
+          <a:ln>
+            <a:noFill/>
+          </a:ln>
+        </p:spPr>
+      </p:pic>
+      <p:sp>
+        <p:nvSpPr>
+          <p:cNvPr id="131" name="Google Shape;131;p22"/>
+          <p:cNvSpPr txBox="1"/>
+          <p:nvPr>
+            <p:ph idx="4294967295" type="title"/>
+          </p:nvPr>
+        </p:nvSpPr>
+        <p:spPr>
+          <a:xfrm>
+            <a:off x="311700" y="372625"/>
+            <a:ext cx="8520600" cy="647100"/>
+          </a:xfrm>
+          <a:prstGeom prst="rect">
+            <a:avLst/>
+          </a:prstGeom>
         </p:spPr>
         <p:txBody>
           <a:bodyPr anchorCtr="0" anchor="t" bIns="91425" lIns="91425" spcFirstLastPara="1" rIns="91425" wrap="square" tIns="91425">
-            <a:normAutofit/>
+            <a:noAutofit/>
           </a:bodyPr>
           <a:lstStyle/>
           <a:p>
@@ -6438,20 +7947,1447 @@
               <a:buNone/>
             </a:pPr>
             <a:r>
-              <a:rPr lang="ru" sz="2000">
+              <a:rPr lang="ru" sz="3500">
+                <a:latin typeface="Roboto Mono Medium"/>
+                <a:ea typeface="Roboto Mono Medium"/>
+                <a:cs typeface="Roboto Mono Medium"/>
+                <a:sym typeface="Roboto Mono Medium"/>
+              </a:rPr>
+              <a:t>Zigbee и IEEE 802.15.4</a:t>
+            </a:r>
+            <a:endParaRPr sz="3500">
+              <a:latin typeface="Roboto Mono Medium"/>
+              <a:ea typeface="Roboto Mono Medium"/>
+              <a:cs typeface="Roboto Mono Medium"/>
+              <a:sym typeface="Roboto Mono Medium"/>
+            </a:endParaRPr>
+          </a:p>
+        </p:txBody>
+      </p:sp>
+    </p:spTree>
+  </p:cSld>
+  <p:clrMapOvr>
+    <a:masterClrMapping/>
+  </p:clrMapOvr>
+</p:sld>
+</file>
+
+<file path=ppt/slides/slide11.xml><?xml version="1.0" encoding="utf-8"?>
+<p:sld xmlns:a="http://schemas.openxmlformats.org/drawingml/2006/main" xmlns:r="http://schemas.openxmlformats.org/officeDocument/2006/relationships" xmlns:mc="http://schemas.openxmlformats.org/markup-compatibility/2006" xmlns:mv="urn:schemas-microsoft-com:mac:vml" xmlns:p="http://schemas.openxmlformats.org/presentationml/2006/main" xmlns:c="http://schemas.openxmlformats.org/drawingml/2006/chart" xmlns:dgm="http://schemas.openxmlformats.org/drawingml/2006/diagram" xmlns:o="urn:schemas-microsoft-com:office:office" xmlns:v="urn:schemas-microsoft-com:vml" xmlns:pvml="urn:schemas-microsoft-com:office:powerpoint" xmlns:com="http://schemas.openxmlformats.org/drawingml/2006/compatibility" xmlns:p14="http://schemas.microsoft.com/office/powerpoint/2010/main" xmlns:p15="http://schemas.microsoft.com/office/powerpoint/2012/main" xmlns:ahyp="http://schemas.microsoft.com/office/drawing/2018/hyperlinkcolor">
+  <p:cSld>
+    <p:spTree>
+      <p:nvGrpSpPr>
+        <p:cNvPr id="135" name="Shape 135"/>
+        <p:cNvGrpSpPr/>
+        <p:nvPr/>
+      </p:nvGrpSpPr>
+      <p:grpSpPr>
+        <a:xfrm>
+          <a:off x="0" y="0"/>
+          <a:ext cx="0" cy="0"/>
+          <a:chOff x="0" y="0"/>
+          <a:chExt cx="0" cy="0"/>
+        </a:xfrm>
+      </p:grpSpPr>
+      <p:sp>
+        <p:nvSpPr>
+          <p:cNvPr id="136" name="Google Shape;136;p23"/>
+          <p:cNvSpPr txBox="1"/>
+          <p:nvPr>
+            <p:ph idx="4294967295" type="title"/>
+          </p:nvPr>
+        </p:nvSpPr>
+        <p:spPr>
+          <a:xfrm>
+            <a:off x="311700" y="372625"/>
+            <a:ext cx="8520600" cy="647100"/>
+          </a:xfrm>
+          <a:prstGeom prst="rect">
+            <a:avLst/>
+          </a:prstGeom>
+        </p:spPr>
+        <p:txBody>
+          <a:bodyPr anchorCtr="0" anchor="t" bIns="91425" lIns="91425" spcFirstLastPara="1" rIns="91425" wrap="square" tIns="91425">
+            <a:noAutofit/>
+          </a:bodyPr>
+          <a:lstStyle/>
+          <a:p>
+            <a:pPr indent="0" lvl="0" marL="0" rtl="0" algn="l">
+              <a:spcBef>
+                <a:spcPts val="0"/>
+              </a:spcBef>
+              <a:spcAft>
+                <a:spcPts val="0"/>
+              </a:spcAft>
+              <a:buNone/>
+            </a:pPr>
+            <a:r>
+              <a:rPr lang="ru" sz="3500">
+                <a:latin typeface="Roboto Mono Medium"/>
+                <a:ea typeface="Roboto Mono Medium"/>
+                <a:cs typeface="Roboto Mono Medium"/>
+                <a:sym typeface="Roboto Mono Medium"/>
+              </a:rPr>
+              <a:t>IEEE 802</a:t>
+            </a:r>
+            <a:endParaRPr sz="3500">
+              <a:latin typeface="Roboto Mono Medium"/>
+              <a:ea typeface="Roboto Mono Medium"/>
+              <a:cs typeface="Roboto Mono Medium"/>
+              <a:sym typeface="Roboto Mono Medium"/>
+            </a:endParaRPr>
+          </a:p>
+        </p:txBody>
+      </p:sp>
+      <p:sp>
+        <p:nvSpPr>
+          <p:cNvPr id="137" name="Google Shape;137;p23"/>
+          <p:cNvSpPr txBox="1"/>
+          <p:nvPr/>
+        </p:nvSpPr>
+        <p:spPr>
+          <a:xfrm>
+            <a:off x="1086150" y="1549350"/>
+            <a:ext cx="6971700" cy="461700"/>
+          </a:xfrm>
+          <a:prstGeom prst="rect">
+            <a:avLst/>
+          </a:prstGeom>
+          <a:noFill/>
+          <a:ln>
+            <a:noFill/>
+          </a:ln>
+        </p:spPr>
+        <p:txBody>
+          <a:bodyPr anchorCtr="0" anchor="t" bIns="91425" lIns="91425" spcFirstLastPara="1" rIns="91425" wrap="square" tIns="91425">
+            <a:spAutoFit/>
+          </a:bodyPr>
+          <a:lstStyle/>
+          <a:p>
+            <a:pPr indent="0" lvl="0" marL="0" rtl="0" algn="ctr">
+              <a:spcBef>
+                <a:spcPts val="0"/>
+              </a:spcBef>
+              <a:spcAft>
+                <a:spcPts val="0"/>
+              </a:spcAft>
+              <a:buNone/>
+            </a:pPr>
+            <a:r>
+              <a:rPr lang="ru" sz="1800">
+                <a:latin typeface="Roboto Mono Medium"/>
+                <a:ea typeface="Roboto Mono Medium"/>
+                <a:cs typeface="Roboto Mono Medium"/>
+                <a:sym typeface="Roboto Mono Medium"/>
+              </a:rPr>
+              <a:t>Для канального уровня определяет два подуровня </a:t>
+            </a:r>
+            <a:endParaRPr sz="1800">
+              <a:latin typeface="Roboto Mono Medium"/>
+              <a:ea typeface="Roboto Mono Medium"/>
+              <a:cs typeface="Roboto Mono Medium"/>
+              <a:sym typeface="Roboto Mono Medium"/>
+            </a:endParaRPr>
+          </a:p>
+        </p:txBody>
+      </p:sp>
+      <p:sp>
+        <p:nvSpPr>
+          <p:cNvPr id="138" name="Google Shape;138;p23"/>
+          <p:cNvSpPr txBox="1"/>
+          <p:nvPr/>
+        </p:nvSpPr>
+        <p:spPr>
+          <a:xfrm>
+            <a:off x="1086150" y="2729800"/>
+            <a:ext cx="2743500" cy="1015800"/>
+          </a:xfrm>
+          <a:prstGeom prst="rect">
+            <a:avLst/>
+          </a:prstGeom>
+          <a:noFill/>
+          <a:ln>
+            <a:noFill/>
+          </a:ln>
+        </p:spPr>
+        <p:txBody>
+          <a:bodyPr anchorCtr="0" anchor="t" bIns="91425" lIns="91425" spcFirstLastPara="1" rIns="91425" wrap="square" tIns="91425">
+            <a:spAutoFit/>
+          </a:bodyPr>
+          <a:lstStyle/>
+          <a:p>
+            <a:pPr indent="0" lvl="0" marL="0" rtl="0" algn="ctr">
+              <a:spcBef>
+                <a:spcPts val="0"/>
+              </a:spcBef>
+              <a:spcAft>
+                <a:spcPts val="0"/>
+              </a:spcAft>
+              <a:buNone/>
+            </a:pPr>
+            <a:r>
+              <a:rPr lang="ru" sz="1800">
+                <a:latin typeface="Roboto Mono Medium"/>
+                <a:ea typeface="Roboto Mono Medium"/>
+                <a:cs typeface="Roboto Mono Medium"/>
+                <a:sym typeface="Roboto Mono Medium"/>
+              </a:rPr>
+              <a:t>Управление доступом к среде (MAC)</a:t>
+            </a:r>
+            <a:endParaRPr sz="1800">
+              <a:latin typeface="Roboto Mono Medium"/>
+              <a:ea typeface="Roboto Mono Medium"/>
+              <a:cs typeface="Roboto Mono Medium"/>
+              <a:sym typeface="Roboto Mono Medium"/>
+            </a:endParaRPr>
+          </a:p>
+        </p:txBody>
+      </p:sp>
+      <p:sp>
+        <p:nvSpPr>
+          <p:cNvPr id="139" name="Google Shape;139;p23"/>
+          <p:cNvSpPr txBox="1"/>
+          <p:nvPr/>
+        </p:nvSpPr>
+        <p:spPr>
+          <a:xfrm>
+            <a:off x="5314350" y="2729800"/>
+            <a:ext cx="2743500" cy="1015800"/>
+          </a:xfrm>
+          <a:prstGeom prst="rect">
+            <a:avLst/>
+          </a:prstGeom>
+          <a:noFill/>
+          <a:ln>
+            <a:noFill/>
+          </a:ln>
+        </p:spPr>
+        <p:txBody>
+          <a:bodyPr anchorCtr="0" anchor="t" bIns="91425" lIns="91425" spcFirstLastPara="1" rIns="91425" wrap="square" tIns="91425">
+            <a:spAutoFit/>
+          </a:bodyPr>
+          <a:lstStyle/>
+          <a:p>
+            <a:pPr indent="0" lvl="0" marL="0" rtl="0" algn="ctr">
+              <a:spcBef>
+                <a:spcPts val="0"/>
+              </a:spcBef>
+              <a:spcAft>
+                <a:spcPts val="0"/>
+              </a:spcAft>
+              <a:buNone/>
+            </a:pPr>
+            <a:r>
+              <a:rPr lang="ru" sz="1800">
+                <a:latin typeface="Roboto Mono Medium"/>
+                <a:ea typeface="Roboto Mono Medium"/>
+                <a:cs typeface="Roboto Mono Medium"/>
+                <a:sym typeface="Roboto Mono Medium"/>
+              </a:rPr>
+              <a:t>Управление логической связью (LLC)</a:t>
+            </a:r>
+            <a:endParaRPr sz="1800">
+              <a:latin typeface="Roboto Mono Medium"/>
+              <a:ea typeface="Roboto Mono Medium"/>
+              <a:cs typeface="Roboto Mono Medium"/>
+              <a:sym typeface="Roboto Mono Medium"/>
+            </a:endParaRPr>
+          </a:p>
+        </p:txBody>
+      </p:sp>
+      <p:cxnSp>
+        <p:nvCxnSpPr>
+          <p:cNvPr id="140" name="Google Shape;140;p23"/>
+          <p:cNvCxnSpPr>
+            <a:stCxn id="137" idx="2"/>
+            <a:endCxn id="138" idx="0"/>
+          </p:cNvCxnSpPr>
+          <p:nvPr/>
+        </p:nvCxnSpPr>
+        <p:spPr>
+          <a:xfrm flipH="1">
+            <a:off x="2457900" y="2011050"/>
+            <a:ext cx="2114100" cy="718800"/>
+          </a:xfrm>
+          <a:prstGeom prst="straightConnector1">
+            <a:avLst/>
+          </a:prstGeom>
+          <a:noFill/>
+          <a:ln cap="flat" cmpd="sng" w="38100">
+            <a:solidFill>
+              <a:schemeClr val="dk2"/>
+            </a:solidFill>
+            <a:prstDash val="solid"/>
+            <a:round/>
+            <a:headEnd len="med" w="med" type="none"/>
+            <a:tailEnd len="med" w="med" type="triangle"/>
+          </a:ln>
+        </p:spPr>
+      </p:cxnSp>
+      <p:cxnSp>
+        <p:nvCxnSpPr>
+          <p:cNvPr id="141" name="Google Shape;141;p23"/>
+          <p:cNvCxnSpPr>
+            <a:stCxn id="137" idx="2"/>
+            <a:endCxn id="139" idx="0"/>
+          </p:cNvCxnSpPr>
+          <p:nvPr/>
+        </p:nvCxnSpPr>
+        <p:spPr>
+          <a:xfrm>
+            <a:off x="4572000" y="2011050"/>
+            <a:ext cx="2114100" cy="718800"/>
+          </a:xfrm>
+          <a:prstGeom prst="straightConnector1">
+            <a:avLst/>
+          </a:prstGeom>
+          <a:noFill/>
+          <a:ln cap="flat" cmpd="sng" w="38100">
+            <a:solidFill>
+              <a:schemeClr val="dk2"/>
+            </a:solidFill>
+            <a:prstDash val="solid"/>
+            <a:round/>
+            <a:headEnd len="med" w="med" type="none"/>
+            <a:tailEnd len="med" w="med" type="triangle"/>
+          </a:ln>
+        </p:spPr>
+      </p:cxnSp>
+      <p:sp>
+        <p:nvSpPr>
+          <p:cNvPr id="142" name="Google Shape;142;p23"/>
+          <p:cNvSpPr txBox="1"/>
+          <p:nvPr/>
+        </p:nvSpPr>
+        <p:spPr>
+          <a:xfrm>
+            <a:off x="1035850" y="3881300"/>
+            <a:ext cx="2743500" cy="738900"/>
+          </a:xfrm>
+          <a:prstGeom prst="rect">
+            <a:avLst/>
+          </a:prstGeom>
+          <a:noFill/>
+          <a:ln>
+            <a:noFill/>
+          </a:ln>
+        </p:spPr>
+        <p:txBody>
+          <a:bodyPr anchorCtr="0" anchor="t" bIns="91425" lIns="91425" spcFirstLastPara="1" rIns="91425" wrap="square" tIns="91425">
+            <a:spAutoFit/>
+          </a:bodyPr>
+          <a:lstStyle/>
+          <a:p>
+            <a:pPr indent="0" lvl="0" marL="0" rtl="0" algn="ctr">
+              <a:spcBef>
+                <a:spcPts val="0"/>
+              </a:spcBef>
+              <a:spcAft>
+                <a:spcPts val="0"/>
+              </a:spcAft>
+              <a:buNone/>
+            </a:pPr>
+            <a:r>
+              <a:rPr lang="ru" sz="1800">
+                <a:latin typeface="Roboto Mono Medium"/>
+                <a:ea typeface="Roboto Mono Medium"/>
+                <a:cs typeface="Roboto Mono Medium"/>
+                <a:sym typeface="Roboto Mono Medium"/>
+              </a:rPr>
+              <a:t>Используется IEEE 802.15.4</a:t>
+            </a:r>
+            <a:endParaRPr sz="1800">
+              <a:latin typeface="Roboto Mono Medium"/>
+              <a:ea typeface="Roboto Mono Medium"/>
+              <a:cs typeface="Roboto Mono Medium"/>
+              <a:sym typeface="Roboto Mono Medium"/>
+            </a:endParaRPr>
+          </a:p>
+        </p:txBody>
+      </p:sp>
+    </p:spTree>
+  </p:cSld>
+  <p:clrMapOvr>
+    <a:masterClrMapping/>
+  </p:clrMapOvr>
+</p:sld>
+</file>
+
+<file path=ppt/slides/slide12.xml><?xml version="1.0" encoding="utf-8"?>
+<p:sld xmlns:a="http://schemas.openxmlformats.org/drawingml/2006/main" xmlns:r="http://schemas.openxmlformats.org/officeDocument/2006/relationships" xmlns:mc="http://schemas.openxmlformats.org/markup-compatibility/2006" xmlns:mv="urn:schemas-microsoft-com:mac:vml" xmlns:p="http://schemas.openxmlformats.org/presentationml/2006/main" xmlns:c="http://schemas.openxmlformats.org/drawingml/2006/chart" xmlns:dgm="http://schemas.openxmlformats.org/drawingml/2006/diagram" xmlns:o="urn:schemas-microsoft-com:office:office" xmlns:v="urn:schemas-microsoft-com:vml" xmlns:pvml="urn:schemas-microsoft-com:office:powerpoint" xmlns:com="http://schemas.openxmlformats.org/drawingml/2006/compatibility" xmlns:p14="http://schemas.microsoft.com/office/powerpoint/2010/main" xmlns:p15="http://schemas.microsoft.com/office/powerpoint/2012/main" xmlns:ahyp="http://schemas.microsoft.com/office/drawing/2018/hyperlinkcolor">
+  <p:cSld>
+    <p:spTree>
+      <p:nvGrpSpPr>
+        <p:cNvPr id="146" name="Shape 146"/>
+        <p:cNvGrpSpPr/>
+        <p:nvPr/>
+      </p:nvGrpSpPr>
+      <p:grpSpPr>
+        <a:xfrm>
+          <a:off x="0" y="0"/>
+          <a:ext cx="0" cy="0"/>
+          <a:chOff x="0" y="0"/>
+          <a:chExt cx="0" cy="0"/>
+        </a:xfrm>
+      </p:grpSpPr>
+      <p:sp>
+        <p:nvSpPr>
+          <p:cNvPr id="147" name="Google Shape;147;p24"/>
+          <p:cNvSpPr txBox="1"/>
+          <p:nvPr>
+            <p:ph idx="4294967295" type="title"/>
+          </p:nvPr>
+        </p:nvSpPr>
+        <p:spPr>
+          <a:xfrm>
+            <a:off x="311700" y="372625"/>
+            <a:ext cx="8520600" cy="647100"/>
+          </a:xfrm>
+          <a:prstGeom prst="rect">
+            <a:avLst/>
+          </a:prstGeom>
+        </p:spPr>
+        <p:txBody>
+          <a:bodyPr anchorCtr="0" anchor="t" bIns="91425" lIns="91425" spcFirstLastPara="1" rIns="91425" wrap="square" tIns="91425">
+            <a:noAutofit/>
+          </a:bodyPr>
+          <a:lstStyle/>
+          <a:p>
+            <a:pPr indent="0" lvl="0" marL="0" rtl="0" algn="l">
+              <a:spcBef>
+                <a:spcPts val="0"/>
+              </a:spcBef>
+              <a:spcAft>
+                <a:spcPts val="0"/>
+              </a:spcAft>
+              <a:buNone/>
+            </a:pPr>
+            <a:r>
+              <a:rPr lang="ru" sz="3500">
+                <a:latin typeface="Roboto Mono Medium"/>
+                <a:ea typeface="Roboto Mono Medium"/>
+                <a:cs typeface="Roboto Mono Medium"/>
+                <a:sym typeface="Roboto Mono Medium"/>
+              </a:rPr>
+              <a:t>IEEE 802.15.4</a:t>
+            </a:r>
+            <a:endParaRPr sz="3500">
+              <a:latin typeface="Roboto Mono Medium"/>
+              <a:ea typeface="Roboto Mono Medium"/>
+              <a:cs typeface="Roboto Mono Medium"/>
+              <a:sym typeface="Roboto Mono Medium"/>
+            </a:endParaRPr>
+          </a:p>
+        </p:txBody>
+      </p:sp>
+      <p:sp>
+        <p:nvSpPr>
+          <p:cNvPr id="148" name="Google Shape;148;p24"/>
+          <p:cNvSpPr txBox="1"/>
+          <p:nvPr/>
+        </p:nvSpPr>
+        <p:spPr>
+          <a:xfrm>
+            <a:off x="311700" y="1080000"/>
+            <a:ext cx="5856600" cy="3786600"/>
+          </a:xfrm>
+          <a:prstGeom prst="rect">
+            <a:avLst/>
+          </a:prstGeom>
+          <a:noFill/>
+          <a:ln>
+            <a:noFill/>
+          </a:ln>
+        </p:spPr>
+        <p:txBody>
+          <a:bodyPr anchorCtr="0" anchor="t" bIns="91425" lIns="91425" spcFirstLastPara="1" rIns="91425" wrap="square" tIns="91425">
+            <a:spAutoFit/>
+          </a:bodyPr>
+          <a:lstStyle/>
+          <a:p>
+            <a:pPr indent="0" lvl="0" marL="0" rtl="0" algn="l">
+              <a:spcBef>
+                <a:spcPts val="0"/>
+              </a:spcBef>
+              <a:spcAft>
+                <a:spcPts val="0"/>
+              </a:spcAft>
+              <a:buNone/>
+            </a:pPr>
+            <a:r>
+              <a:rPr lang="ru" sz="1800">
+                <a:latin typeface="Roboto Mono Medium"/>
+                <a:ea typeface="Roboto Mono Medium"/>
+                <a:cs typeface="Roboto Mono Medium"/>
+                <a:sym typeface="Roboto Mono Medium"/>
+              </a:rPr>
+              <a:t>Определяет физический уровень (PHY) и подуровень управления доступом к среде (MAC), которые используются в Zigbee.</a:t>
+            </a:r>
+            <a:endParaRPr sz="1800">
+              <a:latin typeface="Roboto Mono Medium"/>
+              <a:ea typeface="Roboto Mono Medium"/>
+              <a:cs typeface="Roboto Mono Medium"/>
+              <a:sym typeface="Roboto Mono Medium"/>
+            </a:endParaRPr>
+          </a:p>
+          <a:p>
+            <a:pPr indent="0" lvl="0" marL="0" rtl="0" algn="l">
+              <a:spcBef>
+                <a:spcPts val="0"/>
+              </a:spcBef>
+              <a:spcAft>
+                <a:spcPts val="0"/>
+              </a:spcAft>
+              <a:buNone/>
+            </a:pPr>
+            <a:r>
+              <a:t/>
+            </a:r>
+            <a:endParaRPr sz="1800">
+              <a:latin typeface="Roboto Mono Medium"/>
+              <a:ea typeface="Roboto Mono Medium"/>
+              <a:cs typeface="Roboto Mono Medium"/>
+              <a:sym typeface="Roboto Mono Medium"/>
+            </a:endParaRPr>
+          </a:p>
+          <a:p>
+            <a:pPr indent="0" lvl="0" marL="0" rtl="0" algn="l">
+              <a:spcBef>
+                <a:spcPts val="0"/>
+              </a:spcBef>
+              <a:spcAft>
+                <a:spcPts val="0"/>
+              </a:spcAft>
+              <a:buNone/>
+            </a:pPr>
+            <a:r>
+              <a:rPr lang="ru" sz="1800">
+                <a:latin typeface="Roboto Mono Medium"/>
+                <a:ea typeface="Roboto Mono Medium"/>
+                <a:cs typeface="Roboto Mono Medium"/>
+                <a:sym typeface="Roboto Mono Medium"/>
+              </a:rPr>
+              <a:t>Для физического уровня определяет радиочастотные диапазоны:</a:t>
+            </a:r>
+            <a:endParaRPr sz="1800">
+              <a:latin typeface="Roboto Mono Medium"/>
+              <a:ea typeface="Roboto Mono Medium"/>
+              <a:cs typeface="Roboto Mono Medium"/>
+              <a:sym typeface="Roboto Mono Medium"/>
+            </a:endParaRPr>
+          </a:p>
+          <a:p>
+            <a:pPr indent="-342900" lvl="0" marL="457200" rtl="0" algn="l">
+              <a:spcBef>
+                <a:spcPts val="0"/>
+              </a:spcBef>
+              <a:spcAft>
+                <a:spcPts val="0"/>
+              </a:spcAft>
+              <a:buSzPts val="1800"/>
+              <a:buFont typeface="Roboto Mono Medium"/>
+              <a:buChar char="-"/>
+            </a:pPr>
+            <a:r>
+              <a:rPr lang="ru" sz="1800">
+                <a:latin typeface="Roboto Mono Medium"/>
+                <a:ea typeface="Roboto Mono Medium"/>
+                <a:cs typeface="Roboto Mono Medium"/>
+                <a:sym typeface="Roboto Mono Medium"/>
+              </a:rPr>
+              <a:t>1 канал в диапазоне 868 МГц, до 250 Кбит/с (Европа)</a:t>
+            </a:r>
+            <a:endParaRPr sz="1800">
+              <a:latin typeface="Roboto Mono Medium"/>
+              <a:ea typeface="Roboto Mono Medium"/>
+              <a:cs typeface="Roboto Mono Medium"/>
+              <a:sym typeface="Roboto Mono Medium"/>
+            </a:endParaRPr>
+          </a:p>
+          <a:p>
+            <a:pPr indent="-342900" lvl="0" marL="457200" rtl="0" algn="l">
+              <a:spcBef>
+                <a:spcPts val="0"/>
+              </a:spcBef>
+              <a:spcAft>
+                <a:spcPts val="0"/>
+              </a:spcAft>
+              <a:buSzPts val="1800"/>
+              <a:buFont typeface="Roboto Mono Medium"/>
+              <a:buChar char="-"/>
+            </a:pPr>
+            <a:r>
+              <a:rPr lang="ru" sz="1800">
+                <a:latin typeface="Roboto Mono Medium"/>
+                <a:ea typeface="Roboto Mono Medium"/>
+                <a:cs typeface="Roboto Mono Medium"/>
+                <a:sym typeface="Roboto Mono Medium"/>
+              </a:rPr>
+              <a:t>10 каналов в диапазоне 915 МГц, до 250 Кбит/с (США и Австралия)</a:t>
+            </a:r>
+            <a:endParaRPr sz="1800">
+              <a:latin typeface="Roboto Mono Medium"/>
+              <a:ea typeface="Roboto Mono Medium"/>
+              <a:cs typeface="Roboto Mono Medium"/>
+              <a:sym typeface="Roboto Mono Medium"/>
+            </a:endParaRPr>
+          </a:p>
+          <a:p>
+            <a:pPr indent="-342900" lvl="0" marL="457200" rtl="0" algn="l">
+              <a:spcBef>
+                <a:spcPts val="0"/>
+              </a:spcBef>
+              <a:spcAft>
+                <a:spcPts val="0"/>
+              </a:spcAft>
+              <a:buSzPts val="1800"/>
+              <a:buFont typeface="Roboto Mono Medium"/>
+              <a:buChar char="-"/>
+            </a:pPr>
+            <a:r>
+              <a:rPr lang="ru" sz="1800">
+                <a:latin typeface="Roboto Mono Medium"/>
+                <a:ea typeface="Roboto Mono Medium"/>
+                <a:cs typeface="Roboto Mono Medium"/>
+                <a:sym typeface="Roboto Mono Medium"/>
+              </a:rPr>
+              <a:t>16 каналов в диапазоне 2.4 ГГц, до 1 Мбит/с (Россия и большинство стран мира)</a:t>
+            </a:r>
+            <a:endParaRPr sz="1800">
+              <a:latin typeface="Roboto Mono Medium"/>
+              <a:ea typeface="Roboto Mono Medium"/>
+              <a:cs typeface="Roboto Mono Medium"/>
+              <a:sym typeface="Roboto Mono Medium"/>
+            </a:endParaRPr>
+          </a:p>
+        </p:txBody>
+      </p:sp>
+      <p:pic>
+        <p:nvPicPr>
+          <p:cNvPr id="149" name="Google Shape;149;p24"/>
+          <p:cNvPicPr preferRelativeResize="0"/>
+          <p:nvPr/>
+        </p:nvPicPr>
+        <p:blipFill>
+          <a:blip r:embed="rId3">
+            <a:alphaModFix/>
+          </a:blip>
+          <a:stretch>
+            <a:fillRect/>
+          </a:stretch>
+        </p:blipFill>
+        <p:spPr>
+          <a:xfrm>
+            <a:off x="5684050" y="841775"/>
+            <a:ext cx="3459950" cy="3459950"/>
+          </a:xfrm>
+          <a:prstGeom prst="rect">
+            <a:avLst/>
+          </a:prstGeom>
+          <a:noFill/>
+          <a:ln>
+            <a:noFill/>
+          </a:ln>
+        </p:spPr>
+      </p:pic>
+    </p:spTree>
+  </p:cSld>
+  <p:clrMapOvr>
+    <a:masterClrMapping/>
+  </p:clrMapOvr>
+</p:sld>
+</file>
+
+<file path=ppt/slides/slide13.xml><?xml version="1.0" encoding="utf-8"?>
+<p:sld xmlns:a="http://schemas.openxmlformats.org/drawingml/2006/main" xmlns:r="http://schemas.openxmlformats.org/officeDocument/2006/relationships" xmlns:mc="http://schemas.openxmlformats.org/markup-compatibility/2006" xmlns:mv="urn:schemas-microsoft-com:mac:vml" xmlns:p="http://schemas.openxmlformats.org/presentationml/2006/main" xmlns:c="http://schemas.openxmlformats.org/drawingml/2006/chart" xmlns:dgm="http://schemas.openxmlformats.org/drawingml/2006/diagram" xmlns:o="urn:schemas-microsoft-com:office:office" xmlns:v="urn:schemas-microsoft-com:vml" xmlns:pvml="urn:schemas-microsoft-com:office:powerpoint" xmlns:com="http://schemas.openxmlformats.org/drawingml/2006/compatibility" xmlns:p14="http://schemas.microsoft.com/office/powerpoint/2010/main" xmlns:p15="http://schemas.microsoft.com/office/powerpoint/2012/main" xmlns:ahyp="http://schemas.microsoft.com/office/drawing/2018/hyperlinkcolor">
+  <p:cSld>
+    <p:spTree>
+      <p:nvGrpSpPr>
+        <p:cNvPr id="153" name="Shape 153"/>
+        <p:cNvGrpSpPr/>
+        <p:nvPr/>
+      </p:nvGrpSpPr>
+      <p:grpSpPr>
+        <a:xfrm>
+          <a:off x="0" y="0"/>
+          <a:ext cx="0" cy="0"/>
+          <a:chOff x="0" y="0"/>
+          <a:chExt cx="0" cy="0"/>
+        </a:xfrm>
+      </p:grpSpPr>
+      <p:sp>
+        <p:nvSpPr>
+          <p:cNvPr id="154" name="Google Shape;154;p25"/>
+          <p:cNvSpPr txBox="1"/>
+          <p:nvPr>
+            <p:ph idx="4294967295" type="title"/>
+          </p:nvPr>
+        </p:nvSpPr>
+        <p:spPr>
+          <a:xfrm>
+            <a:off x="311700" y="372625"/>
+            <a:ext cx="8520600" cy="647100"/>
+          </a:xfrm>
+          <a:prstGeom prst="rect">
+            <a:avLst/>
+          </a:prstGeom>
+        </p:spPr>
+        <p:txBody>
+          <a:bodyPr anchorCtr="0" anchor="t" bIns="91425" lIns="91425" spcFirstLastPara="1" rIns="91425" wrap="square" tIns="91425">
+            <a:noAutofit/>
+          </a:bodyPr>
+          <a:lstStyle/>
+          <a:p>
+            <a:pPr indent="0" lvl="0" marL="0" rtl="0" algn="l">
+              <a:spcBef>
+                <a:spcPts val="0"/>
+              </a:spcBef>
+              <a:spcAft>
+                <a:spcPts val="0"/>
+              </a:spcAft>
+              <a:buNone/>
+            </a:pPr>
+            <a:r>
+              <a:rPr lang="ru" sz="3500">
+                <a:latin typeface="Roboto Mono Medium"/>
+                <a:ea typeface="Roboto Mono Medium"/>
+                <a:cs typeface="Roboto Mono Medium"/>
+                <a:sym typeface="Roboto Mono Medium"/>
+              </a:rPr>
+              <a:t>Zigbee: сетевой уровень</a:t>
+            </a:r>
+            <a:endParaRPr sz="3500">
+              <a:latin typeface="Roboto Mono Medium"/>
+              <a:ea typeface="Roboto Mono Medium"/>
+              <a:cs typeface="Roboto Mono Medium"/>
+              <a:sym typeface="Roboto Mono Medium"/>
+            </a:endParaRPr>
+          </a:p>
+        </p:txBody>
+      </p:sp>
+      <p:sp>
+        <p:nvSpPr>
+          <p:cNvPr id="155" name="Google Shape;155;p25"/>
+          <p:cNvSpPr txBox="1"/>
+          <p:nvPr/>
+        </p:nvSpPr>
+        <p:spPr>
+          <a:xfrm>
+            <a:off x="311700" y="1326150"/>
+            <a:ext cx="5364300" cy="2678100"/>
+          </a:xfrm>
+          <a:prstGeom prst="rect">
+            <a:avLst/>
+          </a:prstGeom>
+          <a:noFill/>
+          <a:ln>
+            <a:noFill/>
+          </a:ln>
+        </p:spPr>
+        <p:txBody>
+          <a:bodyPr anchorCtr="0" anchor="t" bIns="91425" lIns="91425" spcFirstLastPara="1" rIns="91425" wrap="square" tIns="91425">
+            <a:spAutoFit/>
+          </a:bodyPr>
+          <a:lstStyle/>
+          <a:p>
+            <a:pPr indent="-342900" lvl="0" marL="457200" rtl="0" algn="l">
+              <a:spcBef>
+                <a:spcPts val="0"/>
+              </a:spcBef>
+              <a:spcAft>
+                <a:spcPts val="0"/>
+              </a:spcAft>
+              <a:buSzPts val="1800"/>
+              <a:buFont typeface="Roboto Mono Medium"/>
+              <a:buChar char="-"/>
+            </a:pPr>
+            <a:r>
+              <a:rPr lang="ru" sz="1800">
+                <a:latin typeface="Roboto Mono Medium"/>
+                <a:ea typeface="Roboto Mono Medium"/>
+                <a:cs typeface="Roboto Mono Medium"/>
+                <a:sym typeface="Roboto Mono Medium"/>
+              </a:rPr>
+              <a:t>Использует функции подуровня управления доступом к среде (MAC) и обеспечивает интерфейс для вышестоящего прикладного уровня</a:t>
+            </a:r>
+            <a:endParaRPr sz="1800">
+              <a:latin typeface="Roboto Mono Medium"/>
+              <a:ea typeface="Roboto Mono Medium"/>
+              <a:cs typeface="Roboto Mono Medium"/>
+              <a:sym typeface="Roboto Mono Medium"/>
+            </a:endParaRPr>
+          </a:p>
+          <a:p>
+            <a:pPr indent="-342900" lvl="0" marL="457200" rtl="0" algn="l">
+              <a:spcBef>
+                <a:spcPts val="0"/>
+              </a:spcBef>
+              <a:spcAft>
+                <a:spcPts val="0"/>
+              </a:spcAft>
+              <a:buSzPts val="1800"/>
+              <a:buFont typeface="Roboto Mono Medium"/>
+              <a:buChar char="-"/>
+            </a:pPr>
+            <a:r>
+              <a:rPr lang="ru" sz="1800">
+                <a:latin typeface="Roboto Mono Medium"/>
+                <a:ea typeface="Roboto Mono Medium"/>
+                <a:cs typeface="Roboto Mono Medium"/>
+                <a:sym typeface="Roboto Mono Medium"/>
+              </a:rPr>
+              <a:t>Реализует поддержку сетевых топологий (топология звезда, ячеистая топология)</a:t>
+            </a:r>
+            <a:endParaRPr sz="1800">
+              <a:latin typeface="Roboto Mono Medium"/>
+              <a:ea typeface="Roboto Mono Medium"/>
+              <a:cs typeface="Roboto Mono Medium"/>
+              <a:sym typeface="Roboto Mono Medium"/>
+            </a:endParaRPr>
+          </a:p>
+          <a:p>
+            <a:pPr indent="-342900" lvl="0" marL="457200" rtl="0" algn="l">
+              <a:spcBef>
+                <a:spcPts val="0"/>
+              </a:spcBef>
+              <a:spcAft>
+                <a:spcPts val="0"/>
+              </a:spcAft>
+              <a:buSzPts val="1800"/>
+              <a:buFont typeface="Roboto Mono Medium"/>
+              <a:buChar char="-"/>
+            </a:pPr>
+            <a:r>
+              <a:rPr lang="ru" sz="1800">
+                <a:latin typeface="Roboto Mono Medium"/>
+                <a:ea typeface="Roboto Mono Medium"/>
+                <a:cs typeface="Roboto Mono Medium"/>
+                <a:sym typeface="Roboto Mono Medium"/>
+              </a:rPr>
+              <a:t>Выполняет маршрутизацию запросов по алгоритму AODV</a:t>
+            </a:r>
+            <a:endParaRPr sz="1800">
+              <a:latin typeface="Roboto Mono Medium"/>
+              <a:ea typeface="Roboto Mono Medium"/>
+              <a:cs typeface="Roboto Mono Medium"/>
+              <a:sym typeface="Roboto Mono Medium"/>
+            </a:endParaRPr>
+          </a:p>
+        </p:txBody>
+      </p:sp>
+      <p:pic>
+        <p:nvPicPr>
+          <p:cNvPr id="156" name="Google Shape;156;p25"/>
+          <p:cNvPicPr preferRelativeResize="0"/>
+          <p:nvPr/>
+        </p:nvPicPr>
+        <p:blipFill>
+          <a:blip r:embed="rId3">
+            <a:alphaModFix/>
+          </a:blip>
+          <a:stretch>
+            <a:fillRect/>
+          </a:stretch>
+        </p:blipFill>
+        <p:spPr>
+          <a:xfrm>
+            <a:off x="6103250" y="1326675"/>
+            <a:ext cx="2490150" cy="2490150"/>
+          </a:xfrm>
+          <a:prstGeom prst="rect">
+            <a:avLst/>
+          </a:prstGeom>
+          <a:noFill/>
+          <a:ln>
+            <a:noFill/>
+          </a:ln>
+        </p:spPr>
+      </p:pic>
+    </p:spTree>
+  </p:cSld>
+  <p:clrMapOvr>
+    <a:masterClrMapping/>
+  </p:clrMapOvr>
+</p:sld>
+</file>
+
+<file path=ppt/slides/slide14.xml><?xml version="1.0" encoding="utf-8"?>
+<p:sld xmlns:a="http://schemas.openxmlformats.org/drawingml/2006/main" xmlns:r="http://schemas.openxmlformats.org/officeDocument/2006/relationships" xmlns:mc="http://schemas.openxmlformats.org/markup-compatibility/2006" xmlns:mv="urn:schemas-microsoft-com:mac:vml" xmlns:p="http://schemas.openxmlformats.org/presentationml/2006/main" xmlns:c="http://schemas.openxmlformats.org/drawingml/2006/chart" xmlns:dgm="http://schemas.openxmlformats.org/drawingml/2006/diagram" xmlns:o="urn:schemas-microsoft-com:office:office" xmlns:v="urn:schemas-microsoft-com:vml" xmlns:pvml="urn:schemas-microsoft-com:office:powerpoint" xmlns:com="http://schemas.openxmlformats.org/drawingml/2006/compatibility" xmlns:p14="http://schemas.microsoft.com/office/powerpoint/2010/main" xmlns:p15="http://schemas.microsoft.com/office/powerpoint/2012/main" xmlns:ahyp="http://schemas.microsoft.com/office/drawing/2018/hyperlinkcolor">
+  <p:cSld>
+    <p:spTree>
+      <p:nvGrpSpPr>
+        <p:cNvPr id="160" name="Shape 160"/>
+        <p:cNvGrpSpPr/>
+        <p:nvPr/>
+      </p:nvGrpSpPr>
+      <p:grpSpPr>
+        <a:xfrm>
+          <a:off x="0" y="0"/>
+          <a:ext cx="0" cy="0"/>
+          <a:chOff x="0" y="0"/>
+          <a:chExt cx="0" cy="0"/>
+        </a:xfrm>
+      </p:grpSpPr>
+      <p:sp>
+        <p:nvSpPr>
+          <p:cNvPr id="161" name="Google Shape;161;p26"/>
+          <p:cNvSpPr txBox="1"/>
+          <p:nvPr>
+            <p:ph idx="4294967295" type="title"/>
+          </p:nvPr>
+        </p:nvSpPr>
+        <p:spPr>
+          <a:xfrm>
+            <a:off x="311700" y="372625"/>
+            <a:ext cx="8520600" cy="647100"/>
+          </a:xfrm>
+          <a:prstGeom prst="rect">
+            <a:avLst/>
+          </a:prstGeom>
+        </p:spPr>
+        <p:txBody>
+          <a:bodyPr anchorCtr="0" anchor="t" bIns="91425" lIns="91425" spcFirstLastPara="1" rIns="91425" wrap="square" tIns="91425">
+            <a:noAutofit/>
+          </a:bodyPr>
+          <a:lstStyle/>
+          <a:p>
+            <a:pPr indent="0" lvl="0" marL="0" rtl="0" algn="l">
+              <a:spcBef>
+                <a:spcPts val="0"/>
+              </a:spcBef>
+              <a:spcAft>
+                <a:spcPts val="0"/>
+              </a:spcAft>
+              <a:buNone/>
+            </a:pPr>
+            <a:r>
+              <a:rPr lang="ru" sz="3500">
+                <a:latin typeface="Roboto Mono Medium"/>
+                <a:ea typeface="Roboto Mono Medium"/>
+                <a:cs typeface="Roboto Mono Medium"/>
+                <a:sym typeface="Roboto Mono Medium"/>
+              </a:rPr>
+              <a:t>Zigbee: формирование сети</a:t>
+            </a:r>
+            <a:endParaRPr sz="3500">
+              <a:latin typeface="Roboto Mono Medium"/>
+              <a:ea typeface="Roboto Mono Medium"/>
+              <a:cs typeface="Roboto Mono Medium"/>
+              <a:sym typeface="Roboto Mono Medium"/>
+            </a:endParaRPr>
+          </a:p>
+        </p:txBody>
+      </p:sp>
+      <p:sp>
+        <p:nvSpPr>
+          <p:cNvPr id="162" name="Google Shape;162;p26"/>
+          <p:cNvSpPr txBox="1"/>
+          <p:nvPr/>
+        </p:nvSpPr>
+        <p:spPr>
+          <a:xfrm>
+            <a:off x="311700" y="1463725"/>
+            <a:ext cx="5364300" cy="2955300"/>
+          </a:xfrm>
+          <a:prstGeom prst="rect">
+            <a:avLst/>
+          </a:prstGeom>
+          <a:noFill/>
+          <a:ln>
+            <a:noFill/>
+          </a:ln>
+        </p:spPr>
+        <p:txBody>
+          <a:bodyPr anchorCtr="0" anchor="t" bIns="91425" lIns="91425" spcFirstLastPara="1" rIns="91425" wrap="square" tIns="91425">
+            <a:spAutoFit/>
+          </a:bodyPr>
+          <a:lstStyle/>
+          <a:p>
+            <a:pPr indent="-342900" lvl="0" marL="457200" rtl="0" algn="l">
+              <a:spcBef>
+                <a:spcPts val="0"/>
+              </a:spcBef>
+              <a:spcAft>
+                <a:spcPts val="0"/>
+              </a:spcAft>
+              <a:buSzPts val="1800"/>
+              <a:buFont typeface="Roboto Mono Medium"/>
+              <a:buAutoNum type="arabicPeriod"/>
+            </a:pPr>
+            <a:r>
+              <a:rPr lang="ru" sz="1800">
+                <a:latin typeface="Roboto Mono Medium"/>
+                <a:ea typeface="Roboto Mono Medium"/>
+                <a:cs typeface="Roboto Mono Medium"/>
+                <a:sym typeface="Roboto Mono Medium"/>
+              </a:rPr>
+              <a:t>Устройство, пытающееся присоединиться к сети, рассылает широковещательный запрос</a:t>
+            </a:r>
+            <a:endParaRPr sz="1800">
+              <a:latin typeface="Roboto Mono Medium"/>
+              <a:ea typeface="Roboto Mono Medium"/>
+              <a:cs typeface="Roboto Mono Medium"/>
+              <a:sym typeface="Roboto Mono Medium"/>
+            </a:endParaRPr>
+          </a:p>
+          <a:p>
+            <a:pPr indent="-342900" lvl="0" marL="457200" rtl="0" algn="l">
+              <a:spcBef>
+                <a:spcPts val="0"/>
+              </a:spcBef>
+              <a:spcAft>
+                <a:spcPts val="0"/>
+              </a:spcAft>
+              <a:buSzPts val="1800"/>
+              <a:buFont typeface="Roboto Mono Medium"/>
+              <a:buAutoNum type="arabicPeriod"/>
+            </a:pPr>
+            <a:r>
+              <a:rPr lang="ru" sz="1800">
+                <a:latin typeface="Roboto Mono Medium"/>
+                <a:ea typeface="Roboto Mono Medium"/>
+                <a:cs typeface="Roboto Mono Medium"/>
+                <a:sym typeface="Roboto Mono Medium"/>
+              </a:rPr>
+              <a:t>Координатор или ближайший роутер он отвечает на запрос и предоставляет присоединение к сети</a:t>
+            </a:r>
+            <a:endParaRPr sz="1800">
+              <a:latin typeface="Roboto Mono Medium"/>
+              <a:ea typeface="Roboto Mono Medium"/>
+              <a:cs typeface="Roboto Mono Medium"/>
+              <a:sym typeface="Roboto Mono Medium"/>
+            </a:endParaRPr>
+          </a:p>
+          <a:p>
+            <a:pPr indent="-342900" lvl="0" marL="457200" rtl="0" algn="l">
+              <a:spcBef>
+                <a:spcPts val="0"/>
+              </a:spcBef>
+              <a:spcAft>
+                <a:spcPts val="0"/>
+              </a:spcAft>
+              <a:buSzPts val="1800"/>
+              <a:buFont typeface="Roboto Mono Medium"/>
+              <a:buAutoNum type="arabicPeriod"/>
+            </a:pPr>
+            <a:r>
+              <a:rPr lang="ru" sz="1800">
+                <a:latin typeface="Roboto Mono Medium"/>
+                <a:ea typeface="Roboto Mono Medium"/>
+                <a:cs typeface="Roboto Mono Medium"/>
+                <a:sym typeface="Roboto Mono Medium"/>
+              </a:rPr>
+              <a:t>Устройство, пытающееся присоединиться к сети, получает ответ с присвоенным ему сетевым адресом</a:t>
+            </a:r>
+            <a:endParaRPr sz="1800">
+              <a:latin typeface="Roboto Mono Medium"/>
+              <a:ea typeface="Roboto Mono Medium"/>
+              <a:cs typeface="Roboto Mono Medium"/>
+              <a:sym typeface="Roboto Mono Medium"/>
+            </a:endParaRPr>
+          </a:p>
+        </p:txBody>
+      </p:sp>
+      <p:pic>
+        <p:nvPicPr>
+          <p:cNvPr id="163" name="Google Shape;163;p26"/>
+          <p:cNvPicPr preferRelativeResize="0"/>
+          <p:nvPr/>
+        </p:nvPicPr>
+        <p:blipFill>
+          <a:blip r:embed="rId3">
+            <a:alphaModFix/>
+          </a:blip>
+          <a:stretch>
+            <a:fillRect/>
+          </a:stretch>
+        </p:blipFill>
+        <p:spPr>
+          <a:xfrm>
+            <a:off x="6178600" y="1574663"/>
+            <a:ext cx="2458275" cy="2458275"/>
+          </a:xfrm>
+          <a:prstGeom prst="rect">
+            <a:avLst/>
+          </a:prstGeom>
+          <a:noFill/>
+          <a:ln>
+            <a:noFill/>
+          </a:ln>
+        </p:spPr>
+      </p:pic>
+    </p:spTree>
+  </p:cSld>
+  <p:clrMapOvr>
+    <a:masterClrMapping/>
+  </p:clrMapOvr>
+</p:sld>
+</file>
+
+<file path=ppt/slides/slide15.xml><?xml version="1.0" encoding="utf-8"?>
+<p:sld xmlns:a="http://schemas.openxmlformats.org/drawingml/2006/main" xmlns:r="http://schemas.openxmlformats.org/officeDocument/2006/relationships" xmlns:mc="http://schemas.openxmlformats.org/markup-compatibility/2006" xmlns:mv="urn:schemas-microsoft-com:mac:vml" xmlns:p="http://schemas.openxmlformats.org/presentationml/2006/main" xmlns:c="http://schemas.openxmlformats.org/drawingml/2006/chart" xmlns:dgm="http://schemas.openxmlformats.org/drawingml/2006/diagram" xmlns:o="urn:schemas-microsoft-com:office:office" xmlns:v="urn:schemas-microsoft-com:vml" xmlns:pvml="urn:schemas-microsoft-com:office:powerpoint" xmlns:com="http://schemas.openxmlformats.org/drawingml/2006/compatibility" xmlns:p14="http://schemas.microsoft.com/office/powerpoint/2010/main" xmlns:p15="http://schemas.microsoft.com/office/powerpoint/2012/main" xmlns:ahyp="http://schemas.microsoft.com/office/drawing/2018/hyperlinkcolor">
+  <p:cSld>
+    <p:spTree>
+      <p:nvGrpSpPr>
+        <p:cNvPr id="167" name="Shape 167"/>
+        <p:cNvGrpSpPr/>
+        <p:nvPr/>
+      </p:nvGrpSpPr>
+      <p:grpSpPr>
+        <a:xfrm>
+          <a:off x="0" y="0"/>
+          <a:ext cx="0" cy="0"/>
+          <a:chOff x="0" y="0"/>
+          <a:chExt cx="0" cy="0"/>
+        </a:xfrm>
+      </p:grpSpPr>
+      <p:sp>
+        <p:nvSpPr>
+          <p:cNvPr id="168" name="Google Shape;168;p27"/>
+          <p:cNvSpPr txBox="1"/>
+          <p:nvPr>
+            <p:ph idx="4294967295" type="title"/>
+          </p:nvPr>
+        </p:nvSpPr>
+        <p:spPr>
+          <a:xfrm>
+            <a:off x="311700" y="372625"/>
+            <a:ext cx="8520600" cy="647100"/>
+          </a:xfrm>
+          <a:prstGeom prst="rect">
+            <a:avLst/>
+          </a:prstGeom>
+        </p:spPr>
+        <p:txBody>
+          <a:bodyPr anchorCtr="0" anchor="t" bIns="91425" lIns="91425" spcFirstLastPara="1" rIns="91425" wrap="square" tIns="91425">
+            <a:noAutofit/>
+          </a:bodyPr>
+          <a:lstStyle/>
+          <a:p>
+            <a:pPr indent="0" lvl="0" marL="0" rtl="0" algn="l">
+              <a:spcBef>
+                <a:spcPts val="0"/>
+              </a:spcBef>
+              <a:spcAft>
+                <a:spcPts val="0"/>
+              </a:spcAft>
+              <a:buNone/>
+            </a:pPr>
+            <a:r>
+              <a:rPr lang="ru" sz="3500">
+                <a:latin typeface="Roboto Mono Medium"/>
+                <a:ea typeface="Roboto Mono Medium"/>
+                <a:cs typeface="Roboto Mono Medium"/>
+                <a:sym typeface="Roboto Mono Medium"/>
+              </a:rPr>
+              <a:t>Zigbee: безопасность</a:t>
+            </a:r>
+            <a:endParaRPr sz="3500">
+              <a:latin typeface="Roboto Mono Medium"/>
+              <a:ea typeface="Roboto Mono Medium"/>
+              <a:cs typeface="Roboto Mono Medium"/>
+              <a:sym typeface="Roboto Mono Medium"/>
+            </a:endParaRPr>
+          </a:p>
+        </p:txBody>
+      </p:sp>
+      <p:sp>
+        <p:nvSpPr>
+          <p:cNvPr id="169" name="Google Shape;169;p27"/>
+          <p:cNvSpPr txBox="1"/>
+          <p:nvPr/>
+        </p:nvSpPr>
+        <p:spPr>
+          <a:xfrm>
+            <a:off x="311700" y="1463725"/>
+            <a:ext cx="5791500" cy="2955300"/>
+          </a:xfrm>
+          <a:prstGeom prst="rect">
+            <a:avLst/>
+          </a:prstGeom>
+          <a:noFill/>
+          <a:ln>
+            <a:noFill/>
+          </a:ln>
+        </p:spPr>
+        <p:txBody>
+          <a:bodyPr anchorCtr="0" anchor="t" bIns="91425" lIns="91425" spcFirstLastPara="1" rIns="91425" wrap="square" tIns="91425">
+            <a:spAutoFit/>
+          </a:bodyPr>
+          <a:lstStyle/>
+          <a:p>
+            <a:pPr indent="-342900" lvl="0" marL="457200" rtl="0" algn="l">
+              <a:spcBef>
+                <a:spcPts val="0"/>
+              </a:spcBef>
+              <a:spcAft>
+                <a:spcPts val="0"/>
+              </a:spcAft>
+              <a:buSzPts val="1800"/>
+              <a:buFont typeface="Roboto Mono Medium"/>
+              <a:buChar char="-"/>
+            </a:pPr>
+            <a:r>
+              <a:rPr lang="ru" sz="1800">
+                <a:latin typeface="Roboto Mono Medium"/>
+                <a:ea typeface="Roboto Mono Medium"/>
+                <a:cs typeface="Roboto Mono Medium"/>
+                <a:sym typeface="Roboto Mono Medium"/>
+              </a:rPr>
+              <a:t>Система безопасности основана на 128-битном AES алгоритме</a:t>
+            </a:r>
+            <a:endParaRPr sz="1800">
+              <a:latin typeface="Roboto Mono Medium"/>
+              <a:ea typeface="Roboto Mono Medium"/>
+              <a:cs typeface="Roboto Mono Medium"/>
+              <a:sym typeface="Roboto Mono Medium"/>
+            </a:endParaRPr>
+          </a:p>
+          <a:p>
+            <a:pPr indent="-342900" lvl="0" marL="457200" rtl="0" algn="l">
+              <a:spcBef>
+                <a:spcPts val="0"/>
+              </a:spcBef>
+              <a:spcAft>
+                <a:spcPts val="0"/>
+              </a:spcAft>
+              <a:buSzPts val="1800"/>
+              <a:buFont typeface="Roboto Mono Medium"/>
+              <a:buChar char="-"/>
+            </a:pPr>
+            <a:r>
+              <a:rPr lang="ru" sz="1800">
+                <a:latin typeface="Roboto Mono Medium"/>
+                <a:ea typeface="Roboto Mono Medium"/>
+                <a:cs typeface="Roboto Mono Medium"/>
+                <a:sym typeface="Roboto Mono Medium"/>
+              </a:rPr>
+              <a:t>При необходимости взаимодействие между устройствами может происходить в полностью зашифрованном виде</a:t>
+            </a:r>
+            <a:endParaRPr sz="1800">
+              <a:latin typeface="Roboto Mono Medium"/>
+              <a:ea typeface="Roboto Mono Medium"/>
+              <a:cs typeface="Roboto Mono Medium"/>
+              <a:sym typeface="Roboto Mono Medium"/>
+            </a:endParaRPr>
+          </a:p>
+          <a:p>
+            <a:pPr indent="-342900" lvl="0" marL="457200" rtl="0" algn="l">
+              <a:spcBef>
+                <a:spcPts val="0"/>
+              </a:spcBef>
+              <a:spcAft>
+                <a:spcPts val="0"/>
+              </a:spcAft>
+              <a:buSzPts val="1800"/>
+              <a:buFont typeface="Roboto Mono Medium"/>
+              <a:buChar char="-"/>
+            </a:pPr>
+            <a:r>
+              <a:rPr lang="ru" sz="1800">
+                <a:latin typeface="Roboto Mono Medium"/>
+                <a:ea typeface="Roboto Mono Medium"/>
+                <a:cs typeface="Roboto Mono Medium"/>
+                <a:sym typeface="Roboto Mono Medium"/>
+              </a:rPr>
+              <a:t>Два режима безопасности: стандартный и повышенный. Во втором случае центр управления безопасностью накладывает более строгие политики, если это требуется.</a:t>
+            </a:r>
+            <a:endParaRPr sz="1800">
+              <a:latin typeface="Roboto Mono Medium"/>
+              <a:ea typeface="Roboto Mono Medium"/>
+              <a:cs typeface="Roboto Mono Medium"/>
+              <a:sym typeface="Roboto Mono Medium"/>
+            </a:endParaRPr>
+          </a:p>
+        </p:txBody>
+      </p:sp>
+      <p:pic>
+        <p:nvPicPr>
+          <p:cNvPr id="170" name="Google Shape;170;p27"/>
+          <p:cNvPicPr preferRelativeResize="0"/>
+          <p:nvPr/>
+        </p:nvPicPr>
+        <p:blipFill>
+          <a:blip r:embed="rId3">
+            <a:alphaModFix/>
+          </a:blip>
+          <a:stretch>
+            <a:fillRect/>
+          </a:stretch>
+        </p:blipFill>
+        <p:spPr>
+          <a:xfrm>
+            <a:off x="6248025" y="1504438"/>
+            <a:ext cx="2381574" cy="2381574"/>
+          </a:xfrm>
+          <a:prstGeom prst="rect">
+            <a:avLst/>
+          </a:prstGeom>
+          <a:noFill/>
+          <a:ln>
+            <a:noFill/>
+          </a:ln>
+        </p:spPr>
+      </p:pic>
+    </p:spTree>
+  </p:cSld>
+  <p:clrMapOvr>
+    <a:masterClrMapping/>
+  </p:clrMapOvr>
+</p:sld>
+</file>
+
+<file path=ppt/slides/slide16.xml><?xml version="1.0" encoding="utf-8"?>
+<p:sld xmlns:a="http://schemas.openxmlformats.org/drawingml/2006/main" xmlns:r="http://schemas.openxmlformats.org/officeDocument/2006/relationships" xmlns:mc="http://schemas.openxmlformats.org/markup-compatibility/2006" xmlns:mv="urn:schemas-microsoft-com:mac:vml" xmlns:p="http://schemas.openxmlformats.org/presentationml/2006/main" xmlns:c="http://schemas.openxmlformats.org/drawingml/2006/chart" xmlns:dgm="http://schemas.openxmlformats.org/drawingml/2006/diagram" xmlns:o="urn:schemas-microsoft-com:office:office" xmlns:v="urn:schemas-microsoft-com:vml" xmlns:pvml="urn:schemas-microsoft-com:office:powerpoint" xmlns:com="http://schemas.openxmlformats.org/drawingml/2006/compatibility" xmlns:p14="http://schemas.microsoft.com/office/powerpoint/2010/main" xmlns:p15="http://schemas.microsoft.com/office/powerpoint/2012/main" xmlns:ahyp="http://schemas.microsoft.com/office/drawing/2018/hyperlinkcolor">
+  <p:cSld>
+    <p:spTree>
+      <p:nvGrpSpPr>
+        <p:cNvPr id="174" name="Shape 174"/>
+        <p:cNvGrpSpPr/>
+        <p:nvPr/>
+      </p:nvGrpSpPr>
+      <p:grpSpPr>
+        <a:xfrm>
+          <a:off x="0" y="0"/>
+          <a:ext cx="0" cy="0"/>
+          <a:chOff x="0" y="0"/>
+          <a:chExt cx="0" cy="0"/>
+        </a:xfrm>
+      </p:grpSpPr>
+      <p:sp>
+        <p:nvSpPr>
+          <p:cNvPr id="175" name="Google Shape;175;p28"/>
+          <p:cNvSpPr txBox="1"/>
+          <p:nvPr>
+            <p:ph type="title"/>
+          </p:nvPr>
+        </p:nvSpPr>
+        <p:spPr>
+          <a:xfrm>
+            <a:off x="311700" y="445025"/>
+            <a:ext cx="8520600" cy="647100"/>
+          </a:xfrm>
+          <a:prstGeom prst="rect">
+            <a:avLst/>
+          </a:prstGeom>
+        </p:spPr>
+        <p:txBody>
+          <a:bodyPr anchorCtr="0" anchor="t" bIns="91425" lIns="91425" spcFirstLastPara="1" rIns="91425" wrap="square" tIns="91425">
+            <a:noAutofit/>
+          </a:bodyPr>
+          <a:lstStyle/>
+          <a:p>
+            <a:pPr indent="0" lvl="0" marL="0" rtl="0" algn="l">
+              <a:spcBef>
+                <a:spcPts val="0"/>
+              </a:spcBef>
+              <a:spcAft>
+                <a:spcPts val="0"/>
+              </a:spcAft>
+              <a:buNone/>
+            </a:pPr>
+            <a:r>
+              <a:rPr lang="ru" sz="3000">
+                <a:latin typeface="Roboto Mono Medium"/>
+                <a:ea typeface="Roboto Mono Medium"/>
+                <a:cs typeface="Roboto Mono Medium"/>
+                <a:sym typeface="Roboto Mono Medium"/>
+              </a:rPr>
+              <a:t>Zigbee: преимущества и недостатки</a:t>
+            </a:r>
+            <a:endParaRPr sz="3000">
+              <a:latin typeface="Roboto Mono Medium"/>
+              <a:ea typeface="Roboto Mono Medium"/>
+              <a:cs typeface="Roboto Mono Medium"/>
+              <a:sym typeface="Roboto Mono Medium"/>
+            </a:endParaRPr>
+          </a:p>
+        </p:txBody>
+      </p:sp>
+      <p:sp>
+        <p:nvSpPr>
+          <p:cNvPr id="176" name="Google Shape;176;p28"/>
+          <p:cNvSpPr txBox="1"/>
+          <p:nvPr>
+            <p:ph idx="1" type="body"/>
+          </p:nvPr>
+        </p:nvSpPr>
+        <p:spPr>
+          <a:xfrm>
+            <a:off x="311700" y="1173450"/>
+            <a:ext cx="8520600" cy="3549900"/>
+          </a:xfrm>
+          <a:prstGeom prst="rect">
+            <a:avLst/>
+          </a:prstGeom>
+        </p:spPr>
+        <p:txBody>
+          <a:bodyPr anchorCtr="0" anchor="t" bIns="91425" lIns="91425" spcFirstLastPara="1" rIns="91425" wrap="square" tIns="91425">
+            <a:noAutofit/>
+          </a:bodyPr>
+          <a:lstStyle/>
+          <a:p>
+            <a:pPr indent="0" lvl="0" marL="0" rtl="0" algn="l">
+              <a:spcBef>
+                <a:spcPts val="0"/>
+              </a:spcBef>
+              <a:spcAft>
+                <a:spcPts val="0"/>
+              </a:spcAft>
+              <a:buNone/>
+            </a:pPr>
+            <a:r>
+              <a:rPr b="1" lang="ru" sz="1600">
                 <a:solidFill>
-                  <a:srgbClr val="666666"/>
+                  <a:schemeClr val="dk1"/>
+                </a:solidFill>
+                <a:latin typeface="Roboto Mono"/>
+                <a:ea typeface="Roboto Mono"/>
+                <a:cs typeface="Roboto Mono"/>
+                <a:sym typeface="Roboto Mono"/>
+              </a:rPr>
+              <a:t>Преимущества:</a:t>
+            </a:r>
+            <a:endParaRPr b="1" sz="1600">
+              <a:solidFill>
+                <a:schemeClr val="dk1"/>
+              </a:solidFill>
+              <a:latin typeface="Roboto Mono"/>
+              <a:ea typeface="Roboto Mono"/>
+              <a:cs typeface="Roboto Mono"/>
+              <a:sym typeface="Roboto Mono"/>
+            </a:endParaRPr>
+          </a:p>
+          <a:p>
+            <a:pPr indent="-330200" lvl="0" marL="457200" rtl="0" algn="l">
+              <a:spcBef>
+                <a:spcPts val="1200"/>
+              </a:spcBef>
+              <a:spcAft>
+                <a:spcPts val="0"/>
+              </a:spcAft>
+              <a:buClr>
+                <a:schemeClr val="dk1"/>
+              </a:buClr>
+              <a:buSzPts val="1600"/>
+              <a:buFont typeface="Roboto Mono Medium"/>
+              <a:buChar char="-"/>
+            </a:pPr>
+            <a:r>
+              <a:rPr lang="ru" sz="1600">
+                <a:solidFill>
+                  <a:schemeClr val="dk1"/>
                 </a:solidFill>
                 <a:latin typeface="Roboto Mono Medium"/>
                 <a:ea typeface="Roboto Mono Medium"/>
                 <a:cs typeface="Roboto Mono Medium"/>
                 <a:sym typeface="Roboto Mono Medium"/>
               </a:rPr>
-              <a:t>Швалов Даниил K34211</a:t>
-            </a:r>
-            <a:endParaRPr sz="2000">
+              <a:t>Низкое энергопотребление</a:t>
+            </a:r>
+            <a:endParaRPr sz="1600">
               <a:solidFill>
-                <a:srgbClr val="666666"/>
+                <a:schemeClr val="dk1"/>
               </a:solidFill>
               <a:latin typeface="Roboto Mono Medium"/>
               <a:ea typeface="Roboto Mono Medium"/>
@@ -6459,8 +9395,1439 @@
               <a:sym typeface="Roboto Mono Medium"/>
             </a:endParaRPr>
           </a:p>
+          <a:p>
+            <a:pPr indent="-330200" lvl="0" marL="457200" rtl="0" algn="l">
+              <a:spcBef>
+                <a:spcPts val="0"/>
+              </a:spcBef>
+              <a:spcAft>
+                <a:spcPts val="0"/>
+              </a:spcAft>
+              <a:buClr>
+                <a:schemeClr val="dk1"/>
+              </a:buClr>
+              <a:buSzPts val="1600"/>
+              <a:buFont typeface="Roboto Mono Medium"/>
+              <a:buChar char="-"/>
+            </a:pPr>
+            <a:r>
+              <a:rPr lang="ru" sz="1600">
+                <a:solidFill>
+                  <a:schemeClr val="dk1"/>
+                </a:solidFill>
+                <a:latin typeface="Roboto Mono Medium"/>
+                <a:ea typeface="Roboto Mono Medium"/>
+                <a:cs typeface="Roboto Mono Medium"/>
+                <a:sym typeface="Roboto Mono Medium"/>
+              </a:rPr>
+              <a:t>Надёжная сеть</a:t>
+            </a:r>
+            <a:endParaRPr sz="1600">
+              <a:solidFill>
+                <a:schemeClr val="dk1"/>
+              </a:solidFill>
+              <a:latin typeface="Roboto Mono Medium"/>
+              <a:ea typeface="Roboto Mono Medium"/>
+              <a:cs typeface="Roboto Mono Medium"/>
+              <a:sym typeface="Roboto Mono Medium"/>
+            </a:endParaRPr>
+          </a:p>
+          <a:p>
+            <a:pPr indent="-330200" lvl="0" marL="457200" rtl="0" algn="l">
+              <a:spcBef>
+                <a:spcPts val="0"/>
+              </a:spcBef>
+              <a:spcAft>
+                <a:spcPts val="0"/>
+              </a:spcAft>
+              <a:buClr>
+                <a:schemeClr val="dk1"/>
+              </a:buClr>
+              <a:buSzPts val="1600"/>
+              <a:buFont typeface="Roboto Mono Medium"/>
+              <a:buChar char="-"/>
+            </a:pPr>
+            <a:r>
+              <a:rPr lang="ru" sz="1600">
+                <a:solidFill>
+                  <a:schemeClr val="dk1"/>
+                </a:solidFill>
+                <a:latin typeface="Roboto Mono Medium"/>
+                <a:ea typeface="Roboto Mono Medium"/>
+                <a:cs typeface="Roboto Mono Medium"/>
+                <a:sym typeface="Roboto Mono Medium"/>
+              </a:rPr>
+              <a:t>Расширенный диапазон частот</a:t>
+            </a:r>
+            <a:endParaRPr sz="1600">
+              <a:solidFill>
+                <a:schemeClr val="dk1"/>
+              </a:solidFill>
+              <a:latin typeface="Roboto Mono Medium"/>
+              <a:ea typeface="Roboto Mono Medium"/>
+              <a:cs typeface="Roboto Mono Medium"/>
+              <a:sym typeface="Roboto Mono Medium"/>
+            </a:endParaRPr>
+          </a:p>
+          <a:p>
+            <a:pPr indent="-330200" lvl="0" marL="457200" rtl="0" algn="l">
+              <a:spcBef>
+                <a:spcPts val="0"/>
+              </a:spcBef>
+              <a:spcAft>
+                <a:spcPts val="0"/>
+              </a:spcAft>
+              <a:buClr>
+                <a:schemeClr val="dk1"/>
+              </a:buClr>
+              <a:buSzPts val="1600"/>
+              <a:buFont typeface="Roboto Mono Medium"/>
+              <a:buChar char="-"/>
+            </a:pPr>
+            <a:r>
+              <a:rPr lang="ru" sz="1600">
+                <a:solidFill>
+                  <a:schemeClr val="dk1"/>
+                </a:solidFill>
+                <a:latin typeface="Roboto Mono Medium"/>
+                <a:ea typeface="Roboto Mono Medium"/>
+                <a:cs typeface="Roboto Mono Medium"/>
+                <a:sym typeface="Roboto Mono Medium"/>
+              </a:rPr>
+              <a:t>Функциональная совместимость</a:t>
+            </a:r>
+            <a:endParaRPr sz="1600">
+              <a:solidFill>
+                <a:schemeClr val="dk1"/>
+              </a:solidFill>
+              <a:latin typeface="Roboto Mono Medium"/>
+              <a:ea typeface="Roboto Mono Medium"/>
+              <a:cs typeface="Roboto Mono Medium"/>
+              <a:sym typeface="Roboto Mono Medium"/>
+            </a:endParaRPr>
+          </a:p>
+          <a:p>
+            <a:pPr indent="-330200" lvl="0" marL="457200" rtl="0" algn="l">
+              <a:spcBef>
+                <a:spcPts val="0"/>
+              </a:spcBef>
+              <a:spcAft>
+                <a:spcPts val="0"/>
+              </a:spcAft>
+              <a:buClr>
+                <a:schemeClr val="dk1"/>
+              </a:buClr>
+              <a:buSzPts val="1600"/>
+              <a:buFont typeface="Roboto Mono Medium"/>
+              <a:buChar char="-"/>
+            </a:pPr>
+            <a:r>
+              <a:rPr lang="ru" sz="1600">
+                <a:solidFill>
+                  <a:schemeClr val="dk1"/>
+                </a:solidFill>
+                <a:latin typeface="Roboto Mono Medium"/>
+                <a:ea typeface="Roboto Mono Medium"/>
+                <a:cs typeface="Roboto Mono Medium"/>
+                <a:sym typeface="Roboto Mono Medium"/>
+              </a:rPr>
+              <a:t>Повышенная безопасность</a:t>
+            </a:r>
+            <a:endParaRPr sz="1600">
+              <a:solidFill>
+                <a:schemeClr val="dk1"/>
+              </a:solidFill>
+              <a:latin typeface="Roboto Mono Medium"/>
+              <a:ea typeface="Roboto Mono Medium"/>
+              <a:cs typeface="Roboto Mono Medium"/>
+              <a:sym typeface="Roboto Mono Medium"/>
+            </a:endParaRPr>
+          </a:p>
+          <a:p>
+            <a:pPr indent="-330200" lvl="0" marL="457200" rtl="0" algn="l">
+              <a:spcBef>
+                <a:spcPts val="0"/>
+              </a:spcBef>
+              <a:spcAft>
+                <a:spcPts val="0"/>
+              </a:spcAft>
+              <a:buClr>
+                <a:schemeClr val="dk1"/>
+              </a:buClr>
+              <a:buSzPts val="1600"/>
+              <a:buFont typeface="Roboto Mono Medium"/>
+              <a:buChar char="-"/>
+            </a:pPr>
+            <a:r>
+              <a:rPr lang="ru" sz="1600">
+                <a:solidFill>
+                  <a:schemeClr val="dk1"/>
+                </a:solidFill>
+                <a:latin typeface="Roboto Mono Medium"/>
+                <a:ea typeface="Roboto Mono Medium"/>
+                <a:cs typeface="Roboto Mono Medium"/>
+                <a:sym typeface="Roboto Mono Medium"/>
+              </a:rPr>
+              <a:t>Масштабируемость</a:t>
+            </a:r>
+            <a:endParaRPr sz="1600">
+              <a:solidFill>
+                <a:schemeClr val="dk1"/>
+              </a:solidFill>
+              <a:latin typeface="Roboto Mono Medium"/>
+              <a:ea typeface="Roboto Mono Medium"/>
+              <a:cs typeface="Roboto Mono Medium"/>
+              <a:sym typeface="Roboto Mono Medium"/>
+            </a:endParaRPr>
+          </a:p>
+          <a:p>
+            <a:pPr indent="0" lvl="0" marL="0" rtl="0" algn="l">
+              <a:spcBef>
+                <a:spcPts val="1200"/>
+              </a:spcBef>
+              <a:spcAft>
+                <a:spcPts val="0"/>
+              </a:spcAft>
+              <a:buNone/>
+            </a:pPr>
+            <a:r>
+              <a:rPr b="1" lang="ru" sz="1600">
+                <a:solidFill>
+                  <a:schemeClr val="dk1"/>
+                </a:solidFill>
+                <a:latin typeface="Roboto Mono"/>
+                <a:ea typeface="Roboto Mono"/>
+                <a:cs typeface="Roboto Mono"/>
+                <a:sym typeface="Roboto Mono"/>
+              </a:rPr>
+              <a:t>Недостатки:</a:t>
+            </a:r>
+            <a:endParaRPr b="1" sz="1600">
+              <a:solidFill>
+                <a:schemeClr val="dk1"/>
+              </a:solidFill>
+              <a:latin typeface="Roboto Mono"/>
+              <a:ea typeface="Roboto Mono"/>
+              <a:cs typeface="Roboto Mono"/>
+              <a:sym typeface="Roboto Mono"/>
+            </a:endParaRPr>
+          </a:p>
+          <a:p>
+            <a:pPr indent="-330200" lvl="0" marL="457200" rtl="0" algn="l">
+              <a:spcBef>
+                <a:spcPts val="1200"/>
+              </a:spcBef>
+              <a:spcAft>
+                <a:spcPts val="0"/>
+              </a:spcAft>
+              <a:buClr>
+                <a:schemeClr val="dk1"/>
+              </a:buClr>
+              <a:buSzPts val="1600"/>
+              <a:buFont typeface="Roboto Mono Medium"/>
+              <a:buChar char="-"/>
+            </a:pPr>
+            <a:r>
+              <a:rPr lang="ru" sz="1600">
+                <a:solidFill>
+                  <a:schemeClr val="dk1"/>
+                </a:solidFill>
+                <a:latin typeface="Roboto Mono Medium"/>
+                <a:ea typeface="Roboto Mono Medium"/>
+                <a:cs typeface="Roboto Mono Medium"/>
+                <a:sym typeface="Roboto Mono Medium"/>
+              </a:rPr>
+              <a:t>Слабая помехоустойчивость</a:t>
+            </a:r>
+            <a:endParaRPr sz="1600">
+              <a:solidFill>
+                <a:schemeClr val="dk1"/>
+              </a:solidFill>
+              <a:latin typeface="Roboto Mono Medium"/>
+              <a:ea typeface="Roboto Mono Medium"/>
+              <a:cs typeface="Roboto Mono Medium"/>
+              <a:sym typeface="Roboto Mono Medium"/>
+            </a:endParaRPr>
+          </a:p>
+          <a:p>
+            <a:pPr indent="-330200" lvl="0" marL="457200" rtl="0" algn="l">
+              <a:spcBef>
+                <a:spcPts val="0"/>
+              </a:spcBef>
+              <a:spcAft>
+                <a:spcPts val="0"/>
+              </a:spcAft>
+              <a:buClr>
+                <a:schemeClr val="dk1"/>
+              </a:buClr>
+              <a:buSzPts val="1600"/>
+              <a:buFont typeface="Roboto Mono Medium"/>
+              <a:buChar char="-"/>
+            </a:pPr>
+            <a:r>
+              <a:rPr lang="ru" sz="1600">
+                <a:solidFill>
+                  <a:schemeClr val="dk1"/>
+                </a:solidFill>
+                <a:latin typeface="Roboto Mono Medium"/>
+                <a:ea typeface="Roboto Mono Medium"/>
+                <a:cs typeface="Roboto Mono Medium"/>
+                <a:sym typeface="Roboto Mono Medium"/>
+              </a:rPr>
+              <a:t>Низкая скорость передачи данных</a:t>
+            </a:r>
+            <a:endParaRPr sz="1600">
+              <a:solidFill>
+                <a:schemeClr val="dk1"/>
+              </a:solidFill>
+              <a:latin typeface="Roboto Mono Medium"/>
+              <a:ea typeface="Roboto Mono Medium"/>
+              <a:cs typeface="Roboto Mono Medium"/>
+              <a:sym typeface="Roboto Mono Medium"/>
+            </a:endParaRPr>
+          </a:p>
         </p:txBody>
       </p:sp>
+      <p:pic>
+        <p:nvPicPr>
+          <p:cNvPr id="177" name="Google Shape;177;p28"/>
+          <p:cNvPicPr preferRelativeResize="0"/>
+          <p:nvPr/>
+        </p:nvPicPr>
+        <p:blipFill rotWithShape="1">
+          <a:blip r:embed="rId3">
+            <a:alphaModFix/>
+          </a:blip>
+          <a:srcRect b="0" l="0" r="77519" t="0"/>
+          <a:stretch/>
+        </p:blipFill>
+        <p:spPr>
+          <a:xfrm>
+            <a:off x="5678924" y="1583587"/>
+            <a:ext cx="2467823" cy="2637775"/>
+          </a:xfrm>
+          <a:prstGeom prst="rect">
+            <a:avLst/>
+          </a:prstGeom>
+          <a:noFill/>
+          <a:ln>
+            <a:noFill/>
+          </a:ln>
+        </p:spPr>
+      </p:pic>
+    </p:spTree>
+  </p:cSld>
+  <p:clrMapOvr>
+    <a:masterClrMapping/>
+  </p:clrMapOvr>
+</p:sld>
+</file>
+
+<file path=ppt/slides/slide17.xml><?xml version="1.0" encoding="utf-8"?>
+<p:sld xmlns:a="http://schemas.openxmlformats.org/drawingml/2006/main" xmlns:r="http://schemas.openxmlformats.org/officeDocument/2006/relationships" xmlns:mc="http://schemas.openxmlformats.org/markup-compatibility/2006" xmlns:mv="urn:schemas-microsoft-com:mac:vml" xmlns:p="http://schemas.openxmlformats.org/presentationml/2006/main" xmlns:c="http://schemas.openxmlformats.org/drawingml/2006/chart" xmlns:dgm="http://schemas.openxmlformats.org/drawingml/2006/diagram" xmlns:o="urn:schemas-microsoft-com:office:office" xmlns:v="urn:schemas-microsoft-com:vml" xmlns:pvml="urn:schemas-microsoft-com:office:powerpoint" xmlns:com="http://schemas.openxmlformats.org/drawingml/2006/compatibility" xmlns:p14="http://schemas.microsoft.com/office/powerpoint/2010/main" xmlns:p15="http://schemas.microsoft.com/office/powerpoint/2012/main" xmlns:ahyp="http://schemas.microsoft.com/office/drawing/2018/hyperlinkcolor">
+  <p:cSld>
+    <p:spTree>
+      <p:nvGrpSpPr>
+        <p:cNvPr id="181" name="Shape 181"/>
+        <p:cNvGrpSpPr/>
+        <p:nvPr/>
+      </p:nvGrpSpPr>
+      <p:grpSpPr>
+        <a:xfrm>
+          <a:off x="0" y="0"/>
+          <a:ext cx="0" cy="0"/>
+          <a:chOff x="0" y="0"/>
+          <a:chExt cx="0" cy="0"/>
+        </a:xfrm>
+      </p:grpSpPr>
+      <p:sp>
+        <p:nvSpPr>
+          <p:cNvPr id="182" name="Google Shape;182;p29"/>
+          <p:cNvSpPr txBox="1"/>
+          <p:nvPr>
+            <p:ph type="title"/>
+          </p:nvPr>
+        </p:nvSpPr>
+        <p:spPr>
+          <a:xfrm>
+            <a:off x="1520550" y="807025"/>
+            <a:ext cx="6102900" cy="647100"/>
+          </a:xfrm>
+          <a:prstGeom prst="rect">
+            <a:avLst/>
+          </a:prstGeom>
+        </p:spPr>
+        <p:txBody>
+          <a:bodyPr anchorCtr="0" anchor="t" bIns="91425" lIns="91425" spcFirstLastPara="1" rIns="91425" wrap="square" tIns="91425">
+            <a:noAutofit/>
+          </a:bodyPr>
+          <a:lstStyle/>
+          <a:p>
+            <a:pPr indent="0" lvl="0" marL="0" rtl="0" algn="ctr">
+              <a:spcBef>
+                <a:spcPts val="0"/>
+              </a:spcBef>
+              <a:spcAft>
+                <a:spcPts val="0"/>
+              </a:spcAft>
+              <a:buNone/>
+            </a:pPr>
+            <a:r>
+              <a:rPr lang="ru" sz="4000">
+                <a:latin typeface="Roboto Mono Medium"/>
+                <a:ea typeface="Roboto Mono Medium"/>
+                <a:cs typeface="Roboto Mono Medium"/>
+                <a:sym typeface="Roboto Mono Medium"/>
+              </a:rPr>
+              <a:t>Сравнение с другими стандартами связи</a:t>
+            </a:r>
+            <a:endParaRPr sz="4000">
+              <a:latin typeface="Roboto Mono Medium"/>
+              <a:ea typeface="Roboto Mono Medium"/>
+              <a:cs typeface="Roboto Mono Medium"/>
+              <a:sym typeface="Roboto Mono Medium"/>
+            </a:endParaRPr>
+          </a:p>
+        </p:txBody>
+      </p:sp>
+      <p:pic>
+        <p:nvPicPr>
+          <p:cNvPr id="183" name="Google Shape;183;p29"/>
+          <p:cNvPicPr preferRelativeResize="0"/>
+          <p:nvPr/>
+        </p:nvPicPr>
+        <p:blipFill>
+          <a:blip r:embed="rId3">
+            <a:alphaModFix/>
+          </a:blip>
+          <a:stretch>
+            <a:fillRect/>
+          </a:stretch>
+        </p:blipFill>
+        <p:spPr>
+          <a:xfrm>
+            <a:off x="1342624" y="2461700"/>
+            <a:ext cx="1404148" cy="1404131"/>
+          </a:xfrm>
+          <a:prstGeom prst="rect">
+            <a:avLst/>
+          </a:prstGeom>
+          <a:noFill/>
+          <a:ln>
+            <a:noFill/>
+          </a:ln>
+        </p:spPr>
+      </p:pic>
+      <p:pic>
+        <p:nvPicPr>
+          <p:cNvPr id="184" name="Google Shape;184;p29"/>
+          <p:cNvPicPr preferRelativeResize="0"/>
+          <p:nvPr/>
+        </p:nvPicPr>
+        <p:blipFill>
+          <a:blip r:embed="rId4">
+            <a:alphaModFix/>
+          </a:blip>
+          <a:stretch>
+            <a:fillRect/>
+          </a:stretch>
+        </p:blipFill>
+        <p:spPr>
+          <a:xfrm>
+            <a:off x="5363323" y="3710775"/>
+            <a:ext cx="1033900" cy="1033900"/>
+          </a:xfrm>
+          <a:prstGeom prst="rect">
+            <a:avLst/>
+          </a:prstGeom>
+          <a:noFill/>
+          <a:ln>
+            <a:noFill/>
+          </a:ln>
+        </p:spPr>
+      </p:pic>
+      <p:pic>
+        <p:nvPicPr>
+          <p:cNvPr id="185" name="Google Shape;185;p29"/>
+          <p:cNvPicPr preferRelativeResize="0"/>
+          <p:nvPr/>
+        </p:nvPicPr>
+        <p:blipFill rotWithShape="1">
+          <a:blip r:embed="rId5">
+            <a:alphaModFix/>
+          </a:blip>
+          <a:srcRect b="22779" l="15179" r="16383" t="16636"/>
+          <a:stretch/>
+        </p:blipFill>
+        <p:spPr>
+          <a:xfrm>
+            <a:off x="3674246" y="2726005"/>
+            <a:ext cx="1887647" cy="875517"/>
+          </a:xfrm>
+          <a:prstGeom prst="rect">
+            <a:avLst/>
+          </a:prstGeom>
+          <a:noFill/>
+          <a:ln>
+            <a:noFill/>
+          </a:ln>
+        </p:spPr>
+      </p:pic>
+      <p:pic>
+        <p:nvPicPr>
+          <p:cNvPr id="186" name="Google Shape;186;p29"/>
+          <p:cNvPicPr preferRelativeResize="0"/>
+          <p:nvPr/>
+        </p:nvPicPr>
+        <p:blipFill rotWithShape="1">
+          <a:blip r:embed="rId6">
+            <a:alphaModFix/>
+          </a:blip>
+          <a:srcRect b="11911" l="7270" r="6685" t="12456"/>
+          <a:stretch/>
+        </p:blipFill>
+        <p:spPr>
+          <a:xfrm>
+            <a:off x="2353516" y="3824216"/>
+            <a:ext cx="1862192" cy="920450"/>
+          </a:xfrm>
+          <a:prstGeom prst="rect">
+            <a:avLst/>
+          </a:prstGeom>
+          <a:noFill/>
+          <a:ln>
+            <a:noFill/>
+          </a:ln>
+        </p:spPr>
+      </p:pic>
+      <p:pic>
+        <p:nvPicPr>
+          <p:cNvPr id="187" name="Google Shape;187;p29"/>
+          <p:cNvPicPr preferRelativeResize="0"/>
+          <p:nvPr/>
+        </p:nvPicPr>
+        <p:blipFill>
+          <a:blip r:embed="rId7">
+            <a:alphaModFix/>
+          </a:blip>
+          <a:stretch>
+            <a:fillRect/>
+          </a:stretch>
+        </p:blipFill>
+        <p:spPr>
+          <a:xfrm>
+            <a:off x="6397227" y="2566529"/>
+            <a:ext cx="1404148" cy="1034976"/>
+          </a:xfrm>
+          <a:prstGeom prst="rect">
+            <a:avLst/>
+          </a:prstGeom>
+          <a:noFill/>
+          <a:ln>
+            <a:noFill/>
+          </a:ln>
+        </p:spPr>
+      </p:pic>
+    </p:spTree>
+  </p:cSld>
+  <p:clrMapOvr>
+    <a:masterClrMapping/>
+  </p:clrMapOvr>
+</p:sld>
+</file>
+
+<file path=ppt/slides/slide18.xml><?xml version="1.0" encoding="utf-8"?>
+<p:sld xmlns:a="http://schemas.openxmlformats.org/drawingml/2006/main" xmlns:r="http://schemas.openxmlformats.org/officeDocument/2006/relationships" xmlns:mc="http://schemas.openxmlformats.org/markup-compatibility/2006" xmlns:mv="urn:schemas-microsoft-com:mac:vml" xmlns:p="http://schemas.openxmlformats.org/presentationml/2006/main" xmlns:c="http://schemas.openxmlformats.org/drawingml/2006/chart" xmlns:dgm="http://schemas.openxmlformats.org/drawingml/2006/diagram" xmlns:o="urn:schemas-microsoft-com:office:office" xmlns:v="urn:schemas-microsoft-com:vml" xmlns:pvml="urn:schemas-microsoft-com:office:powerpoint" xmlns:com="http://schemas.openxmlformats.org/drawingml/2006/compatibility" xmlns:p14="http://schemas.microsoft.com/office/powerpoint/2010/main" xmlns:p15="http://schemas.microsoft.com/office/powerpoint/2012/main" xmlns:ahyp="http://schemas.microsoft.com/office/drawing/2018/hyperlinkcolor">
+  <p:cSld>
+    <p:spTree>
+      <p:nvGrpSpPr>
+        <p:cNvPr id="191" name="Shape 191"/>
+        <p:cNvGrpSpPr/>
+        <p:nvPr/>
+      </p:nvGrpSpPr>
+      <p:grpSpPr>
+        <a:xfrm>
+          <a:off x="0" y="0"/>
+          <a:ext cx="0" cy="0"/>
+          <a:chOff x="0" y="0"/>
+          <a:chExt cx="0" cy="0"/>
+        </a:xfrm>
+      </p:grpSpPr>
+      <p:sp>
+        <p:nvSpPr>
+          <p:cNvPr id="192" name="Google Shape;192;p30"/>
+          <p:cNvSpPr txBox="1"/>
+          <p:nvPr>
+            <p:ph type="title"/>
+          </p:nvPr>
+        </p:nvSpPr>
+        <p:spPr>
+          <a:xfrm>
+            <a:off x="311700" y="445025"/>
+            <a:ext cx="8520600" cy="647100"/>
+          </a:xfrm>
+          <a:prstGeom prst="rect">
+            <a:avLst/>
+          </a:prstGeom>
+        </p:spPr>
+        <p:txBody>
+          <a:bodyPr anchorCtr="0" anchor="t" bIns="91425" lIns="91425" spcFirstLastPara="1" rIns="91425" wrap="square" tIns="91425">
+            <a:noAutofit/>
+          </a:bodyPr>
+          <a:lstStyle/>
+          <a:p>
+            <a:pPr indent="0" lvl="0" marL="0" rtl="0" algn="l">
+              <a:spcBef>
+                <a:spcPts val="0"/>
+              </a:spcBef>
+              <a:spcAft>
+                <a:spcPts val="0"/>
+              </a:spcAft>
+              <a:buNone/>
+            </a:pPr>
+            <a:r>
+              <a:rPr lang="ru" sz="3500">
+                <a:latin typeface="Roboto Mono Medium"/>
+                <a:ea typeface="Roboto Mono Medium"/>
+                <a:cs typeface="Roboto Mono Medium"/>
+                <a:sym typeface="Roboto Mono Medium"/>
+              </a:rPr>
+              <a:t>Wi-Fi</a:t>
+            </a:r>
+            <a:endParaRPr sz="3500">
+              <a:latin typeface="Roboto Mono Medium"/>
+              <a:ea typeface="Roboto Mono Medium"/>
+              <a:cs typeface="Roboto Mono Medium"/>
+              <a:sym typeface="Roboto Mono Medium"/>
+            </a:endParaRPr>
+          </a:p>
+        </p:txBody>
+      </p:sp>
+      <p:sp>
+        <p:nvSpPr>
+          <p:cNvPr id="193" name="Google Shape;193;p30"/>
+          <p:cNvSpPr txBox="1"/>
+          <p:nvPr>
+            <p:ph idx="1" type="body"/>
+          </p:nvPr>
+        </p:nvSpPr>
+        <p:spPr>
+          <a:xfrm>
+            <a:off x="311700" y="1173450"/>
+            <a:ext cx="8520600" cy="3549900"/>
+          </a:xfrm>
+          <a:prstGeom prst="rect">
+            <a:avLst/>
+          </a:prstGeom>
+        </p:spPr>
+        <p:txBody>
+          <a:bodyPr anchorCtr="0" anchor="t" bIns="91425" lIns="91425" spcFirstLastPara="1" rIns="91425" wrap="square" tIns="91425">
+            <a:noAutofit/>
+          </a:bodyPr>
+          <a:lstStyle/>
+          <a:p>
+            <a:pPr indent="0" lvl="0" marL="0" rtl="0" algn="l">
+              <a:spcBef>
+                <a:spcPts val="0"/>
+              </a:spcBef>
+              <a:spcAft>
+                <a:spcPts val="0"/>
+              </a:spcAft>
+              <a:buNone/>
+            </a:pPr>
+            <a:r>
+              <a:rPr b="1" lang="ru" sz="1600">
+                <a:solidFill>
+                  <a:schemeClr val="dk1"/>
+                </a:solidFill>
+                <a:latin typeface="Roboto Mono"/>
+                <a:ea typeface="Roboto Mono"/>
+                <a:cs typeface="Roboto Mono"/>
+                <a:sym typeface="Roboto Mono"/>
+              </a:rPr>
+              <a:t>Преимущества:</a:t>
+            </a:r>
+            <a:endParaRPr b="1" sz="1600">
+              <a:solidFill>
+                <a:schemeClr val="dk1"/>
+              </a:solidFill>
+              <a:latin typeface="Roboto Mono"/>
+              <a:ea typeface="Roboto Mono"/>
+              <a:cs typeface="Roboto Mono"/>
+              <a:sym typeface="Roboto Mono"/>
+            </a:endParaRPr>
+          </a:p>
+          <a:p>
+            <a:pPr indent="-330200" lvl="0" marL="457200" rtl="0" algn="l">
+              <a:spcBef>
+                <a:spcPts val="1200"/>
+              </a:spcBef>
+              <a:spcAft>
+                <a:spcPts val="0"/>
+              </a:spcAft>
+              <a:buClr>
+                <a:schemeClr val="dk1"/>
+              </a:buClr>
+              <a:buSzPts val="1600"/>
+              <a:buFont typeface="Roboto Mono Medium"/>
+              <a:buChar char="-"/>
+            </a:pPr>
+            <a:r>
+              <a:rPr lang="ru" sz="1600">
+                <a:solidFill>
+                  <a:schemeClr val="dk1"/>
+                </a:solidFill>
+                <a:latin typeface="Roboto Mono Medium"/>
+                <a:ea typeface="Roboto Mono Medium"/>
+                <a:cs typeface="Roboto Mono Medium"/>
+                <a:sym typeface="Roboto Mono Medium"/>
+              </a:rPr>
+              <a:t>Высокая скорость передачи данных</a:t>
+            </a:r>
+            <a:endParaRPr sz="1600">
+              <a:solidFill>
+                <a:schemeClr val="dk1"/>
+              </a:solidFill>
+              <a:latin typeface="Roboto Mono Medium"/>
+              <a:ea typeface="Roboto Mono Medium"/>
+              <a:cs typeface="Roboto Mono Medium"/>
+              <a:sym typeface="Roboto Mono Medium"/>
+            </a:endParaRPr>
+          </a:p>
+          <a:p>
+            <a:pPr indent="-330200" lvl="0" marL="457200" rtl="0" algn="l">
+              <a:spcBef>
+                <a:spcPts val="0"/>
+              </a:spcBef>
+              <a:spcAft>
+                <a:spcPts val="0"/>
+              </a:spcAft>
+              <a:buClr>
+                <a:schemeClr val="dk1"/>
+              </a:buClr>
+              <a:buSzPts val="1600"/>
+              <a:buFont typeface="Roboto Mono Medium"/>
+              <a:buChar char="-"/>
+            </a:pPr>
+            <a:r>
+              <a:rPr lang="ru" sz="1600">
+                <a:solidFill>
+                  <a:schemeClr val="dk1"/>
+                </a:solidFill>
+                <a:latin typeface="Roboto Mono Medium"/>
+                <a:ea typeface="Roboto Mono Medium"/>
+                <a:cs typeface="Roboto Mono Medium"/>
+                <a:sym typeface="Roboto Mono Medium"/>
+              </a:rPr>
+              <a:t>Простота</a:t>
+            </a:r>
+            <a:endParaRPr sz="1600">
+              <a:solidFill>
+                <a:schemeClr val="dk1"/>
+              </a:solidFill>
+              <a:latin typeface="Roboto Mono Medium"/>
+              <a:ea typeface="Roboto Mono Medium"/>
+              <a:cs typeface="Roboto Mono Medium"/>
+              <a:sym typeface="Roboto Mono Medium"/>
+            </a:endParaRPr>
+          </a:p>
+          <a:p>
+            <a:pPr indent="-330200" lvl="0" marL="457200" rtl="0" algn="l">
+              <a:spcBef>
+                <a:spcPts val="0"/>
+              </a:spcBef>
+              <a:spcAft>
+                <a:spcPts val="0"/>
+              </a:spcAft>
+              <a:buClr>
+                <a:schemeClr val="dk1"/>
+              </a:buClr>
+              <a:buSzPts val="1600"/>
+              <a:buFont typeface="Roboto Mono Medium"/>
+              <a:buChar char="-"/>
+            </a:pPr>
+            <a:r>
+              <a:rPr lang="ru" sz="1600">
+                <a:solidFill>
+                  <a:schemeClr val="dk1"/>
+                </a:solidFill>
+                <a:latin typeface="Roboto Mono Medium"/>
+                <a:ea typeface="Roboto Mono Medium"/>
+                <a:cs typeface="Roboto Mono Medium"/>
+                <a:sym typeface="Roboto Mono Medium"/>
+              </a:rPr>
+              <a:t>Доступность</a:t>
+            </a:r>
+            <a:endParaRPr sz="1600">
+              <a:solidFill>
+                <a:schemeClr val="dk1"/>
+              </a:solidFill>
+              <a:latin typeface="Roboto Mono Medium"/>
+              <a:ea typeface="Roboto Mono Medium"/>
+              <a:cs typeface="Roboto Mono Medium"/>
+              <a:sym typeface="Roboto Mono Medium"/>
+            </a:endParaRPr>
+          </a:p>
+          <a:p>
+            <a:pPr indent="-330200" lvl="0" marL="457200" rtl="0" algn="l">
+              <a:spcBef>
+                <a:spcPts val="0"/>
+              </a:spcBef>
+              <a:spcAft>
+                <a:spcPts val="0"/>
+              </a:spcAft>
+              <a:buClr>
+                <a:schemeClr val="dk1"/>
+              </a:buClr>
+              <a:buSzPts val="1600"/>
+              <a:buFont typeface="Roboto Mono Medium"/>
+              <a:buChar char="-"/>
+            </a:pPr>
+            <a:r>
+              <a:rPr lang="ru" sz="1600">
+                <a:solidFill>
+                  <a:schemeClr val="dk1"/>
+                </a:solidFill>
+                <a:latin typeface="Roboto Mono Medium"/>
+                <a:ea typeface="Roboto Mono Medium"/>
+                <a:cs typeface="Roboto Mono Medium"/>
+                <a:sym typeface="Roboto Mono Medium"/>
+              </a:rPr>
+              <a:t>Универсальность</a:t>
+            </a:r>
+            <a:endParaRPr sz="1600">
+              <a:solidFill>
+                <a:schemeClr val="dk1"/>
+              </a:solidFill>
+              <a:latin typeface="Roboto Mono Medium"/>
+              <a:ea typeface="Roboto Mono Medium"/>
+              <a:cs typeface="Roboto Mono Medium"/>
+              <a:sym typeface="Roboto Mono Medium"/>
+            </a:endParaRPr>
+          </a:p>
+          <a:p>
+            <a:pPr indent="-330200" lvl="0" marL="457200" rtl="0" algn="l">
+              <a:spcBef>
+                <a:spcPts val="0"/>
+              </a:spcBef>
+              <a:spcAft>
+                <a:spcPts val="0"/>
+              </a:spcAft>
+              <a:buClr>
+                <a:schemeClr val="dk1"/>
+              </a:buClr>
+              <a:buSzPts val="1600"/>
+              <a:buFont typeface="Roboto Mono Medium"/>
+              <a:buChar char="-"/>
+            </a:pPr>
+            <a:r>
+              <a:rPr lang="ru" sz="1600">
+                <a:solidFill>
+                  <a:schemeClr val="dk1"/>
+                </a:solidFill>
+                <a:latin typeface="Roboto Mono Medium"/>
+                <a:ea typeface="Roboto Mono Medium"/>
+                <a:cs typeface="Roboto Mono Medium"/>
+                <a:sym typeface="Roboto Mono Medium"/>
+              </a:rPr>
+              <a:t>Масштабируемость</a:t>
+            </a:r>
+            <a:endParaRPr sz="1600">
+              <a:solidFill>
+                <a:schemeClr val="dk1"/>
+              </a:solidFill>
+              <a:latin typeface="Roboto Mono Medium"/>
+              <a:ea typeface="Roboto Mono Medium"/>
+              <a:cs typeface="Roboto Mono Medium"/>
+              <a:sym typeface="Roboto Mono Medium"/>
+            </a:endParaRPr>
+          </a:p>
+          <a:p>
+            <a:pPr indent="0" lvl="0" marL="0" rtl="0" algn="l">
+              <a:spcBef>
+                <a:spcPts val="1200"/>
+              </a:spcBef>
+              <a:spcAft>
+                <a:spcPts val="0"/>
+              </a:spcAft>
+              <a:buNone/>
+            </a:pPr>
+            <a:r>
+              <a:rPr b="1" lang="ru" sz="1600">
+                <a:solidFill>
+                  <a:schemeClr val="dk1"/>
+                </a:solidFill>
+                <a:latin typeface="Roboto Mono"/>
+                <a:ea typeface="Roboto Mono"/>
+                <a:cs typeface="Roboto Mono"/>
+                <a:sym typeface="Roboto Mono"/>
+              </a:rPr>
+              <a:t>Недостатки:</a:t>
+            </a:r>
+            <a:endParaRPr b="1" sz="1600">
+              <a:solidFill>
+                <a:schemeClr val="dk1"/>
+              </a:solidFill>
+              <a:latin typeface="Roboto Mono"/>
+              <a:ea typeface="Roboto Mono"/>
+              <a:cs typeface="Roboto Mono"/>
+              <a:sym typeface="Roboto Mono"/>
+            </a:endParaRPr>
+          </a:p>
+          <a:p>
+            <a:pPr indent="-330200" lvl="0" marL="457200" rtl="0" algn="l">
+              <a:spcBef>
+                <a:spcPts val="1200"/>
+              </a:spcBef>
+              <a:spcAft>
+                <a:spcPts val="0"/>
+              </a:spcAft>
+              <a:buClr>
+                <a:schemeClr val="dk1"/>
+              </a:buClr>
+              <a:buSzPts val="1600"/>
+              <a:buFont typeface="Roboto Mono Medium"/>
+              <a:buChar char="-"/>
+            </a:pPr>
+            <a:r>
+              <a:rPr lang="ru" sz="1600">
+                <a:solidFill>
+                  <a:schemeClr val="dk1"/>
+                </a:solidFill>
+                <a:latin typeface="Roboto Mono Medium"/>
+                <a:ea typeface="Roboto Mono Medium"/>
+                <a:cs typeface="Roboto Mono Medium"/>
+                <a:sym typeface="Roboto Mono Medium"/>
+              </a:rPr>
+              <a:t>Высокое энергопотребление</a:t>
+            </a:r>
+            <a:endParaRPr sz="1600">
+              <a:solidFill>
+                <a:schemeClr val="dk1"/>
+              </a:solidFill>
+              <a:latin typeface="Roboto Mono Medium"/>
+              <a:ea typeface="Roboto Mono Medium"/>
+              <a:cs typeface="Roboto Mono Medium"/>
+              <a:sym typeface="Roboto Mono Medium"/>
+            </a:endParaRPr>
+          </a:p>
+          <a:p>
+            <a:pPr indent="-330200" lvl="0" marL="457200" rtl="0" algn="l">
+              <a:spcBef>
+                <a:spcPts val="0"/>
+              </a:spcBef>
+              <a:spcAft>
+                <a:spcPts val="0"/>
+              </a:spcAft>
+              <a:buClr>
+                <a:schemeClr val="dk1"/>
+              </a:buClr>
+              <a:buSzPts val="1600"/>
+              <a:buFont typeface="Roboto Mono Medium"/>
+              <a:buChar char="-"/>
+            </a:pPr>
+            <a:r>
+              <a:rPr lang="ru" sz="1600">
+                <a:solidFill>
+                  <a:schemeClr val="dk1"/>
+                </a:solidFill>
+                <a:latin typeface="Roboto Mono Medium"/>
+                <a:ea typeface="Roboto Mono Medium"/>
+                <a:cs typeface="Roboto Mono Medium"/>
+                <a:sym typeface="Roboto Mono Medium"/>
+              </a:rPr>
+              <a:t>Низкая отказоустойчивость</a:t>
+            </a:r>
+            <a:endParaRPr sz="1600">
+              <a:solidFill>
+                <a:schemeClr val="dk1"/>
+              </a:solidFill>
+              <a:latin typeface="Roboto Mono Medium"/>
+              <a:ea typeface="Roboto Mono Medium"/>
+              <a:cs typeface="Roboto Mono Medium"/>
+              <a:sym typeface="Roboto Mono Medium"/>
+            </a:endParaRPr>
+          </a:p>
+          <a:p>
+            <a:pPr indent="-330200" lvl="0" marL="457200" rtl="0" algn="l">
+              <a:spcBef>
+                <a:spcPts val="0"/>
+              </a:spcBef>
+              <a:spcAft>
+                <a:spcPts val="0"/>
+              </a:spcAft>
+              <a:buClr>
+                <a:schemeClr val="dk1"/>
+              </a:buClr>
+              <a:buSzPts val="1600"/>
+              <a:buFont typeface="Roboto Mono Medium"/>
+              <a:buChar char="-"/>
+            </a:pPr>
+            <a:r>
+              <a:rPr lang="ru" sz="1600">
+                <a:solidFill>
+                  <a:schemeClr val="dk1"/>
+                </a:solidFill>
+                <a:latin typeface="Roboto Mono Medium"/>
+                <a:ea typeface="Roboto Mono Medium"/>
+                <a:cs typeface="Roboto Mono Medium"/>
+                <a:sym typeface="Roboto Mono Medium"/>
+              </a:rPr>
+              <a:t>Безопасность</a:t>
+            </a:r>
+            <a:endParaRPr sz="1600">
+              <a:solidFill>
+                <a:schemeClr val="dk1"/>
+              </a:solidFill>
+              <a:latin typeface="Roboto Mono Medium"/>
+              <a:ea typeface="Roboto Mono Medium"/>
+              <a:cs typeface="Roboto Mono Medium"/>
+              <a:sym typeface="Roboto Mono Medium"/>
+            </a:endParaRPr>
+          </a:p>
+          <a:p>
+            <a:pPr indent="-330200" lvl="0" marL="457200" rtl="0" algn="l">
+              <a:spcBef>
+                <a:spcPts val="0"/>
+              </a:spcBef>
+              <a:spcAft>
+                <a:spcPts val="0"/>
+              </a:spcAft>
+              <a:buClr>
+                <a:schemeClr val="dk1"/>
+              </a:buClr>
+              <a:buSzPts val="1600"/>
+              <a:buFont typeface="Roboto Mono Medium"/>
+              <a:buChar char="-"/>
+            </a:pPr>
+            <a:r>
+              <a:rPr lang="ru" sz="1600">
+                <a:solidFill>
+                  <a:schemeClr val="dk1"/>
+                </a:solidFill>
+                <a:latin typeface="Roboto Mono Medium"/>
+                <a:ea typeface="Roboto Mono Medium"/>
+                <a:cs typeface="Roboto Mono Medium"/>
+                <a:sym typeface="Roboto Mono Medium"/>
+              </a:rPr>
+              <a:t>Дальность передачи</a:t>
+            </a:r>
+            <a:endParaRPr sz="1600">
+              <a:solidFill>
+                <a:schemeClr val="dk1"/>
+              </a:solidFill>
+              <a:latin typeface="Roboto Mono Medium"/>
+              <a:ea typeface="Roboto Mono Medium"/>
+              <a:cs typeface="Roboto Mono Medium"/>
+              <a:sym typeface="Roboto Mono Medium"/>
+            </a:endParaRPr>
+          </a:p>
+        </p:txBody>
+      </p:sp>
+      <p:pic>
+        <p:nvPicPr>
+          <p:cNvPr id="194" name="Google Shape;194;p30"/>
+          <p:cNvPicPr preferRelativeResize="0"/>
+          <p:nvPr/>
+        </p:nvPicPr>
+        <p:blipFill>
+          <a:blip r:embed="rId3">
+            <a:alphaModFix/>
+          </a:blip>
+          <a:stretch>
+            <a:fillRect/>
+          </a:stretch>
+        </p:blipFill>
+        <p:spPr>
+          <a:xfrm>
+            <a:off x="5522325" y="981925"/>
+            <a:ext cx="3179651" cy="3179625"/>
+          </a:xfrm>
+          <a:prstGeom prst="rect">
+            <a:avLst/>
+          </a:prstGeom>
+          <a:noFill/>
+          <a:ln>
+            <a:noFill/>
+          </a:ln>
+        </p:spPr>
+      </p:pic>
+    </p:spTree>
+  </p:cSld>
+  <p:clrMapOvr>
+    <a:masterClrMapping/>
+  </p:clrMapOvr>
+</p:sld>
+</file>
+
+<file path=ppt/slides/slide19.xml><?xml version="1.0" encoding="utf-8"?>
+<p:sld xmlns:a="http://schemas.openxmlformats.org/drawingml/2006/main" xmlns:r="http://schemas.openxmlformats.org/officeDocument/2006/relationships" xmlns:mc="http://schemas.openxmlformats.org/markup-compatibility/2006" xmlns:mv="urn:schemas-microsoft-com:mac:vml" xmlns:p="http://schemas.openxmlformats.org/presentationml/2006/main" xmlns:c="http://schemas.openxmlformats.org/drawingml/2006/chart" xmlns:dgm="http://schemas.openxmlformats.org/drawingml/2006/diagram" xmlns:o="urn:schemas-microsoft-com:office:office" xmlns:v="urn:schemas-microsoft-com:vml" xmlns:pvml="urn:schemas-microsoft-com:office:powerpoint" xmlns:com="http://schemas.openxmlformats.org/drawingml/2006/compatibility" xmlns:p14="http://schemas.microsoft.com/office/powerpoint/2010/main" xmlns:p15="http://schemas.microsoft.com/office/powerpoint/2012/main" xmlns:ahyp="http://schemas.microsoft.com/office/drawing/2018/hyperlinkcolor">
+  <p:cSld>
+    <p:spTree>
+      <p:nvGrpSpPr>
+        <p:cNvPr id="198" name="Shape 198"/>
+        <p:cNvGrpSpPr/>
+        <p:nvPr/>
+      </p:nvGrpSpPr>
+      <p:grpSpPr>
+        <a:xfrm>
+          <a:off x="0" y="0"/>
+          <a:ext cx="0" cy="0"/>
+          <a:chOff x="0" y="0"/>
+          <a:chExt cx="0" cy="0"/>
+        </a:xfrm>
+      </p:grpSpPr>
+      <p:sp>
+        <p:nvSpPr>
+          <p:cNvPr id="199" name="Google Shape;199;p31"/>
+          <p:cNvSpPr txBox="1"/>
+          <p:nvPr>
+            <p:ph type="title"/>
+          </p:nvPr>
+        </p:nvSpPr>
+        <p:spPr>
+          <a:xfrm>
+            <a:off x="311700" y="445025"/>
+            <a:ext cx="8520600" cy="647100"/>
+          </a:xfrm>
+          <a:prstGeom prst="rect">
+            <a:avLst/>
+          </a:prstGeom>
+        </p:spPr>
+        <p:txBody>
+          <a:bodyPr anchorCtr="0" anchor="t" bIns="91425" lIns="91425" spcFirstLastPara="1" rIns="91425" wrap="square" tIns="91425">
+            <a:noAutofit/>
+          </a:bodyPr>
+          <a:lstStyle/>
+          <a:p>
+            <a:pPr indent="0" lvl="0" marL="0" rtl="0" algn="l">
+              <a:spcBef>
+                <a:spcPts val="0"/>
+              </a:spcBef>
+              <a:spcAft>
+                <a:spcPts val="0"/>
+              </a:spcAft>
+              <a:buNone/>
+            </a:pPr>
+            <a:r>
+              <a:rPr lang="ru" sz="3500">
+                <a:latin typeface="Roboto Mono Medium"/>
+                <a:ea typeface="Roboto Mono Medium"/>
+                <a:cs typeface="Roboto Mono Medium"/>
+                <a:sym typeface="Roboto Mono Medium"/>
+              </a:rPr>
+              <a:t>Bluetooth</a:t>
+            </a:r>
+            <a:endParaRPr sz="3500">
+              <a:latin typeface="Roboto Mono Medium"/>
+              <a:ea typeface="Roboto Mono Medium"/>
+              <a:cs typeface="Roboto Mono Medium"/>
+              <a:sym typeface="Roboto Mono Medium"/>
+            </a:endParaRPr>
+          </a:p>
+        </p:txBody>
+      </p:sp>
+      <p:sp>
+        <p:nvSpPr>
+          <p:cNvPr id="200" name="Google Shape;200;p31"/>
+          <p:cNvSpPr txBox="1"/>
+          <p:nvPr>
+            <p:ph idx="1" type="body"/>
+          </p:nvPr>
+        </p:nvSpPr>
+        <p:spPr>
+          <a:xfrm>
+            <a:off x="311700" y="1173450"/>
+            <a:ext cx="8520600" cy="3549900"/>
+          </a:xfrm>
+          <a:prstGeom prst="rect">
+            <a:avLst/>
+          </a:prstGeom>
+        </p:spPr>
+        <p:txBody>
+          <a:bodyPr anchorCtr="0" anchor="t" bIns="91425" lIns="91425" spcFirstLastPara="1" rIns="91425" wrap="square" tIns="91425">
+            <a:noAutofit/>
+          </a:bodyPr>
+          <a:lstStyle/>
+          <a:p>
+            <a:pPr indent="0" lvl="0" marL="0" rtl="0" algn="l">
+              <a:spcBef>
+                <a:spcPts val="0"/>
+              </a:spcBef>
+              <a:spcAft>
+                <a:spcPts val="0"/>
+              </a:spcAft>
+              <a:buNone/>
+            </a:pPr>
+            <a:r>
+              <a:rPr b="1" lang="ru" sz="1600">
+                <a:solidFill>
+                  <a:schemeClr val="dk1"/>
+                </a:solidFill>
+                <a:latin typeface="Roboto Mono"/>
+                <a:ea typeface="Roboto Mono"/>
+                <a:cs typeface="Roboto Mono"/>
+                <a:sym typeface="Roboto Mono"/>
+              </a:rPr>
+              <a:t>Преимущества:</a:t>
+            </a:r>
+            <a:endParaRPr b="1" sz="1600">
+              <a:solidFill>
+                <a:schemeClr val="dk1"/>
+              </a:solidFill>
+              <a:latin typeface="Roboto Mono"/>
+              <a:ea typeface="Roboto Mono"/>
+              <a:cs typeface="Roboto Mono"/>
+              <a:sym typeface="Roboto Mono"/>
+            </a:endParaRPr>
+          </a:p>
+          <a:p>
+            <a:pPr indent="-330200" lvl="0" marL="457200" rtl="0" algn="l">
+              <a:spcBef>
+                <a:spcPts val="1200"/>
+              </a:spcBef>
+              <a:spcAft>
+                <a:spcPts val="0"/>
+              </a:spcAft>
+              <a:buClr>
+                <a:schemeClr val="dk1"/>
+              </a:buClr>
+              <a:buSzPts val="1600"/>
+              <a:buFont typeface="Roboto Mono Medium"/>
+              <a:buChar char="-"/>
+            </a:pPr>
+            <a:r>
+              <a:rPr lang="ru" sz="1600">
+                <a:solidFill>
+                  <a:schemeClr val="dk1"/>
+                </a:solidFill>
+                <a:latin typeface="Roboto Mono Medium"/>
+                <a:ea typeface="Roboto Mono Medium"/>
+                <a:cs typeface="Roboto Mono Medium"/>
+                <a:sym typeface="Roboto Mono Medium"/>
+              </a:rPr>
+              <a:t>Энергоэффективность</a:t>
+            </a:r>
+            <a:endParaRPr sz="1600">
+              <a:solidFill>
+                <a:schemeClr val="dk1"/>
+              </a:solidFill>
+              <a:latin typeface="Roboto Mono Medium"/>
+              <a:ea typeface="Roboto Mono Medium"/>
+              <a:cs typeface="Roboto Mono Medium"/>
+              <a:sym typeface="Roboto Mono Medium"/>
+            </a:endParaRPr>
+          </a:p>
+          <a:p>
+            <a:pPr indent="-330200" lvl="0" marL="457200" rtl="0" algn="l">
+              <a:spcBef>
+                <a:spcPts val="0"/>
+              </a:spcBef>
+              <a:spcAft>
+                <a:spcPts val="0"/>
+              </a:spcAft>
+              <a:buClr>
+                <a:schemeClr val="dk1"/>
+              </a:buClr>
+              <a:buSzPts val="1600"/>
+              <a:buFont typeface="Roboto Mono Medium"/>
+              <a:buChar char="-"/>
+            </a:pPr>
+            <a:r>
+              <a:rPr lang="ru" sz="1600">
+                <a:solidFill>
+                  <a:schemeClr val="dk1"/>
+                </a:solidFill>
+                <a:latin typeface="Roboto Mono Medium"/>
+                <a:ea typeface="Roboto Mono Medium"/>
+                <a:cs typeface="Roboto Mono Medium"/>
+                <a:sym typeface="Roboto Mono Medium"/>
+              </a:rPr>
+              <a:t>Простота настройки</a:t>
+            </a:r>
+            <a:endParaRPr sz="1600">
+              <a:solidFill>
+                <a:schemeClr val="dk1"/>
+              </a:solidFill>
+              <a:latin typeface="Roboto Mono Medium"/>
+              <a:ea typeface="Roboto Mono Medium"/>
+              <a:cs typeface="Roboto Mono Medium"/>
+              <a:sym typeface="Roboto Mono Medium"/>
+            </a:endParaRPr>
+          </a:p>
+          <a:p>
+            <a:pPr indent="-330200" lvl="0" marL="457200" rtl="0" algn="l">
+              <a:spcBef>
+                <a:spcPts val="0"/>
+              </a:spcBef>
+              <a:spcAft>
+                <a:spcPts val="0"/>
+              </a:spcAft>
+              <a:buClr>
+                <a:schemeClr val="dk1"/>
+              </a:buClr>
+              <a:buSzPts val="1600"/>
+              <a:buFont typeface="Roboto Mono Medium"/>
+              <a:buChar char="-"/>
+            </a:pPr>
+            <a:r>
+              <a:rPr lang="ru" sz="1600">
+                <a:solidFill>
+                  <a:schemeClr val="dk1"/>
+                </a:solidFill>
+                <a:latin typeface="Roboto Mono Medium"/>
+                <a:ea typeface="Roboto Mono Medium"/>
+                <a:cs typeface="Roboto Mono Medium"/>
+                <a:sym typeface="Roboto Mono Medium"/>
+              </a:rPr>
+              <a:t>Распространенность</a:t>
+            </a:r>
+            <a:endParaRPr sz="1600">
+              <a:solidFill>
+                <a:schemeClr val="dk1"/>
+              </a:solidFill>
+              <a:latin typeface="Roboto Mono Medium"/>
+              <a:ea typeface="Roboto Mono Medium"/>
+              <a:cs typeface="Roboto Mono Medium"/>
+              <a:sym typeface="Roboto Mono Medium"/>
+            </a:endParaRPr>
+          </a:p>
+          <a:p>
+            <a:pPr indent="0" lvl="0" marL="0" rtl="0" algn="l">
+              <a:spcBef>
+                <a:spcPts val="1200"/>
+              </a:spcBef>
+              <a:spcAft>
+                <a:spcPts val="0"/>
+              </a:spcAft>
+              <a:buNone/>
+            </a:pPr>
+            <a:r>
+              <a:rPr b="1" lang="ru" sz="1600">
+                <a:solidFill>
+                  <a:schemeClr val="dk1"/>
+                </a:solidFill>
+                <a:latin typeface="Roboto Mono"/>
+                <a:ea typeface="Roboto Mono"/>
+                <a:cs typeface="Roboto Mono"/>
+                <a:sym typeface="Roboto Mono"/>
+              </a:rPr>
+              <a:t>Недостатки:</a:t>
+            </a:r>
+            <a:endParaRPr b="1" sz="1600">
+              <a:solidFill>
+                <a:schemeClr val="dk1"/>
+              </a:solidFill>
+              <a:latin typeface="Roboto Mono"/>
+              <a:ea typeface="Roboto Mono"/>
+              <a:cs typeface="Roboto Mono"/>
+              <a:sym typeface="Roboto Mono"/>
+            </a:endParaRPr>
+          </a:p>
+          <a:p>
+            <a:pPr indent="-330200" lvl="0" marL="457200" rtl="0" algn="l">
+              <a:spcBef>
+                <a:spcPts val="1200"/>
+              </a:spcBef>
+              <a:spcAft>
+                <a:spcPts val="0"/>
+              </a:spcAft>
+              <a:buClr>
+                <a:schemeClr val="dk1"/>
+              </a:buClr>
+              <a:buSzPts val="1600"/>
+              <a:buFont typeface="Roboto Mono Medium"/>
+              <a:buChar char="-"/>
+            </a:pPr>
+            <a:r>
+              <a:rPr lang="ru" sz="1600">
+                <a:solidFill>
+                  <a:schemeClr val="dk1"/>
+                </a:solidFill>
+                <a:latin typeface="Roboto Mono Medium"/>
+                <a:ea typeface="Roboto Mono Medium"/>
+                <a:cs typeface="Roboto Mono Medium"/>
+                <a:sym typeface="Roboto Mono Medium"/>
+              </a:rPr>
+              <a:t>Ограниченное расстояние</a:t>
+            </a:r>
+            <a:endParaRPr sz="1600">
+              <a:solidFill>
+                <a:schemeClr val="dk1"/>
+              </a:solidFill>
+              <a:latin typeface="Roboto Mono Medium"/>
+              <a:ea typeface="Roboto Mono Medium"/>
+              <a:cs typeface="Roboto Mono Medium"/>
+              <a:sym typeface="Roboto Mono Medium"/>
+            </a:endParaRPr>
+          </a:p>
+          <a:p>
+            <a:pPr indent="-330200" lvl="0" marL="457200" rtl="0" algn="l">
+              <a:spcBef>
+                <a:spcPts val="0"/>
+              </a:spcBef>
+              <a:spcAft>
+                <a:spcPts val="0"/>
+              </a:spcAft>
+              <a:buClr>
+                <a:schemeClr val="dk1"/>
+              </a:buClr>
+              <a:buSzPts val="1600"/>
+              <a:buFont typeface="Roboto Mono Medium"/>
+              <a:buChar char="-"/>
+            </a:pPr>
+            <a:r>
+              <a:rPr lang="ru" sz="1600">
+                <a:solidFill>
+                  <a:schemeClr val="dk1"/>
+                </a:solidFill>
+                <a:latin typeface="Roboto Mono Medium"/>
+                <a:ea typeface="Roboto Mono Medium"/>
+                <a:cs typeface="Roboto Mono Medium"/>
+                <a:sym typeface="Roboto Mono Medium"/>
+              </a:rPr>
+              <a:t>Ограниченное количество подключений</a:t>
+            </a:r>
+            <a:endParaRPr sz="1600">
+              <a:solidFill>
+                <a:schemeClr val="dk1"/>
+              </a:solidFill>
+              <a:latin typeface="Roboto Mono Medium"/>
+              <a:ea typeface="Roboto Mono Medium"/>
+              <a:cs typeface="Roboto Mono Medium"/>
+              <a:sym typeface="Roboto Mono Medium"/>
+            </a:endParaRPr>
+          </a:p>
+        </p:txBody>
+      </p:sp>
+      <p:pic>
+        <p:nvPicPr>
+          <p:cNvPr id="201" name="Google Shape;201;p31"/>
+          <p:cNvPicPr preferRelativeResize="0"/>
+          <p:nvPr/>
+        </p:nvPicPr>
+        <p:blipFill>
+          <a:blip r:embed="rId3">
+            <a:alphaModFix/>
+          </a:blip>
+          <a:stretch>
+            <a:fillRect/>
+          </a:stretch>
+        </p:blipFill>
+        <p:spPr>
+          <a:xfrm>
+            <a:off x="5972900" y="1385125"/>
+            <a:ext cx="2373251" cy="2373251"/>
+          </a:xfrm>
+          <a:prstGeom prst="rect">
+            <a:avLst/>
+          </a:prstGeom>
+          <a:noFill/>
+          <a:ln>
+            <a:noFill/>
+          </a:ln>
+        </p:spPr>
+      </p:pic>
     </p:spTree>
   </p:cSld>
   <p:clrMapOvr>
@@ -6491,13 +10858,13 @@
           <p:cNvPr id="61" name="Google Shape;61;p14"/>
           <p:cNvSpPr txBox="1"/>
           <p:nvPr>
-            <p:ph type="title"/>
+            <p:ph idx="4294967295" type="title"/>
           </p:nvPr>
         </p:nvSpPr>
         <p:spPr>
           <a:xfrm>
-            <a:off x="311700" y="332925"/>
-            <a:ext cx="8520600" cy="572700"/>
+            <a:off x="311700" y="277375"/>
+            <a:ext cx="8520600" cy="647100"/>
           </a:xfrm>
           <a:prstGeom prst="rect">
             <a:avLst/>
@@ -6505,7 +10872,7 @@
         </p:spPr>
         <p:txBody>
           <a:bodyPr anchorCtr="0" anchor="t" bIns="91425" lIns="91425" spcFirstLastPara="1" rIns="91425" wrap="square" tIns="91425">
-            <a:normAutofit fontScale="90000"/>
+            <a:noAutofit/>
           </a:bodyPr>
           <a:lstStyle/>
           <a:p>
@@ -6519,15 +10886,15 @@
               <a:buNone/>
             </a:pPr>
             <a:r>
-              <a:rPr lang="ru">
+              <a:rPr lang="ru" sz="3500">
                 <a:latin typeface="Roboto Mono Medium"/>
                 <a:ea typeface="Roboto Mono Medium"/>
                 <a:cs typeface="Roboto Mono Medium"/>
                 <a:sym typeface="Roboto Mono Medium"/>
               </a:rPr>
-              <a:t>Что такое ZFS</a:t>
-            </a:r>
-            <a:endParaRPr>
+              <a:t>Интернет вещей</a:t>
+            </a:r>
+            <a:endParaRPr sz="3500">
               <a:latin typeface="Roboto Mono Medium"/>
               <a:ea typeface="Roboto Mono Medium"/>
               <a:cs typeface="Roboto Mono Medium"/>
@@ -6544,8 +10911,8 @@
         </p:nvSpPr>
         <p:spPr>
           <a:xfrm>
-            <a:off x="311700" y="1092850"/>
-            <a:ext cx="8106000" cy="2955300"/>
+            <a:off x="3131250" y="2412475"/>
+            <a:ext cx="2881500" cy="738900"/>
           </a:xfrm>
           <a:prstGeom prst="rect">
             <a:avLst/>
@@ -6561,61 +10928,581 @@
           </a:bodyPr>
           <a:lstStyle/>
           <a:p>
-            <a:pPr indent="0" lvl="0" marL="0" rtl="0" algn="l">
-              <a:spcBef>
-                <a:spcPts val="0"/>
-              </a:spcBef>
-              <a:spcAft>
-                <a:spcPts val="0"/>
-              </a:spcAft>
-              <a:buNone/>
-            </a:pPr>
-            <a:r>
-              <a:rPr lang="ru" sz="2000">
+            <a:pPr indent="0" lvl="0" marL="0" rtl="0" algn="ctr">
+              <a:spcBef>
+                <a:spcPts val="0"/>
+              </a:spcBef>
+              <a:spcAft>
+                <a:spcPts val="0"/>
+              </a:spcAft>
+              <a:buNone/>
+            </a:pPr>
+            <a:r>
+              <a:rPr lang="ru" sz="1800">
+                <a:solidFill>
+                  <a:schemeClr val="dk2"/>
+                </a:solidFill>
                 <a:latin typeface="Roboto Mono Medium"/>
                 <a:ea typeface="Roboto Mono Medium"/>
                 <a:cs typeface="Roboto Mono Medium"/>
                 <a:sym typeface="Roboto Mono Medium"/>
               </a:rPr>
-              <a:t>Zettabyte File System или ZFS — это файловая система, основанная на </a:t>
-            </a:r>
-            <a:r>
-              <a:rPr b="1" lang="ru" sz="2000">
+              <a:t>Связь, данные,</a:t>
+            </a:r>
+            <a:endParaRPr sz="1800">
+              <a:solidFill>
+                <a:schemeClr val="dk2"/>
+              </a:solidFill>
+              <a:latin typeface="Roboto Mono Medium"/>
+              <a:ea typeface="Roboto Mono Medium"/>
+              <a:cs typeface="Roboto Mono Medium"/>
+              <a:sym typeface="Roboto Mono Medium"/>
+            </a:endParaRPr>
+          </a:p>
+          <a:p>
+            <a:pPr indent="0" lvl="0" marL="0" rtl="0" algn="ctr">
+              <a:spcBef>
+                <a:spcPts val="0"/>
+              </a:spcBef>
+              <a:spcAft>
+                <a:spcPts val="0"/>
+              </a:spcAft>
+              <a:buNone/>
+            </a:pPr>
+            <a:r>
+              <a:rPr lang="ru" sz="1800">
+                <a:solidFill>
+                  <a:schemeClr val="dk2"/>
+                </a:solidFill>
+                <a:latin typeface="Roboto Mono Medium"/>
+                <a:ea typeface="Roboto Mono Medium"/>
+                <a:cs typeface="Roboto Mono Medium"/>
+                <a:sym typeface="Roboto Mono Medium"/>
+              </a:rPr>
+              <a:t>аналитика</a:t>
+            </a:r>
+            <a:endParaRPr sz="1800">
+              <a:solidFill>
+                <a:schemeClr val="dk2"/>
+              </a:solidFill>
+              <a:latin typeface="Roboto Mono Medium"/>
+              <a:ea typeface="Roboto Mono Medium"/>
+              <a:cs typeface="Roboto Mono Medium"/>
+              <a:sym typeface="Roboto Mono Medium"/>
+            </a:endParaRPr>
+          </a:p>
+        </p:txBody>
+      </p:sp>
+      <p:sp>
+        <p:nvSpPr>
+          <p:cNvPr id="63" name="Google Shape;63;p14"/>
+          <p:cNvSpPr txBox="1"/>
+          <p:nvPr/>
+        </p:nvSpPr>
+        <p:spPr>
+          <a:xfrm>
+            <a:off x="311700" y="1092375"/>
+            <a:ext cx="2881500" cy="3509400"/>
+          </a:xfrm>
+          <a:prstGeom prst="rect">
+            <a:avLst/>
+          </a:prstGeom>
+          <a:noFill/>
+          <a:ln>
+            <a:noFill/>
+          </a:ln>
+        </p:spPr>
+        <p:txBody>
+          <a:bodyPr anchorCtr="0" anchor="t" bIns="91425" lIns="91425" spcFirstLastPara="1" rIns="91425" wrap="square" tIns="91425">
+            <a:spAutoFit/>
+          </a:bodyPr>
+          <a:lstStyle/>
+          <a:p>
+            <a:pPr indent="0" lvl="0" marL="0" rtl="0" algn="ctr">
+              <a:spcBef>
+                <a:spcPts val="0"/>
+              </a:spcBef>
+              <a:spcAft>
+                <a:spcPts val="0"/>
+              </a:spcAft>
+              <a:buNone/>
+            </a:pPr>
+            <a:r>
+              <a:rPr b="1" lang="ru" sz="1800">
+                <a:solidFill>
+                  <a:schemeClr val="dk2"/>
+                </a:solidFill>
                 <a:latin typeface="Roboto Mono"/>
                 <a:ea typeface="Roboto Mono"/>
                 <a:cs typeface="Roboto Mono"/>
                 <a:sym typeface="Roboto Mono"/>
               </a:rPr>
-              <a:t>Copy-On-Write</a:t>
-            </a:r>
-            <a:r>
-              <a:rPr lang="ru" sz="2000">
+              <a:t>Бытовой</a:t>
+            </a:r>
+            <a:endParaRPr b="1" sz="1800">
+              <a:solidFill>
+                <a:schemeClr val="dk2"/>
+              </a:solidFill>
+              <a:latin typeface="Roboto Mono"/>
+              <a:ea typeface="Roboto Mono"/>
+              <a:cs typeface="Roboto Mono"/>
+              <a:sym typeface="Roboto Mono"/>
+            </a:endParaRPr>
+          </a:p>
+          <a:p>
+            <a:pPr indent="0" lvl="0" marL="0" rtl="0" algn="ctr">
+              <a:spcBef>
+                <a:spcPts val="0"/>
+              </a:spcBef>
+              <a:spcAft>
+                <a:spcPts val="0"/>
+              </a:spcAft>
+              <a:buNone/>
+            </a:pPr>
+            <a:r>
+              <a:t/>
+            </a:r>
+            <a:endParaRPr b="1" sz="1800">
+              <a:solidFill>
+                <a:schemeClr val="dk2"/>
+              </a:solidFill>
+              <a:latin typeface="Roboto Mono"/>
+              <a:ea typeface="Roboto Mono"/>
+              <a:cs typeface="Roboto Mono"/>
+              <a:sym typeface="Roboto Mono"/>
+            </a:endParaRPr>
+          </a:p>
+          <a:p>
+            <a:pPr indent="0" lvl="0" marL="0" rtl="0" algn="ctr">
+              <a:spcBef>
+                <a:spcPts val="0"/>
+              </a:spcBef>
+              <a:spcAft>
+                <a:spcPts val="0"/>
+              </a:spcAft>
+              <a:buNone/>
+            </a:pPr>
+            <a:r>
+              <a:t/>
+            </a:r>
+            <a:endParaRPr sz="1800">
+              <a:solidFill>
+                <a:schemeClr val="dk2"/>
+              </a:solidFill>
+              <a:latin typeface="Roboto Mono Medium"/>
+              <a:ea typeface="Roboto Mono Medium"/>
+              <a:cs typeface="Roboto Mono Medium"/>
+              <a:sym typeface="Roboto Mono Medium"/>
+            </a:endParaRPr>
+          </a:p>
+          <a:p>
+            <a:pPr indent="0" lvl="0" marL="0" rtl="0" algn="ctr">
+              <a:spcBef>
+                <a:spcPts val="0"/>
+              </a:spcBef>
+              <a:spcAft>
+                <a:spcPts val="0"/>
+              </a:spcAft>
+              <a:buNone/>
+            </a:pPr>
+            <a:r>
+              <a:rPr lang="ru" sz="1800">
+                <a:solidFill>
+                  <a:schemeClr val="dk2"/>
+                </a:solidFill>
                 <a:latin typeface="Roboto Mono Medium"/>
                 <a:ea typeface="Roboto Mono Medium"/>
                 <a:cs typeface="Roboto Mono Medium"/>
                 <a:sym typeface="Roboto Mono Medium"/>
               </a:rPr>
-              <a:t> и </a:t>
-            </a:r>
-            <a:r>
-              <a:rPr b="1" lang="ru" sz="2000">
+              <a:t>Смартфоны</a:t>
+            </a:r>
+            <a:endParaRPr sz="1800">
+              <a:solidFill>
+                <a:schemeClr val="dk2"/>
+              </a:solidFill>
+              <a:latin typeface="Roboto Mono Medium"/>
+              <a:ea typeface="Roboto Mono Medium"/>
+              <a:cs typeface="Roboto Mono Medium"/>
+              <a:sym typeface="Roboto Mono Medium"/>
+            </a:endParaRPr>
+          </a:p>
+          <a:p>
+            <a:pPr indent="0" lvl="0" marL="0" rtl="0" algn="ctr">
+              <a:spcBef>
+                <a:spcPts val="0"/>
+              </a:spcBef>
+              <a:spcAft>
+                <a:spcPts val="0"/>
+              </a:spcAft>
+              <a:buNone/>
+            </a:pPr>
+            <a:r>
+              <a:t/>
+            </a:r>
+            <a:endParaRPr sz="1800">
+              <a:solidFill>
+                <a:schemeClr val="dk2"/>
+              </a:solidFill>
+              <a:latin typeface="Roboto Mono Medium"/>
+              <a:ea typeface="Roboto Mono Medium"/>
+              <a:cs typeface="Roboto Mono Medium"/>
+              <a:sym typeface="Roboto Mono Medium"/>
+            </a:endParaRPr>
+          </a:p>
+          <a:p>
+            <a:pPr indent="0" lvl="0" marL="0" rtl="0" algn="ctr">
+              <a:spcBef>
+                <a:spcPts val="0"/>
+              </a:spcBef>
+              <a:spcAft>
+                <a:spcPts val="0"/>
+              </a:spcAft>
+              <a:buNone/>
+            </a:pPr>
+            <a:r>
+              <a:rPr lang="ru" sz="1800">
+                <a:solidFill>
+                  <a:schemeClr val="dk2"/>
+                </a:solidFill>
+                <a:latin typeface="Roboto Mono Medium"/>
+                <a:ea typeface="Roboto Mono Medium"/>
+                <a:cs typeface="Roboto Mono Medium"/>
+                <a:sym typeface="Roboto Mono Medium"/>
+              </a:rPr>
+              <a:t>Гаджеты</a:t>
+            </a:r>
+            <a:endParaRPr sz="1800">
+              <a:solidFill>
+                <a:schemeClr val="dk2"/>
+              </a:solidFill>
+              <a:latin typeface="Roboto Mono Medium"/>
+              <a:ea typeface="Roboto Mono Medium"/>
+              <a:cs typeface="Roboto Mono Medium"/>
+              <a:sym typeface="Roboto Mono Medium"/>
+            </a:endParaRPr>
+          </a:p>
+          <a:p>
+            <a:pPr indent="0" lvl="0" marL="0" rtl="0" algn="ctr">
+              <a:spcBef>
+                <a:spcPts val="0"/>
+              </a:spcBef>
+              <a:spcAft>
+                <a:spcPts val="0"/>
+              </a:spcAft>
+              <a:buNone/>
+            </a:pPr>
+            <a:r>
+              <a:t/>
+            </a:r>
+            <a:endParaRPr sz="1800">
+              <a:solidFill>
+                <a:schemeClr val="dk2"/>
+              </a:solidFill>
+              <a:latin typeface="Roboto Mono Medium"/>
+              <a:ea typeface="Roboto Mono Medium"/>
+              <a:cs typeface="Roboto Mono Medium"/>
+              <a:sym typeface="Roboto Mono Medium"/>
+            </a:endParaRPr>
+          </a:p>
+          <a:p>
+            <a:pPr indent="0" lvl="0" marL="0" rtl="0" algn="ctr">
+              <a:spcBef>
+                <a:spcPts val="0"/>
+              </a:spcBef>
+              <a:spcAft>
+                <a:spcPts val="0"/>
+              </a:spcAft>
+              <a:buNone/>
+            </a:pPr>
+            <a:r>
+              <a:rPr lang="ru" sz="1800">
+                <a:solidFill>
+                  <a:schemeClr val="dk2"/>
+                </a:solidFill>
+                <a:latin typeface="Roboto Mono Medium"/>
+                <a:ea typeface="Roboto Mono Medium"/>
+                <a:cs typeface="Roboto Mono Medium"/>
+                <a:sym typeface="Roboto Mono Medium"/>
+              </a:rPr>
+              <a:t>Телевизоры</a:t>
+            </a:r>
+            <a:endParaRPr sz="1800">
+              <a:solidFill>
+                <a:schemeClr val="dk2"/>
+              </a:solidFill>
+              <a:latin typeface="Roboto Mono Medium"/>
+              <a:ea typeface="Roboto Mono Medium"/>
+              <a:cs typeface="Roboto Mono Medium"/>
+              <a:sym typeface="Roboto Mono Medium"/>
+            </a:endParaRPr>
+          </a:p>
+          <a:p>
+            <a:pPr indent="0" lvl="0" marL="0" rtl="0" algn="ctr">
+              <a:spcBef>
+                <a:spcPts val="0"/>
+              </a:spcBef>
+              <a:spcAft>
+                <a:spcPts val="0"/>
+              </a:spcAft>
+              <a:buNone/>
+            </a:pPr>
+            <a:r>
+              <a:t/>
+            </a:r>
+            <a:endParaRPr sz="1800">
+              <a:solidFill>
+                <a:schemeClr val="dk2"/>
+              </a:solidFill>
+              <a:latin typeface="Roboto Mono Medium"/>
+              <a:ea typeface="Roboto Mono Medium"/>
+              <a:cs typeface="Roboto Mono Medium"/>
+              <a:sym typeface="Roboto Mono Medium"/>
+            </a:endParaRPr>
+          </a:p>
+          <a:p>
+            <a:pPr indent="0" lvl="0" marL="0" rtl="0" algn="ctr">
+              <a:spcBef>
+                <a:spcPts val="0"/>
+              </a:spcBef>
+              <a:spcAft>
+                <a:spcPts val="0"/>
+              </a:spcAft>
+              <a:buNone/>
+            </a:pPr>
+            <a:r>
+              <a:rPr lang="ru" sz="1800">
+                <a:solidFill>
+                  <a:schemeClr val="dk2"/>
+                </a:solidFill>
+                <a:latin typeface="Roboto Mono Medium"/>
+                <a:ea typeface="Roboto Mono Medium"/>
+                <a:cs typeface="Roboto Mono Medium"/>
+                <a:sym typeface="Roboto Mono Medium"/>
+              </a:rPr>
+              <a:t>Бытовая техника</a:t>
+            </a:r>
+            <a:endParaRPr sz="1800">
+              <a:solidFill>
+                <a:schemeClr val="dk2"/>
+              </a:solidFill>
+              <a:latin typeface="Roboto Mono Medium"/>
+              <a:ea typeface="Roboto Mono Medium"/>
+              <a:cs typeface="Roboto Mono Medium"/>
+              <a:sym typeface="Roboto Mono Medium"/>
+            </a:endParaRPr>
+          </a:p>
+          <a:p>
+            <a:pPr indent="0" lvl="0" marL="0" rtl="0" algn="ctr">
+              <a:spcBef>
+                <a:spcPts val="0"/>
+              </a:spcBef>
+              <a:spcAft>
+                <a:spcPts val="0"/>
+              </a:spcAft>
+              <a:buNone/>
+            </a:pPr>
+            <a:r>
+              <a:t/>
+            </a:r>
+            <a:endParaRPr sz="1800">
+              <a:solidFill>
+                <a:schemeClr val="dk2"/>
+              </a:solidFill>
+              <a:latin typeface="Roboto Mono Medium"/>
+              <a:ea typeface="Roboto Mono Medium"/>
+              <a:cs typeface="Roboto Mono Medium"/>
+              <a:sym typeface="Roboto Mono Medium"/>
+            </a:endParaRPr>
+          </a:p>
+          <a:p>
+            <a:pPr indent="0" lvl="0" marL="0" rtl="0" algn="ctr">
+              <a:spcBef>
+                <a:spcPts val="0"/>
+              </a:spcBef>
+              <a:spcAft>
+                <a:spcPts val="0"/>
+              </a:spcAft>
+              <a:buNone/>
+            </a:pPr>
+            <a:r>
+              <a:rPr lang="ru" sz="1800">
+                <a:solidFill>
+                  <a:schemeClr val="dk2"/>
+                </a:solidFill>
+                <a:latin typeface="Roboto Mono Medium"/>
+                <a:ea typeface="Roboto Mono Medium"/>
+                <a:cs typeface="Roboto Mono Medium"/>
+                <a:sym typeface="Roboto Mono Medium"/>
+              </a:rPr>
+              <a:t>Дома</a:t>
+            </a:r>
+            <a:endParaRPr sz="1800">
+              <a:solidFill>
+                <a:schemeClr val="dk2"/>
+              </a:solidFill>
+              <a:latin typeface="Roboto Mono Medium"/>
+              <a:ea typeface="Roboto Mono Medium"/>
+              <a:cs typeface="Roboto Mono Medium"/>
+              <a:sym typeface="Roboto Mono Medium"/>
+            </a:endParaRPr>
+          </a:p>
+        </p:txBody>
+      </p:sp>
+      <p:cxnSp>
+        <p:nvCxnSpPr>
+          <p:cNvPr id="64" name="Google Shape;64;p14"/>
+          <p:cNvCxnSpPr/>
+          <p:nvPr/>
+        </p:nvCxnSpPr>
+        <p:spPr>
+          <a:xfrm>
+            <a:off x="579600" y="1592800"/>
+            <a:ext cx="2345700" cy="0"/>
+          </a:xfrm>
+          <a:prstGeom prst="straightConnector1">
+            <a:avLst/>
+          </a:prstGeom>
+          <a:noFill/>
+          <a:ln cap="flat" cmpd="sng" w="28575">
+            <a:solidFill>
+              <a:schemeClr val="dk2"/>
+            </a:solidFill>
+            <a:prstDash val="solid"/>
+            <a:round/>
+            <a:headEnd len="med" w="med" type="none"/>
+            <a:tailEnd len="med" w="med" type="none"/>
+          </a:ln>
+        </p:spPr>
+      </p:cxnSp>
+      <p:sp>
+        <p:nvSpPr>
+          <p:cNvPr id="65" name="Google Shape;65;p14"/>
+          <p:cNvSpPr txBox="1"/>
+          <p:nvPr/>
+        </p:nvSpPr>
+        <p:spPr>
+          <a:xfrm>
+            <a:off x="6012750" y="1092375"/>
+            <a:ext cx="2881500" cy="3509400"/>
+          </a:xfrm>
+          <a:prstGeom prst="rect">
+            <a:avLst/>
+          </a:prstGeom>
+          <a:noFill/>
+          <a:ln>
+            <a:noFill/>
+          </a:ln>
+        </p:spPr>
+        <p:txBody>
+          <a:bodyPr anchorCtr="0" anchor="t" bIns="91425" lIns="91425" spcFirstLastPara="1" rIns="91425" wrap="square" tIns="91425">
+            <a:spAutoFit/>
+          </a:bodyPr>
+          <a:lstStyle/>
+          <a:p>
+            <a:pPr indent="0" lvl="0" marL="0" rtl="0" algn="ctr">
+              <a:spcBef>
+                <a:spcPts val="0"/>
+              </a:spcBef>
+              <a:spcAft>
+                <a:spcPts val="0"/>
+              </a:spcAft>
+              <a:buNone/>
+            </a:pPr>
+            <a:r>
+              <a:rPr b="1" lang="ru" sz="1800">
+                <a:solidFill>
+                  <a:schemeClr val="dk2"/>
+                </a:solidFill>
                 <a:latin typeface="Roboto Mono"/>
                 <a:ea typeface="Roboto Mono"/>
                 <a:cs typeface="Roboto Mono"/>
                 <a:sym typeface="Roboto Mono"/>
               </a:rPr>
-              <a:t>дереве Меркла</a:t>
-            </a:r>
-            <a:r>
-              <a:rPr lang="ru" sz="2000">
+              <a:t>Промышленный</a:t>
+            </a:r>
+            <a:endParaRPr b="1" sz="1800">
+              <a:solidFill>
+                <a:schemeClr val="dk2"/>
+              </a:solidFill>
+              <a:latin typeface="Roboto Mono"/>
+              <a:ea typeface="Roboto Mono"/>
+              <a:cs typeface="Roboto Mono"/>
+              <a:sym typeface="Roboto Mono"/>
+            </a:endParaRPr>
+          </a:p>
+          <a:p>
+            <a:pPr indent="0" lvl="0" marL="0" rtl="0" algn="ctr">
+              <a:spcBef>
+                <a:spcPts val="0"/>
+              </a:spcBef>
+              <a:spcAft>
+                <a:spcPts val="0"/>
+              </a:spcAft>
+              <a:buNone/>
+            </a:pPr>
+            <a:r>
+              <a:t/>
+            </a:r>
+            <a:endParaRPr b="1" sz="1800">
+              <a:solidFill>
+                <a:schemeClr val="dk2"/>
+              </a:solidFill>
+              <a:latin typeface="Roboto Mono"/>
+              <a:ea typeface="Roboto Mono"/>
+              <a:cs typeface="Roboto Mono"/>
+              <a:sym typeface="Roboto Mono"/>
+            </a:endParaRPr>
+          </a:p>
+          <a:p>
+            <a:pPr indent="0" lvl="0" marL="0" rtl="0" algn="ctr">
+              <a:spcBef>
+                <a:spcPts val="0"/>
+              </a:spcBef>
+              <a:spcAft>
+                <a:spcPts val="0"/>
+              </a:spcAft>
+              <a:buNone/>
+            </a:pPr>
+            <a:r>
+              <a:t/>
+            </a:r>
+            <a:endParaRPr sz="1800">
+              <a:solidFill>
+                <a:schemeClr val="dk2"/>
+              </a:solidFill>
+              <a:latin typeface="Roboto Mono Medium"/>
+              <a:ea typeface="Roboto Mono Medium"/>
+              <a:cs typeface="Roboto Mono Medium"/>
+              <a:sym typeface="Roboto Mono Medium"/>
+            </a:endParaRPr>
+          </a:p>
+          <a:p>
+            <a:pPr indent="0" lvl="0" marL="0" rtl="0" algn="ctr">
+              <a:spcBef>
+                <a:spcPts val="0"/>
+              </a:spcBef>
+              <a:spcAft>
+                <a:spcPts val="0"/>
+              </a:spcAft>
+              <a:buNone/>
+            </a:pPr>
+            <a:r>
+              <a:rPr lang="ru" sz="1800">
+                <a:solidFill>
+                  <a:schemeClr val="dk2"/>
+                </a:solidFill>
                 <a:latin typeface="Roboto Mono Medium"/>
                 <a:ea typeface="Roboto Mono Medium"/>
                 <a:cs typeface="Roboto Mono Medium"/>
                 <a:sym typeface="Roboto Mono Medium"/>
               </a:rPr>
-              <a:t>, поддерживающая большие объемы данных и позволяющая создавать RAID-массивы.</a:t>
-            </a:r>
-            <a:endParaRPr sz="2000">
+              <a:t>Автомобили</a:t>
+            </a:r>
+            <a:endParaRPr sz="1800">
+              <a:solidFill>
+                <a:schemeClr val="dk2"/>
+              </a:solidFill>
               <a:latin typeface="Roboto Mono Medium"/>
               <a:ea typeface="Roboto Mono Medium"/>
               <a:cs typeface="Roboto Mono Medium"/>
@@ -6623,7 +11510,7 @@
             </a:endParaRPr>
           </a:p>
           <a:p>
-            <a:pPr indent="0" lvl="0" marL="0" rtl="0" algn="l">
+            <a:pPr indent="0" lvl="0" marL="0" rtl="0" algn="ctr">
               <a:spcBef>
                 <a:spcPts val="0"/>
               </a:spcBef>
@@ -6635,7 +11522,10 @@
             <a:r>
               <a:t/>
             </a:r>
-            <a:endParaRPr sz="2000">
+            <a:endParaRPr sz="1800">
+              <a:solidFill>
+                <a:schemeClr val="dk2"/>
+              </a:solidFill>
               <a:latin typeface="Roboto Mono Medium"/>
               <a:ea typeface="Roboto Mono Medium"/>
               <a:cs typeface="Roboto Mono Medium"/>
@@ -6643,33 +11533,1599 @@
             </a:endParaRPr>
           </a:p>
           <a:p>
-            <a:pPr indent="0" lvl="0" marL="0" rtl="0" algn="l">
-              <a:spcBef>
-                <a:spcPts val="0"/>
-              </a:spcBef>
-              <a:spcAft>
-                <a:spcPts val="0"/>
-              </a:spcAft>
-              <a:buNone/>
-            </a:pPr>
-            <a:r>
-              <a:rPr lang="ru" sz="2000">
+            <a:pPr indent="0" lvl="0" marL="0" rtl="0" algn="ctr">
+              <a:spcBef>
+                <a:spcPts val="0"/>
+              </a:spcBef>
+              <a:spcAft>
+                <a:spcPts val="0"/>
+              </a:spcAft>
+              <a:buNone/>
+            </a:pPr>
+            <a:r>
+              <a:rPr lang="ru" sz="1800">
+                <a:solidFill>
+                  <a:schemeClr val="dk2"/>
+                </a:solidFill>
                 <a:latin typeface="Roboto Mono Medium"/>
                 <a:ea typeface="Roboto Mono Medium"/>
                 <a:cs typeface="Roboto Mono Medium"/>
                 <a:sym typeface="Roboto Mono Medium"/>
               </a:rPr>
-              <a:t>ZFS предназначена для работы на одном сервере с большим количеством накопителей. ZFS объединяет доступное хранилище и управляет всеми дисками как единым целым.</a:t>
-            </a:r>
-            <a:endParaRPr sz="2000">
+              <a:t>Транспорт</a:t>
+            </a:r>
+            <a:endParaRPr sz="1800">
+              <a:solidFill>
+                <a:schemeClr val="dk2"/>
+              </a:solidFill>
               <a:latin typeface="Roboto Mono Medium"/>
               <a:ea typeface="Roboto Mono Medium"/>
               <a:cs typeface="Roboto Mono Medium"/>
               <a:sym typeface="Roboto Mono Medium"/>
             </a:endParaRPr>
           </a:p>
+          <a:p>
+            <a:pPr indent="0" lvl="0" marL="0" rtl="0" algn="ctr">
+              <a:spcBef>
+                <a:spcPts val="0"/>
+              </a:spcBef>
+              <a:spcAft>
+                <a:spcPts val="0"/>
+              </a:spcAft>
+              <a:buNone/>
+            </a:pPr>
+            <a:r>
+              <a:t/>
+            </a:r>
+            <a:endParaRPr sz="1800">
+              <a:solidFill>
+                <a:schemeClr val="dk2"/>
+              </a:solidFill>
+              <a:latin typeface="Roboto Mono Medium"/>
+              <a:ea typeface="Roboto Mono Medium"/>
+              <a:cs typeface="Roboto Mono Medium"/>
+              <a:sym typeface="Roboto Mono Medium"/>
+            </a:endParaRPr>
+          </a:p>
+          <a:p>
+            <a:pPr indent="0" lvl="0" marL="0" rtl="0" algn="ctr">
+              <a:spcBef>
+                <a:spcPts val="0"/>
+              </a:spcBef>
+              <a:spcAft>
+                <a:spcPts val="0"/>
+              </a:spcAft>
+              <a:buNone/>
+            </a:pPr>
+            <a:r>
+              <a:rPr lang="ru" sz="1800">
+                <a:solidFill>
+                  <a:schemeClr val="dk2"/>
+                </a:solidFill>
+                <a:latin typeface="Roboto Mono Medium"/>
+                <a:ea typeface="Roboto Mono Medium"/>
+                <a:cs typeface="Roboto Mono Medium"/>
+                <a:sym typeface="Roboto Mono Medium"/>
+              </a:rPr>
+              <a:t>Фабрики</a:t>
+            </a:r>
+            <a:endParaRPr sz="1800">
+              <a:solidFill>
+                <a:schemeClr val="dk2"/>
+              </a:solidFill>
+              <a:latin typeface="Roboto Mono Medium"/>
+              <a:ea typeface="Roboto Mono Medium"/>
+              <a:cs typeface="Roboto Mono Medium"/>
+              <a:sym typeface="Roboto Mono Medium"/>
+            </a:endParaRPr>
+          </a:p>
+          <a:p>
+            <a:pPr indent="0" lvl="0" marL="0" rtl="0" algn="ctr">
+              <a:spcBef>
+                <a:spcPts val="0"/>
+              </a:spcBef>
+              <a:spcAft>
+                <a:spcPts val="0"/>
+              </a:spcAft>
+              <a:buNone/>
+            </a:pPr>
+            <a:r>
+              <a:t/>
+            </a:r>
+            <a:endParaRPr sz="1800">
+              <a:solidFill>
+                <a:schemeClr val="dk2"/>
+              </a:solidFill>
+              <a:latin typeface="Roboto Mono Medium"/>
+              <a:ea typeface="Roboto Mono Medium"/>
+              <a:cs typeface="Roboto Mono Medium"/>
+              <a:sym typeface="Roboto Mono Medium"/>
+            </a:endParaRPr>
+          </a:p>
+          <a:p>
+            <a:pPr indent="0" lvl="0" marL="0" rtl="0" algn="ctr">
+              <a:spcBef>
+                <a:spcPts val="0"/>
+              </a:spcBef>
+              <a:spcAft>
+                <a:spcPts val="0"/>
+              </a:spcAft>
+              <a:buNone/>
+            </a:pPr>
+            <a:r>
+              <a:rPr lang="ru" sz="1800">
+                <a:solidFill>
+                  <a:schemeClr val="dk2"/>
+                </a:solidFill>
+                <a:latin typeface="Roboto Mono Medium"/>
+                <a:ea typeface="Roboto Mono Medium"/>
+                <a:cs typeface="Roboto Mono Medium"/>
+                <a:sym typeface="Roboto Mono Medium"/>
+              </a:rPr>
+              <a:t>Города</a:t>
+            </a:r>
+            <a:endParaRPr sz="1800">
+              <a:solidFill>
+                <a:schemeClr val="dk2"/>
+              </a:solidFill>
+              <a:latin typeface="Roboto Mono Medium"/>
+              <a:ea typeface="Roboto Mono Medium"/>
+              <a:cs typeface="Roboto Mono Medium"/>
+              <a:sym typeface="Roboto Mono Medium"/>
+            </a:endParaRPr>
+          </a:p>
+          <a:p>
+            <a:pPr indent="0" lvl="0" marL="0" rtl="0" algn="ctr">
+              <a:spcBef>
+                <a:spcPts val="0"/>
+              </a:spcBef>
+              <a:spcAft>
+                <a:spcPts val="0"/>
+              </a:spcAft>
+              <a:buNone/>
+            </a:pPr>
+            <a:r>
+              <a:t/>
+            </a:r>
+            <a:endParaRPr sz="1800">
+              <a:solidFill>
+                <a:schemeClr val="dk2"/>
+              </a:solidFill>
+              <a:latin typeface="Roboto Mono Medium"/>
+              <a:ea typeface="Roboto Mono Medium"/>
+              <a:cs typeface="Roboto Mono Medium"/>
+              <a:sym typeface="Roboto Mono Medium"/>
+            </a:endParaRPr>
+          </a:p>
+          <a:p>
+            <a:pPr indent="0" lvl="0" marL="0" rtl="0" algn="ctr">
+              <a:spcBef>
+                <a:spcPts val="0"/>
+              </a:spcBef>
+              <a:spcAft>
+                <a:spcPts val="0"/>
+              </a:spcAft>
+              <a:buNone/>
+            </a:pPr>
+            <a:r>
+              <a:rPr lang="ru" sz="1800">
+                <a:solidFill>
+                  <a:schemeClr val="dk2"/>
+                </a:solidFill>
+                <a:latin typeface="Roboto Mono Medium"/>
+                <a:ea typeface="Roboto Mono Medium"/>
+                <a:cs typeface="Roboto Mono Medium"/>
+                <a:sym typeface="Roboto Mono Medium"/>
+              </a:rPr>
+              <a:t>Энергоснабжение</a:t>
+            </a:r>
+            <a:endParaRPr sz="1800">
+              <a:solidFill>
+                <a:schemeClr val="dk2"/>
+              </a:solidFill>
+              <a:latin typeface="Roboto Mono Medium"/>
+              <a:ea typeface="Roboto Mono Medium"/>
+              <a:cs typeface="Roboto Mono Medium"/>
+              <a:sym typeface="Roboto Mono Medium"/>
+            </a:endParaRPr>
+          </a:p>
         </p:txBody>
       </p:sp>
+      <p:cxnSp>
+        <p:nvCxnSpPr>
+          <p:cNvPr id="66" name="Google Shape;66;p14"/>
+          <p:cNvCxnSpPr/>
+          <p:nvPr/>
+        </p:nvCxnSpPr>
+        <p:spPr>
+          <a:xfrm>
+            <a:off x="6280650" y="1592800"/>
+            <a:ext cx="2345700" cy="0"/>
+          </a:xfrm>
+          <a:prstGeom prst="straightConnector1">
+            <a:avLst/>
+          </a:prstGeom>
+          <a:noFill/>
+          <a:ln cap="flat" cmpd="sng" w="28575">
+            <a:solidFill>
+              <a:schemeClr val="dk2"/>
+            </a:solidFill>
+            <a:prstDash val="solid"/>
+            <a:round/>
+            <a:headEnd len="med" w="med" type="none"/>
+            <a:tailEnd len="med" w="med" type="none"/>
+          </a:ln>
+        </p:spPr>
+      </p:cxnSp>
+      <p:sp>
+        <p:nvSpPr>
+          <p:cNvPr id="67" name="Google Shape;67;p14"/>
+          <p:cNvSpPr/>
+          <p:nvPr/>
+        </p:nvSpPr>
+        <p:spPr>
+          <a:xfrm>
+            <a:off x="3131225" y="1779200"/>
+            <a:ext cx="2881548" cy="2005452"/>
+          </a:xfrm>
+          <a:prstGeom prst="cloud">
+            <a:avLst/>
+          </a:prstGeom>
+          <a:noFill/>
+          <a:ln cap="flat" cmpd="sng" w="19050">
+            <a:solidFill>
+              <a:schemeClr val="dk2"/>
+            </a:solidFill>
+            <a:prstDash val="solid"/>
+            <a:round/>
+            <a:headEnd len="sm" w="sm" type="none"/>
+            <a:tailEnd len="sm" w="sm" type="none"/>
+          </a:ln>
+        </p:spPr>
+        <p:txBody>
+          <a:bodyPr anchorCtr="0" anchor="ctr" bIns="91425" lIns="91425" spcFirstLastPara="1" rIns="91425" wrap="square" tIns="91425">
+            <a:noAutofit/>
+          </a:bodyPr>
+          <a:lstStyle/>
+          <a:p>
+            <a:pPr indent="0" lvl="0" marL="0" rtl="0" algn="ctr">
+              <a:spcBef>
+                <a:spcPts val="0"/>
+              </a:spcBef>
+              <a:spcAft>
+                <a:spcPts val="0"/>
+              </a:spcAft>
+              <a:buNone/>
+            </a:pPr>
+            <a:r>
+              <a:t/>
+            </a:r>
+            <a:endParaRPr/>
+          </a:p>
+        </p:txBody>
+      </p:sp>
+      <p:cxnSp>
+        <p:nvCxnSpPr>
+          <p:cNvPr id="68" name="Google Shape;68;p14"/>
+          <p:cNvCxnSpPr>
+            <a:endCxn id="67" idx="2"/>
+          </p:cNvCxnSpPr>
+          <p:nvPr/>
+        </p:nvCxnSpPr>
+        <p:spPr>
+          <a:xfrm flipH="1" rot="10800000">
+            <a:off x="2475963" y="2781926"/>
+            <a:ext cx="664200" cy="128400"/>
+          </a:xfrm>
+          <a:prstGeom prst="straightConnector1">
+            <a:avLst/>
+          </a:prstGeom>
+          <a:noFill/>
+          <a:ln cap="flat" cmpd="sng" w="28575">
+            <a:solidFill>
+              <a:schemeClr val="dk2"/>
+            </a:solidFill>
+            <a:prstDash val="solid"/>
+            <a:round/>
+            <a:headEnd len="med" w="med" type="none"/>
+            <a:tailEnd len="med" w="med" type="triangle"/>
+          </a:ln>
+        </p:spPr>
+      </p:cxnSp>
+      <p:cxnSp>
+        <p:nvCxnSpPr>
+          <p:cNvPr id="69" name="Google Shape;69;p14"/>
+          <p:cNvCxnSpPr>
+            <a:endCxn id="67" idx="0"/>
+          </p:cNvCxnSpPr>
+          <p:nvPr/>
+        </p:nvCxnSpPr>
+        <p:spPr>
+          <a:xfrm rot="10800000">
+            <a:off x="6010372" y="2781926"/>
+            <a:ext cx="679200" cy="179100"/>
+          </a:xfrm>
+          <a:prstGeom prst="straightConnector1">
+            <a:avLst/>
+          </a:prstGeom>
+          <a:noFill/>
+          <a:ln cap="flat" cmpd="sng" w="28575">
+            <a:solidFill>
+              <a:schemeClr val="dk2"/>
+            </a:solidFill>
+            <a:prstDash val="solid"/>
+            <a:round/>
+            <a:headEnd len="med" w="med" type="none"/>
+            <a:tailEnd len="med" w="med" type="triangle"/>
+          </a:ln>
+        </p:spPr>
+      </p:cxnSp>
+    </p:spTree>
+  </p:cSld>
+  <p:clrMapOvr>
+    <a:masterClrMapping/>
+  </p:clrMapOvr>
+</p:sld>
+</file>
+
+<file path=ppt/slides/slide20.xml><?xml version="1.0" encoding="utf-8"?>
+<p:sld xmlns:a="http://schemas.openxmlformats.org/drawingml/2006/main" xmlns:r="http://schemas.openxmlformats.org/officeDocument/2006/relationships" xmlns:mc="http://schemas.openxmlformats.org/markup-compatibility/2006" xmlns:mv="urn:schemas-microsoft-com:mac:vml" xmlns:p="http://schemas.openxmlformats.org/presentationml/2006/main" xmlns:c="http://schemas.openxmlformats.org/drawingml/2006/chart" xmlns:dgm="http://schemas.openxmlformats.org/drawingml/2006/diagram" xmlns:o="urn:schemas-microsoft-com:office:office" xmlns:v="urn:schemas-microsoft-com:vml" xmlns:pvml="urn:schemas-microsoft-com:office:powerpoint" xmlns:com="http://schemas.openxmlformats.org/drawingml/2006/compatibility" xmlns:p14="http://schemas.microsoft.com/office/powerpoint/2010/main" xmlns:p15="http://schemas.microsoft.com/office/powerpoint/2012/main" xmlns:ahyp="http://schemas.microsoft.com/office/drawing/2018/hyperlinkcolor">
+  <p:cSld>
+    <p:spTree>
+      <p:nvGrpSpPr>
+        <p:cNvPr id="205" name="Shape 205"/>
+        <p:cNvGrpSpPr/>
+        <p:nvPr/>
+      </p:nvGrpSpPr>
+      <p:grpSpPr>
+        <a:xfrm>
+          <a:off x="0" y="0"/>
+          <a:ext cx="0" cy="0"/>
+          <a:chOff x="0" y="0"/>
+          <a:chExt cx="0" cy="0"/>
+        </a:xfrm>
+      </p:grpSpPr>
+      <p:sp>
+        <p:nvSpPr>
+          <p:cNvPr id="206" name="Google Shape;206;p32"/>
+          <p:cNvSpPr txBox="1"/>
+          <p:nvPr>
+            <p:ph type="title"/>
+          </p:nvPr>
+        </p:nvSpPr>
+        <p:spPr>
+          <a:xfrm>
+            <a:off x="311700" y="445025"/>
+            <a:ext cx="8520600" cy="647100"/>
+          </a:xfrm>
+          <a:prstGeom prst="rect">
+            <a:avLst/>
+          </a:prstGeom>
+        </p:spPr>
+        <p:txBody>
+          <a:bodyPr anchorCtr="0" anchor="t" bIns="91425" lIns="91425" spcFirstLastPara="1" rIns="91425" wrap="square" tIns="91425">
+            <a:noAutofit/>
+          </a:bodyPr>
+          <a:lstStyle/>
+          <a:p>
+            <a:pPr indent="0" lvl="0" marL="0" rtl="0" algn="l">
+              <a:spcBef>
+                <a:spcPts val="0"/>
+              </a:spcBef>
+              <a:spcAft>
+                <a:spcPts val="0"/>
+              </a:spcAft>
+              <a:buNone/>
+            </a:pPr>
+            <a:r>
+              <a:rPr lang="ru" sz="3500">
+                <a:latin typeface="Roboto Mono Medium"/>
+                <a:ea typeface="Roboto Mono Medium"/>
+                <a:cs typeface="Roboto Mono Medium"/>
+                <a:sym typeface="Roboto Mono Medium"/>
+              </a:rPr>
+              <a:t>Z-Wave</a:t>
+            </a:r>
+            <a:endParaRPr sz="3500">
+              <a:latin typeface="Roboto Mono Medium"/>
+              <a:ea typeface="Roboto Mono Medium"/>
+              <a:cs typeface="Roboto Mono Medium"/>
+              <a:sym typeface="Roboto Mono Medium"/>
+            </a:endParaRPr>
+          </a:p>
+        </p:txBody>
+      </p:sp>
+      <p:sp>
+        <p:nvSpPr>
+          <p:cNvPr id="207" name="Google Shape;207;p32"/>
+          <p:cNvSpPr txBox="1"/>
+          <p:nvPr>
+            <p:ph idx="1" type="body"/>
+          </p:nvPr>
+        </p:nvSpPr>
+        <p:spPr>
+          <a:xfrm>
+            <a:off x="311700" y="1173450"/>
+            <a:ext cx="4850400" cy="3549900"/>
+          </a:xfrm>
+          <a:prstGeom prst="rect">
+            <a:avLst/>
+          </a:prstGeom>
+        </p:spPr>
+        <p:txBody>
+          <a:bodyPr anchorCtr="0" anchor="t" bIns="91425" lIns="91425" spcFirstLastPara="1" rIns="91425" wrap="square" tIns="91425">
+            <a:noAutofit/>
+          </a:bodyPr>
+          <a:lstStyle/>
+          <a:p>
+            <a:pPr indent="0" lvl="0" marL="0" rtl="0" algn="l">
+              <a:spcBef>
+                <a:spcPts val="0"/>
+              </a:spcBef>
+              <a:spcAft>
+                <a:spcPts val="0"/>
+              </a:spcAft>
+              <a:buNone/>
+            </a:pPr>
+            <a:r>
+              <a:rPr b="1" lang="ru" sz="1600">
+                <a:solidFill>
+                  <a:schemeClr val="dk1"/>
+                </a:solidFill>
+                <a:latin typeface="Roboto Mono"/>
+                <a:ea typeface="Roboto Mono"/>
+                <a:cs typeface="Roboto Mono"/>
+                <a:sym typeface="Roboto Mono"/>
+              </a:rPr>
+              <a:t>Преимущества:</a:t>
+            </a:r>
+            <a:endParaRPr b="1" sz="1600">
+              <a:solidFill>
+                <a:schemeClr val="dk1"/>
+              </a:solidFill>
+              <a:latin typeface="Roboto Mono"/>
+              <a:ea typeface="Roboto Mono"/>
+              <a:cs typeface="Roboto Mono"/>
+              <a:sym typeface="Roboto Mono"/>
+            </a:endParaRPr>
+          </a:p>
+          <a:p>
+            <a:pPr indent="-330200" lvl="0" marL="457200" rtl="0" algn="l">
+              <a:spcBef>
+                <a:spcPts val="1200"/>
+              </a:spcBef>
+              <a:spcAft>
+                <a:spcPts val="0"/>
+              </a:spcAft>
+              <a:buClr>
+                <a:schemeClr val="dk1"/>
+              </a:buClr>
+              <a:buSzPts val="1600"/>
+              <a:buFont typeface="Roboto Mono Medium"/>
+              <a:buChar char="-"/>
+            </a:pPr>
+            <a:r>
+              <a:rPr lang="ru" sz="1600">
+                <a:solidFill>
+                  <a:schemeClr val="dk1"/>
+                </a:solidFill>
+                <a:latin typeface="Roboto Mono Medium"/>
+                <a:ea typeface="Roboto Mono Medium"/>
+                <a:cs typeface="Roboto Mono Medium"/>
+                <a:sym typeface="Roboto Mono Medium"/>
+              </a:rPr>
+              <a:t>Низкое энергопотребление</a:t>
+            </a:r>
+            <a:endParaRPr sz="1600">
+              <a:solidFill>
+                <a:schemeClr val="dk1"/>
+              </a:solidFill>
+              <a:latin typeface="Roboto Mono Medium"/>
+              <a:ea typeface="Roboto Mono Medium"/>
+              <a:cs typeface="Roboto Mono Medium"/>
+              <a:sym typeface="Roboto Mono Medium"/>
+            </a:endParaRPr>
+          </a:p>
+          <a:p>
+            <a:pPr indent="-330200" lvl="0" marL="457200" rtl="0" algn="l">
+              <a:spcBef>
+                <a:spcPts val="0"/>
+              </a:spcBef>
+              <a:spcAft>
+                <a:spcPts val="0"/>
+              </a:spcAft>
+              <a:buClr>
+                <a:schemeClr val="dk1"/>
+              </a:buClr>
+              <a:buSzPts val="1600"/>
+              <a:buFont typeface="Roboto Mono Medium"/>
+              <a:buChar char="-"/>
+            </a:pPr>
+            <a:r>
+              <a:rPr lang="ru" sz="1600">
+                <a:solidFill>
+                  <a:schemeClr val="dk1"/>
+                </a:solidFill>
+                <a:latin typeface="Roboto Mono Medium"/>
+                <a:ea typeface="Roboto Mono Medium"/>
+                <a:cs typeface="Roboto Mono Medium"/>
+                <a:sym typeface="Roboto Mono Medium"/>
+              </a:rPr>
+              <a:t>Надёжная сеть</a:t>
+            </a:r>
+            <a:endParaRPr sz="1600">
+              <a:solidFill>
+                <a:schemeClr val="dk1"/>
+              </a:solidFill>
+              <a:latin typeface="Roboto Mono Medium"/>
+              <a:ea typeface="Roboto Mono Medium"/>
+              <a:cs typeface="Roboto Mono Medium"/>
+              <a:sym typeface="Roboto Mono Medium"/>
+            </a:endParaRPr>
+          </a:p>
+          <a:p>
+            <a:pPr indent="-330200" lvl="0" marL="457200" rtl="0" algn="l">
+              <a:spcBef>
+                <a:spcPts val="0"/>
+              </a:spcBef>
+              <a:spcAft>
+                <a:spcPts val="0"/>
+              </a:spcAft>
+              <a:buClr>
+                <a:schemeClr val="dk1"/>
+              </a:buClr>
+              <a:buSzPts val="1600"/>
+              <a:buFont typeface="Roboto Mono Medium"/>
+              <a:buChar char="-"/>
+            </a:pPr>
+            <a:r>
+              <a:rPr lang="ru" sz="1600">
+                <a:solidFill>
+                  <a:schemeClr val="dk1"/>
+                </a:solidFill>
+                <a:latin typeface="Roboto Mono Medium"/>
+                <a:ea typeface="Roboto Mono Medium"/>
+                <a:cs typeface="Roboto Mono Medium"/>
+                <a:sym typeface="Roboto Mono Medium"/>
+              </a:rPr>
+              <a:t>Функциональная совместимость</a:t>
+            </a:r>
+            <a:endParaRPr sz="1600">
+              <a:solidFill>
+                <a:schemeClr val="dk1"/>
+              </a:solidFill>
+              <a:latin typeface="Roboto Mono Medium"/>
+              <a:ea typeface="Roboto Mono Medium"/>
+              <a:cs typeface="Roboto Mono Medium"/>
+              <a:sym typeface="Roboto Mono Medium"/>
+            </a:endParaRPr>
+          </a:p>
+          <a:p>
+            <a:pPr indent="-330200" lvl="0" marL="457200" rtl="0" algn="l">
+              <a:spcBef>
+                <a:spcPts val="0"/>
+              </a:spcBef>
+              <a:spcAft>
+                <a:spcPts val="0"/>
+              </a:spcAft>
+              <a:buClr>
+                <a:schemeClr val="dk1"/>
+              </a:buClr>
+              <a:buSzPts val="1600"/>
+              <a:buFont typeface="Roboto Mono Medium"/>
+              <a:buChar char="-"/>
+            </a:pPr>
+            <a:r>
+              <a:rPr lang="ru" sz="1600">
+                <a:solidFill>
+                  <a:schemeClr val="dk1"/>
+                </a:solidFill>
+                <a:latin typeface="Roboto Mono Medium"/>
+                <a:ea typeface="Roboto Mono Medium"/>
+                <a:cs typeface="Roboto Mono Medium"/>
+                <a:sym typeface="Roboto Mono Medium"/>
+              </a:rPr>
+              <a:t>Повышенная безопасность</a:t>
+            </a:r>
+            <a:endParaRPr sz="1600">
+              <a:solidFill>
+                <a:schemeClr val="dk1"/>
+              </a:solidFill>
+              <a:latin typeface="Roboto Mono Medium"/>
+              <a:ea typeface="Roboto Mono Medium"/>
+              <a:cs typeface="Roboto Mono Medium"/>
+              <a:sym typeface="Roboto Mono Medium"/>
+            </a:endParaRPr>
+          </a:p>
+          <a:p>
+            <a:pPr indent="0" lvl="0" marL="0" rtl="0" algn="l">
+              <a:spcBef>
+                <a:spcPts val="1200"/>
+              </a:spcBef>
+              <a:spcAft>
+                <a:spcPts val="0"/>
+              </a:spcAft>
+              <a:buNone/>
+            </a:pPr>
+            <a:r>
+              <a:rPr b="1" lang="ru" sz="1600">
+                <a:solidFill>
+                  <a:schemeClr val="dk1"/>
+                </a:solidFill>
+                <a:latin typeface="Roboto Mono"/>
+                <a:ea typeface="Roboto Mono"/>
+                <a:cs typeface="Roboto Mono"/>
+                <a:sym typeface="Roboto Mono"/>
+              </a:rPr>
+              <a:t>Недостатки:</a:t>
+            </a:r>
+            <a:endParaRPr b="1" sz="1600">
+              <a:solidFill>
+                <a:schemeClr val="dk1"/>
+              </a:solidFill>
+              <a:latin typeface="Roboto Mono"/>
+              <a:ea typeface="Roboto Mono"/>
+              <a:cs typeface="Roboto Mono"/>
+              <a:sym typeface="Roboto Mono"/>
+            </a:endParaRPr>
+          </a:p>
+          <a:p>
+            <a:pPr indent="-330200" lvl="0" marL="457200" rtl="0" algn="l">
+              <a:spcBef>
+                <a:spcPts val="1200"/>
+              </a:spcBef>
+              <a:spcAft>
+                <a:spcPts val="0"/>
+              </a:spcAft>
+              <a:buClr>
+                <a:schemeClr val="dk1"/>
+              </a:buClr>
+              <a:buSzPts val="1600"/>
+              <a:buFont typeface="Roboto Mono Medium"/>
+              <a:buChar char="-"/>
+            </a:pPr>
+            <a:r>
+              <a:rPr lang="ru" sz="1600">
+                <a:solidFill>
+                  <a:schemeClr val="dk1"/>
+                </a:solidFill>
+                <a:latin typeface="Roboto Mono Medium"/>
+                <a:ea typeface="Roboto Mono Medium"/>
+                <a:cs typeface="Roboto Mono Medium"/>
+                <a:sym typeface="Roboto Mono Medium"/>
+              </a:rPr>
+              <a:t>Низкая скорость передачи данных</a:t>
+            </a:r>
+            <a:endParaRPr sz="1600">
+              <a:solidFill>
+                <a:schemeClr val="dk1"/>
+              </a:solidFill>
+              <a:latin typeface="Roboto Mono Medium"/>
+              <a:ea typeface="Roboto Mono Medium"/>
+              <a:cs typeface="Roboto Mono Medium"/>
+              <a:sym typeface="Roboto Mono Medium"/>
+            </a:endParaRPr>
+          </a:p>
+          <a:p>
+            <a:pPr indent="-330200" lvl="0" marL="457200" rtl="0" algn="l">
+              <a:spcBef>
+                <a:spcPts val="0"/>
+              </a:spcBef>
+              <a:spcAft>
+                <a:spcPts val="0"/>
+              </a:spcAft>
+              <a:buClr>
+                <a:schemeClr val="dk1"/>
+              </a:buClr>
+              <a:buSzPts val="1600"/>
+              <a:buFont typeface="Roboto Mono Medium"/>
+              <a:buChar char="-"/>
+            </a:pPr>
+            <a:r>
+              <a:rPr lang="ru" sz="1600">
+                <a:solidFill>
+                  <a:schemeClr val="dk1"/>
+                </a:solidFill>
+                <a:latin typeface="Roboto Mono Medium"/>
+                <a:ea typeface="Roboto Mono Medium"/>
+                <a:cs typeface="Roboto Mono Medium"/>
+                <a:sym typeface="Roboto Mono Medium"/>
+              </a:rPr>
+              <a:t>Ограниченное количество устройств (до 232 устройств)</a:t>
+            </a:r>
+            <a:endParaRPr sz="1600">
+              <a:solidFill>
+                <a:schemeClr val="dk1"/>
+              </a:solidFill>
+              <a:latin typeface="Roboto Mono Medium"/>
+              <a:ea typeface="Roboto Mono Medium"/>
+              <a:cs typeface="Roboto Mono Medium"/>
+              <a:sym typeface="Roboto Mono Medium"/>
+            </a:endParaRPr>
+          </a:p>
+        </p:txBody>
+      </p:sp>
+      <p:pic>
+        <p:nvPicPr>
+          <p:cNvPr id="208" name="Google Shape;208;p32"/>
+          <p:cNvPicPr preferRelativeResize="0"/>
+          <p:nvPr/>
+        </p:nvPicPr>
+        <p:blipFill rotWithShape="1">
+          <a:blip r:embed="rId3">
+            <a:alphaModFix/>
+          </a:blip>
+          <a:srcRect b="22779" l="15179" r="16383" t="16636"/>
+          <a:stretch/>
+        </p:blipFill>
+        <p:spPr>
+          <a:xfrm>
+            <a:off x="5024100" y="1666763"/>
+            <a:ext cx="3902300" cy="1809974"/>
+          </a:xfrm>
+          <a:prstGeom prst="rect">
+            <a:avLst/>
+          </a:prstGeom>
+          <a:noFill/>
+          <a:ln>
+            <a:noFill/>
+          </a:ln>
+        </p:spPr>
+      </p:pic>
+    </p:spTree>
+  </p:cSld>
+  <p:clrMapOvr>
+    <a:masterClrMapping/>
+  </p:clrMapOvr>
+</p:sld>
+</file>
+
+<file path=ppt/slides/slide21.xml><?xml version="1.0" encoding="utf-8"?>
+<p:sld xmlns:a="http://schemas.openxmlformats.org/drawingml/2006/main" xmlns:r="http://schemas.openxmlformats.org/officeDocument/2006/relationships" xmlns:mc="http://schemas.openxmlformats.org/markup-compatibility/2006" xmlns:mv="urn:schemas-microsoft-com:mac:vml" xmlns:p="http://schemas.openxmlformats.org/presentationml/2006/main" xmlns:c="http://schemas.openxmlformats.org/drawingml/2006/chart" xmlns:dgm="http://schemas.openxmlformats.org/drawingml/2006/diagram" xmlns:o="urn:schemas-microsoft-com:office:office" xmlns:v="urn:schemas-microsoft-com:vml" xmlns:pvml="urn:schemas-microsoft-com:office:powerpoint" xmlns:com="http://schemas.openxmlformats.org/drawingml/2006/compatibility" xmlns:p14="http://schemas.microsoft.com/office/powerpoint/2010/main" xmlns:p15="http://schemas.microsoft.com/office/powerpoint/2012/main" xmlns:ahyp="http://schemas.microsoft.com/office/drawing/2018/hyperlinkcolor">
+  <p:cSld>
+    <p:spTree>
+      <p:nvGrpSpPr>
+        <p:cNvPr id="212" name="Shape 212"/>
+        <p:cNvGrpSpPr/>
+        <p:nvPr/>
+      </p:nvGrpSpPr>
+      <p:grpSpPr>
+        <a:xfrm>
+          <a:off x="0" y="0"/>
+          <a:ext cx="0" cy="0"/>
+          <a:chOff x="0" y="0"/>
+          <a:chExt cx="0" cy="0"/>
+        </a:xfrm>
+      </p:grpSpPr>
+      <p:sp>
+        <p:nvSpPr>
+          <p:cNvPr id="213" name="Google Shape;213;p33"/>
+          <p:cNvSpPr txBox="1"/>
+          <p:nvPr>
+            <p:ph type="title"/>
+          </p:nvPr>
+        </p:nvSpPr>
+        <p:spPr>
+          <a:xfrm>
+            <a:off x="311700" y="445025"/>
+            <a:ext cx="8520600" cy="647100"/>
+          </a:xfrm>
+          <a:prstGeom prst="rect">
+            <a:avLst/>
+          </a:prstGeom>
+        </p:spPr>
+        <p:txBody>
+          <a:bodyPr anchorCtr="0" anchor="t" bIns="91425" lIns="91425" spcFirstLastPara="1" rIns="91425" wrap="square" tIns="91425">
+            <a:noAutofit/>
+          </a:bodyPr>
+          <a:lstStyle/>
+          <a:p>
+            <a:pPr indent="0" lvl="0" marL="0" rtl="0" algn="l">
+              <a:spcBef>
+                <a:spcPts val="0"/>
+              </a:spcBef>
+              <a:spcAft>
+                <a:spcPts val="0"/>
+              </a:spcAft>
+              <a:buNone/>
+            </a:pPr>
+            <a:r>
+              <a:rPr lang="ru" sz="3500">
+                <a:latin typeface="Roboto Mono Medium"/>
+                <a:ea typeface="Roboto Mono Medium"/>
+                <a:cs typeface="Roboto Mono Medium"/>
+                <a:sym typeface="Roboto Mono Medium"/>
+              </a:rPr>
+              <a:t>Thread</a:t>
+            </a:r>
+            <a:endParaRPr sz="3500">
+              <a:latin typeface="Roboto Mono Medium"/>
+              <a:ea typeface="Roboto Mono Medium"/>
+              <a:cs typeface="Roboto Mono Medium"/>
+              <a:sym typeface="Roboto Mono Medium"/>
+            </a:endParaRPr>
+          </a:p>
+        </p:txBody>
+      </p:sp>
+      <p:sp>
+        <p:nvSpPr>
+          <p:cNvPr id="214" name="Google Shape;214;p33"/>
+          <p:cNvSpPr txBox="1"/>
+          <p:nvPr>
+            <p:ph idx="1" type="body"/>
+          </p:nvPr>
+        </p:nvSpPr>
+        <p:spPr>
+          <a:xfrm>
+            <a:off x="311700" y="1173450"/>
+            <a:ext cx="4850400" cy="3549900"/>
+          </a:xfrm>
+          <a:prstGeom prst="rect">
+            <a:avLst/>
+          </a:prstGeom>
+        </p:spPr>
+        <p:txBody>
+          <a:bodyPr anchorCtr="0" anchor="t" bIns="91425" lIns="91425" spcFirstLastPara="1" rIns="91425" wrap="square" tIns="91425">
+            <a:noAutofit/>
+          </a:bodyPr>
+          <a:lstStyle/>
+          <a:p>
+            <a:pPr indent="0" lvl="0" marL="0" rtl="0" algn="l">
+              <a:spcBef>
+                <a:spcPts val="0"/>
+              </a:spcBef>
+              <a:spcAft>
+                <a:spcPts val="0"/>
+              </a:spcAft>
+              <a:buNone/>
+            </a:pPr>
+            <a:r>
+              <a:rPr b="1" lang="ru" sz="1600">
+                <a:solidFill>
+                  <a:schemeClr val="dk1"/>
+                </a:solidFill>
+                <a:latin typeface="Roboto Mono"/>
+                <a:ea typeface="Roboto Mono"/>
+                <a:cs typeface="Roboto Mono"/>
+                <a:sym typeface="Roboto Mono"/>
+              </a:rPr>
+              <a:t>Преимущества:</a:t>
+            </a:r>
+            <a:endParaRPr b="1" sz="1600">
+              <a:solidFill>
+                <a:schemeClr val="dk1"/>
+              </a:solidFill>
+              <a:latin typeface="Roboto Mono"/>
+              <a:ea typeface="Roboto Mono"/>
+              <a:cs typeface="Roboto Mono"/>
+              <a:sym typeface="Roboto Mono"/>
+            </a:endParaRPr>
+          </a:p>
+          <a:p>
+            <a:pPr indent="-330200" lvl="0" marL="457200" rtl="0" algn="l">
+              <a:spcBef>
+                <a:spcPts val="1200"/>
+              </a:spcBef>
+              <a:spcAft>
+                <a:spcPts val="0"/>
+              </a:spcAft>
+              <a:buClr>
+                <a:schemeClr val="dk1"/>
+              </a:buClr>
+              <a:buSzPts val="1600"/>
+              <a:buFont typeface="Roboto Mono Medium"/>
+              <a:buChar char="-"/>
+            </a:pPr>
+            <a:r>
+              <a:rPr lang="ru" sz="1600">
+                <a:solidFill>
+                  <a:schemeClr val="dk1"/>
+                </a:solidFill>
+                <a:latin typeface="Roboto Mono Medium"/>
+                <a:ea typeface="Roboto Mono Medium"/>
+                <a:cs typeface="Roboto Mono Medium"/>
+                <a:sym typeface="Roboto Mono Medium"/>
+              </a:rPr>
+              <a:t>Низкое энергопотребление</a:t>
+            </a:r>
+            <a:endParaRPr sz="1600">
+              <a:solidFill>
+                <a:schemeClr val="dk1"/>
+              </a:solidFill>
+              <a:latin typeface="Roboto Mono Medium"/>
+              <a:ea typeface="Roboto Mono Medium"/>
+              <a:cs typeface="Roboto Mono Medium"/>
+              <a:sym typeface="Roboto Mono Medium"/>
+            </a:endParaRPr>
+          </a:p>
+          <a:p>
+            <a:pPr indent="-330200" lvl="0" marL="457200" rtl="0" algn="l">
+              <a:spcBef>
+                <a:spcPts val="0"/>
+              </a:spcBef>
+              <a:spcAft>
+                <a:spcPts val="0"/>
+              </a:spcAft>
+              <a:buClr>
+                <a:schemeClr val="dk1"/>
+              </a:buClr>
+              <a:buSzPts val="1600"/>
+              <a:buFont typeface="Roboto Mono Medium"/>
+              <a:buChar char="-"/>
+            </a:pPr>
+            <a:r>
+              <a:rPr lang="ru" sz="1600">
+                <a:solidFill>
+                  <a:schemeClr val="dk1"/>
+                </a:solidFill>
+                <a:latin typeface="Roboto Mono Medium"/>
+                <a:ea typeface="Roboto Mono Medium"/>
+                <a:cs typeface="Roboto Mono Medium"/>
+                <a:sym typeface="Roboto Mono Medium"/>
+              </a:rPr>
+              <a:t>Надёжная сеть</a:t>
+            </a:r>
+            <a:endParaRPr sz="1600">
+              <a:solidFill>
+                <a:schemeClr val="dk1"/>
+              </a:solidFill>
+              <a:latin typeface="Roboto Mono Medium"/>
+              <a:ea typeface="Roboto Mono Medium"/>
+              <a:cs typeface="Roboto Mono Medium"/>
+              <a:sym typeface="Roboto Mono Medium"/>
+            </a:endParaRPr>
+          </a:p>
+          <a:p>
+            <a:pPr indent="-330200" lvl="0" marL="457200" rtl="0" algn="l">
+              <a:spcBef>
+                <a:spcPts val="0"/>
+              </a:spcBef>
+              <a:spcAft>
+                <a:spcPts val="0"/>
+              </a:spcAft>
+              <a:buClr>
+                <a:schemeClr val="dk1"/>
+              </a:buClr>
+              <a:buSzPts val="1600"/>
+              <a:buFont typeface="Roboto Mono Medium"/>
+              <a:buChar char="-"/>
+            </a:pPr>
+            <a:r>
+              <a:rPr lang="ru" sz="1600">
+                <a:solidFill>
+                  <a:schemeClr val="dk1"/>
+                </a:solidFill>
+                <a:latin typeface="Roboto Mono Medium"/>
+                <a:ea typeface="Roboto Mono Medium"/>
+                <a:cs typeface="Roboto Mono Medium"/>
+                <a:sym typeface="Roboto Mono Medium"/>
+              </a:rPr>
+              <a:t>Повышенная безопасность</a:t>
+            </a:r>
+            <a:endParaRPr sz="1600">
+              <a:solidFill>
+                <a:schemeClr val="dk1"/>
+              </a:solidFill>
+              <a:latin typeface="Roboto Mono Medium"/>
+              <a:ea typeface="Roboto Mono Medium"/>
+              <a:cs typeface="Roboto Mono Medium"/>
+              <a:sym typeface="Roboto Mono Medium"/>
+            </a:endParaRPr>
+          </a:p>
+          <a:p>
+            <a:pPr indent="0" lvl="0" marL="0" rtl="0" algn="l">
+              <a:spcBef>
+                <a:spcPts val="1200"/>
+              </a:spcBef>
+              <a:spcAft>
+                <a:spcPts val="0"/>
+              </a:spcAft>
+              <a:buNone/>
+            </a:pPr>
+            <a:r>
+              <a:rPr b="1" lang="ru" sz="1600">
+                <a:solidFill>
+                  <a:schemeClr val="dk1"/>
+                </a:solidFill>
+                <a:latin typeface="Roboto Mono"/>
+                <a:ea typeface="Roboto Mono"/>
+                <a:cs typeface="Roboto Mono"/>
+                <a:sym typeface="Roboto Mono"/>
+              </a:rPr>
+              <a:t>Недостатки:</a:t>
+            </a:r>
+            <a:endParaRPr b="1" sz="1600">
+              <a:solidFill>
+                <a:schemeClr val="dk1"/>
+              </a:solidFill>
+              <a:latin typeface="Roboto Mono"/>
+              <a:ea typeface="Roboto Mono"/>
+              <a:cs typeface="Roboto Mono"/>
+              <a:sym typeface="Roboto Mono"/>
+            </a:endParaRPr>
+          </a:p>
+          <a:p>
+            <a:pPr indent="-330200" lvl="0" marL="457200" rtl="0" algn="l">
+              <a:spcBef>
+                <a:spcPts val="1200"/>
+              </a:spcBef>
+              <a:spcAft>
+                <a:spcPts val="0"/>
+              </a:spcAft>
+              <a:buClr>
+                <a:schemeClr val="dk1"/>
+              </a:buClr>
+              <a:buSzPts val="1600"/>
+              <a:buFont typeface="Roboto Mono Medium"/>
+              <a:buChar char="-"/>
+            </a:pPr>
+            <a:r>
+              <a:rPr lang="ru" sz="1600">
+                <a:solidFill>
+                  <a:schemeClr val="dk1"/>
+                </a:solidFill>
+                <a:latin typeface="Roboto Mono Medium"/>
+                <a:ea typeface="Roboto Mono Medium"/>
+                <a:cs typeface="Roboto Mono Medium"/>
+                <a:sym typeface="Roboto Mono Medium"/>
+              </a:rPr>
+              <a:t>Низкая скорость передачи данных</a:t>
+            </a:r>
+            <a:endParaRPr sz="1600">
+              <a:solidFill>
+                <a:schemeClr val="dk1"/>
+              </a:solidFill>
+              <a:latin typeface="Roboto Mono Medium"/>
+              <a:ea typeface="Roboto Mono Medium"/>
+              <a:cs typeface="Roboto Mono Medium"/>
+              <a:sym typeface="Roboto Mono Medium"/>
+            </a:endParaRPr>
+          </a:p>
+          <a:p>
+            <a:pPr indent="-330200" lvl="0" marL="457200" rtl="0" algn="l">
+              <a:spcBef>
+                <a:spcPts val="0"/>
+              </a:spcBef>
+              <a:spcAft>
+                <a:spcPts val="0"/>
+              </a:spcAft>
+              <a:buClr>
+                <a:schemeClr val="dk1"/>
+              </a:buClr>
+              <a:buSzPts val="1600"/>
+              <a:buFont typeface="Roboto Mono Medium"/>
+              <a:buChar char="-"/>
+            </a:pPr>
+            <a:r>
+              <a:rPr lang="ru" sz="1600">
+                <a:solidFill>
+                  <a:schemeClr val="dk1"/>
+                </a:solidFill>
+                <a:latin typeface="Roboto Mono Medium"/>
+                <a:ea typeface="Roboto Mono Medium"/>
+                <a:cs typeface="Roboto Mono Medium"/>
+                <a:sym typeface="Roboto Mono Medium"/>
+              </a:rPr>
+              <a:t>Малое количество устройств</a:t>
+            </a:r>
+            <a:endParaRPr sz="1600">
+              <a:solidFill>
+                <a:schemeClr val="dk1"/>
+              </a:solidFill>
+              <a:latin typeface="Roboto Mono Medium"/>
+              <a:ea typeface="Roboto Mono Medium"/>
+              <a:cs typeface="Roboto Mono Medium"/>
+              <a:sym typeface="Roboto Mono Medium"/>
+            </a:endParaRPr>
+          </a:p>
+        </p:txBody>
+      </p:sp>
+      <p:pic>
+        <p:nvPicPr>
+          <p:cNvPr id="215" name="Google Shape;215;p33"/>
+          <p:cNvPicPr preferRelativeResize="0"/>
+          <p:nvPr/>
+        </p:nvPicPr>
+        <p:blipFill rotWithShape="1">
+          <a:blip r:embed="rId3">
+            <a:alphaModFix/>
+          </a:blip>
+          <a:srcRect b="11911" l="7270" r="6685" t="12456"/>
+          <a:stretch/>
+        </p:blipFill>
+        <p:spPr>
+          <a:xfrm>
+            <a:off x="5162100" y="1686075"/>
+            <a:ext cx="3583701" cy="1771362"/>
+          </a:xfrm>
+          <a:prstGeom prst="rect">
+            <a:avLst/>
+          </a:prstGeom>
+          <a:noFill/>
+          <a:ln>
+            <a:noFill/>
+          </a:ln>
+        </p:spPr>
+      </p:pic>
+    </p:spTree>
+  </p:cSld>
+  <p:clrMapOvr>
+    <a:masterClrMapping/>
+  </p:clrMapOvr>
+</p:sld>
+</file>
+
+<file path=ppt/slides/slide22.xml><?xml version="1.0" encoding="utf-8"?>
+<p:sld xmlns:a="http://schemas.openxmlformats.org/drawingml/2006/main" xmlns:r="http://schemas.openxmlformats.org/officeDocument/2006/relationships" xmlns:mc="http://schemas.openxmlformats.org/markup-compatibility/2006" xmlns:mv="urn:schemas-microsoft-com:mac:vml" xmlns:p="http://schemas.openxmlformats.org/presentationml/2006/main" xmlns:c="http://schemas.openxmlformats.org/drawingml/2006/chart" xmlns:dgm="http://schemas.openxmlformats.org/drawingml/2006/diagram" xmlns:o="urn:schemas-microsoft-com:office:office" xmlns:v="urn:schemas-microsoft-com:vml" xmlns:pvml="urn:schemas-microsoft-com:office:powerpoint" xmlns:com="http://schemas.openxmlformats.org/drawingml/2006/compatibility" xmlns:p14="http://schemas.microsoft.com/office/powerpoint/2010/main" xmlns:p15="http://schemas.microsoft.com/office/powerpoint/2012/main" xmlns:ahyp="http://schemas.microsoft.com/office/drawing/2018/hyperlinkcolor">
+  <p:cSld>
+    <p:spTree>
+      <p:nvGrpSpPr>
+        <p:cNvPr id="219" name="Shape 219"/>
+        <p:cNvGrpSpPr/>
+        <p:nvPr/>
+      </p:nvGrpSpPr>
+      <p:grpSpPr>
+        <a:xfrm>
+          <a:off x="0" y="0"/>
+          <a:ext cx="0" cy="0"/>
+          <a:chOff x="0" y="0"/>
+          <a:chExt cx="0" cy="0"/>
+        </a:xfrm>
+      </p:grpSpPr>
+      <p:sp>
+        <p:nvSpPr>
+          <p:cNvPr id="220" name="Google Shape;220;p34"/>
+          <p:cNvSpPr txBox="1"/>
+          <p:nvPr>
+            <p:ph type="title"/>
+          </p:nvPr>
+        </p:nvSpPr>
+        <p:spPr>
+          <a:xfrm>
+            <a:off x="311700" y="445025"/>
+            <a:ext cx="8520600" cy="647100"/>
+          </a:xfrm>
+          <a:prstGeom prst="rect">
+            <a:avLst/>
+          </a:prstGeom>
+        </p:spPr>
+        <p:txBody>
+          <a:bodyPr anchorCtr="0" anchor="t" bIns="91425" lIns="91425" spcFirstLastPara="1" rIns="91425" wrap="square" tIns="91425">
+            <a:noAutofit/>
+          </a:bodyPr>
+          <a:lstStyle/>
+          <a:p>
+            <a:pPr indent="0" lvl="0" marL="0" rtl="0" algn="l">
+              <a:spcBef>
+                <a:spcPts val="0"/>
+              </a:spcBef>
+              <a:spcAft>
+                <a:spcPts val="0"/>
+              </a:spcAft>
+              <a:buNone/>
+            </a:pPr>
+            <a:r>
+              <a:rPr lang="ru" sz="3500">
+                <a:latin typeface="Roboto Mono Medium"/>
+                <a:ea typeface="Roboto Mono Medium"/>
+                <a:cs typeface="Roboto Mono Medium"/>
+                <a:sym typeface="Roboto Mono Medium"/>
+              </a:rPr>
+              <a:t>Matter</a:t>
+            </a:r>
+            <a:endParaRPr sz="3500">
+              <a:latin typeface="Roboto Mono Medium"/>
+              <a:ea typeface="Roboto Mono Medium"/>
+              <a:cs typeface="Roboto Mono Medium"/>
+              <a:sym typeface="Roboto Mono Medium"/>
+            </a:endParaRPr>
+          </a:p>
+        </p:txBody>
+      </p:sp>
+      <p:sp>
+        <p:nvSpPr>
+          <p:cNvPr id="221" name="Google Shape;221;p34"/>
+          <p:cNvSpPr txBox="1"/>
+          <p:nvPr>
+            <p:ph idx="1" type="body"/>
+          </p:nvPr>
+        </p:nvSpPr>
+        <p:spPr>
+          <a:xfrm>
+            <a:off x="311700" y="1173450"/>
+            <a:ext cx="4850400" cy="3549900"/>
+          </a:xfrm>
+          <a:prstGeom prst="rect">
+            <a:avLst/>
+          </a:prstGeom>
+        </p:spPr>
+        <p:txBody>
+          <a:bodyPr anchorCtr="0" anchor="t" bIns="91425" lIns="91425" spcFirstLastPara="1" rIns="91425" wrap="square" tIns="91425">
+            <a:noAutofit/>
+          </a:bodyPr>
+          <a:lstStyle/>
+          <a:p>
+            <a:pPr indent="0" lvl="0" marL="0" rtl="0" algn="l">
+              <a:spcBef>
+                <a:spcPts val="0"/>
+              </a:spcBef>
+              <a:spcAft>
+                <a:spcPts val="0"/>
+              </a:spcAft>
+              <a:buNone/>
+            </a:pPr>
+            <a:r>
+              <a:rPr b="1" lang="ru" sz="1600">
+                <a:solidFill>
+                  <a:schemeClr val="dk1"/>
+                </a:solidFill>
+                <a:latin typeface="Roboto Mono"/>
+                <a:ea typeface="Roboto Mono"/>
+                <a:cs typeface="Roboto Mono"/>
+                <a:sym typeface="Roboto Mono"/>
+              </a:rPr>
+              <a:t>Преимущества:</a:t>
+            </a:r>
+            <a:endParaRPr b="1" sz="1600">
+              <a:solidFill>
+                <a:schemeClr val="dk1"/>
+              </a:solidFill>
+              <a:latin typeface="Roboto Mono"/>
+              <a:ea typeface="Roboto Mono"/>
+              <a:cs typeface="Roboto Mono"/>
+              <a:sym typeface="Roboto Mono"/>
+            </a:endParaRPr>
+          </a:p>
+          <a:p>
+            <a:pPr indent="-330200" lvl="0" marL="457200" rtl="0" algn="l">
+              <a:spcBef>
+                <a:spcPts val="1200"/>
+              </a:spcBef>
+              <a:spcAft>
+                <a:spcPts val="0"/>
+              </a:spcAft>
+              <a:buClr>
+                <a:schemeClr val="dk1"/>
+              </a:buClr>
+              <a:buSzPts val="1600"/>
+              <a:buFont typeface="Roboto Mono Medium"/>
+              <a:buChar char="-"/>
+            </a:pPr>
+            <a:r>
+              <a:rPr lang="ru" sz="1600">
+                <a:solidFill>
+                  <a:schemeClr val="dk1"/>
+                </a:solidFill>
+                <a:latin typeface="Roboto Mono Medium"/>
+                <a:ea typeface="Roboto Mono Medium"/>
+                <a:cs typeface="Roboto Mono Medium"/>
+                <a:sym typeface="Roboto Mono Medium"/>
+              </a:rPr>
+              <a:t>Низкое энергопотребление</a:t>
+            </a:r>
+            <a:endParaRPr sz="1600">
+              <a:solidFill>
+                <a:schemeClr val="dk1"/>
+              </a:solidFill>
+              <a:latin typeface="Roboto Mono Medium"/>
+              <a:ea typeface="Roboto Mono Medium"/>
+              <a:cs typeface="Roboto Mono Medium"/>
+              <a:sym typeface="Roboto Mono Medium"/>
+            </a:endParaRPr>
+          </a:p>
+          <a:p>
+            <a:pPr indent="-330200" lvl="0" marL="457200" rtl="0" algn="l">
+              <a:spcBef>
+                <a:spcPts val="0"/>
+              </a:spcBef>
+              <a:spcAft>
+                <a:spcPts val="0"/>
+              </a:spcAft>
+              <a:buClr>
+                <a:schemeClr val="dk1"/>
+              </a:buClr>
+              <a:buSzPts val="1600"/>
+              <a:buFont typeface="Roboto Mono Medium"/>
+              <a:buChar char="-"/>
+            </a:pPr>
+            <a:r>
+              <a:rPr lang="ru" sz="1600">
+                <a:solidFill>
+                  <a:schemeClr val="dk1"/>
+                </a:solidFill>
+                <a:latin typeface="Roboto Mono Medium"/>
+                <a:ea typeface="Roboto Mono Medium"/>
+                <a:cs typeface="Roboto Mono Medium"/>
+                <a:sym typeface="Roboto Mono Medium"/>
+              </a:rPr>
+              <a:t>Надёжная сеть</a:t>
+            </a:r>
+            <a:endParaRPr sz="1600">
+              <a:solidFill>
+                <a:schemeClr val="dk1"/>
+              </a:solidFill>
+              <a:latin typeface="Roboto Mono Medium"/>
+              <a:ea typeface="Roboto Mono Medium"/>
+              <a:cs typeface="Roboto Mono Medium"/>
+              <a:sym typeface="Roboto Mono Medium"/>
+            </a:endParaRPr>
+          </a:p>
+          <a:p>
+            <a:pPr indent="-330200" lvl="0" marL="457200" rtl="0" algn="l">
+              <a:spcBef>
+                <a:spcPts val="0"/>
+              </a:spcBef>
+              <a:spcAft>
+                <a:spcPts val="0"/>
+              </a:spcAft>
+              <a:buClr>
+                <a:schemeClr val="dk1"/>
+              </a:buClr>
+              <a:buSzPts val="1600"/>
+              <a:buFont typeface="Roboto Mono Medium"/>
+              <a:buChar char="-"/>
+            </a:pPr>
+            <a:r>
+              <a:rPr lang="ru" sz="1600">
+                <a:solidFill>
+                  <a:schemeClr val="dk1"/>
+                </a:solidFill>
+                <a:latin typeface="Roboto Mono Medium"/>
+                <a:ea typeface="Roboto Mono Medium"/>
+                <a:cs typeface="Roboto Mono Medium"/>
+                <a:sym typeface="Roboto Mono Medium"/>
+              </a:rPr>
+              <a:t>Повышенная безопасность</a:t>
+            </a:r>
+            <a:endParaRPr sz="1600">
+              <a:solidFill>
+                <a:schemeClr val="dk1"/>
+              </a:solidFill>
+              <a:latin typeface="Roboto Mono Medium"/>
+              <a:ea typeface="Roboto Mono Medium"/>
+              <a:cs typeface="Roboto Mono Medium"/>
+              <a:sym typeface="Roboto Mono Medium"/>
+            </a:endParaRPr>
+          </a:p>
+          <a:p>
+            <a:pPr indent="-330200" lvl="0" marL="457200" rtl="0" algn="l">
+              <a:spcBef>
+                <a:spcPts val="0"/>
+              </a:spcBef>
+              <a:spcAft>
+                <a:spcPts val="0"/>
+              </a:spcAft>
+              <a:buClr>
+                <a:schemeClr val="dk1"/>
+              </a:buClr>
+              <a:buSzPts val="1600"/>
+              <a:buFont typeface="Roboto Mono Medium"/>
+              <a:buChar char="-"/>
+            </a:pPr>
+            <a:r>
+              <a:rPr lang="ru" sz="1600">
+                <a:solidFill>
+                  <a:schemeClr val="dk1"/>
+                </a:solidFill>
+                <a:latin typeface="Roboto Mono Medium"/>
+                <a:ea typeface="Roboto Mono Medium"/>
+                <a:cs typeface="Roboto Mono Medium"/>
+                <a:sym typeface="Roboto Mono Medium"/>
+              </a:rPr>
+              <a:t>Работа на высоких и низких скоростях</a:t>
+            </a:r>
+            <a:endParaRPr sz="1600">
+              <a:solidFill>
+                <a:schemeClr val="dk1"/>
+              </a:solidFill>
+              <a:latin typeface="Roboto Mono Medium"/>
+              <a:ea typeface="Roboto Mono Medium"/>
+              <a:cs typeface="Roboto Mono Medium"/>
+              <a:sym typeface="Roboto Mono Medium"/>
+            </a:endParaRPr>
+          </a:p>
+          <a:p>
+            <a:pPr indent="0" lvl="0" marL="0" rtl="0" algn="l">
+              <a:spcBef>
+                <a:spcPts val="1200"/>
+              </a:spcBef>
+              <a:spcAft>
+                <a:spcPts val="0"/>
+              </a:spcAft>
+              <a:buNone/>
+            </a:pPr>
+            <a:r>
+              <a:rPr b="1" lang="ru" sz="1600">
+                <a:solidFill>
+                  <a:schemeClr val="dk1"/>
+                </a:solidFill>
+                <a:latin typeface="Roboto Mono"/>
+                <a:ea typeface="Roboto Mono"/>
+                <a:cs typeface="Roboto Mono"/>
+                <a:sym typeface="Roboto Mono"/>
+              </a:rPr>
+              <a:t>Недостатки:</a:t>
+            </a:r>
+            <a:endParaRPr b="1" sz="1600">
+              <a:solidFill>
+                <a:schemeClr val="dk1"/>
+              </a:solidFill>
+              <a:latin typeface="Roboto Mono"/>
+              <a:ea typeface="Roboto Mono"/>
+              <a:cs typeface="Roboto Mono"/>
+              <a:sym typeface="Roboto Mono"/>
+            </a:endParaRPr>
+          </a:p>
+          <a:p>
+            <a:pPr indent="-330200" lvl="0" marL="457200" rtl="0" algn="l">
+              <a:spcBef>
+                <a:spcPts val="1200"/>
+              </a:spcBef>
+              <a:spcAft>
+                <a:spcPts val="0"/>
+              </a:spcAft>
+              <a:buClr>
+                <a:schemeClr val="dk1"/>
+              </a:buClr>
+              <a:buSzPts val="1600"/>
+              <a:buFont typeface="Roboto Mono Medium"/>
+              <a:buChar char="-"/>
+            </a:pPr>
+            <a:r>
+              <a:rPr lang="ru" sz="1600">
+                <a:solidFill>
+                  <a:schemeClr val="dk1"/>
+                </a:solidFill>
+                <a:latin typeface="Roboto Mono Medium"/>
+                <a:ea typeface="Roboto Mono Medium"/>
+                <a:cs typeface="Roboto Mono Medium"/>
+                <a:sym typeface="Roboto Mono Medium"/>
+              </a:rPr>
+              <a:t>Малое количество устройств</a:t>
+            </a:r>
+            <a:endParaRPr sz="1600">
+              <a:solidFill>
+                <a:schemeClr val="dk1"/>
+              </a:solidFill>
+              <a:latin typeface="Roboto Mono Medium"/>
+              <a:ea typeface="Roboto Mono Medium"/>
+              <a:cs typeface="Roboto Mono Medium"/>
+              <a:sym typeface="Roboto Mono Medium"/>
+            </a:endParaRPr>
+          </a:p>
+        </p:txBody>
+      </p:sp>
+      <p:pic>
+        <p:nvPicPr>
+          <p:cNvPr id="222" name="Google Shape;222;p34"/>
+          <p:cNvPicPr preferRelativeResize="0"/>
+          <p:nvPr/>
+        </p:nvPicPr>
+        <p:blipFill>
+          <a:blip r:embed="rId3">
+            <a:alphaModFix/>
+          </a:blip>
+          <a:stretch>
+            <a:fillRect/>
+          </a:stretch>
+        </p:blipFill>
+        <p:spPr>
+          <a:xfrm>
+            <a:off x="4999306" y="1185813"/>
+            <a:ext cx="3760599" cy="2771875"/>
+          </a:xfrm>
+          <a:prstGeom prst="rect">
+            <a:avLst/>
+          </a:prstGeom>
+          <a:noFill/>
+          <a:ln>
+            <a:noFill/>
+          </a:ln>
+        </p:spPr>
+      </p:pic>
+    </p:spTree>
+  </p:cSld>
+  <p:clrMapOvr>
+    <a:masterClrMapping/>
+  </p:clrMapOvr>
+</p:sld>
+</file>
+
+<file path=ppt/slides/slide23.xml><?xml version="1.0" encoding="utf-8"?>
+<p:sld xmlns:a="http://schemas.openxmlformats.org/drawingml/2006/main" xmlns:r="http://schemas.openxmlformats.org/officeDocument/2006/relationships" xmlns:mc="http://schemas.openxmlformats.org/markup-compatibility/2006" xmlns:mv="urn:schemas-microsoft-com:mac:vml" xmlns:p="http://schemas.openxmlformats.org/presentationml/2006/main" xmlns:c="http://schemas.openxmlformats.org/drawingml/2006/chart" xmlns:dgm="http://schemas.openxmlformats.org/drawingml/2006/diagram" xmlns:o="urn:schemas-microsoft-com:office:office" xmlns:v="urn:schemas-microsoft-com:vml" xmlns:pvml="urn:schemas-microsoft-com:office:powerpoint" xmlns:com="http://schemas.openxmlformats.org/drawingml/2006/compatibility" xmlns:p14="http://schemas.microsoft.com/office/powerpoint/2010/main" xmlns:p15="http://schemas.microsoft.com/office/powerpoint/2012/main" xmlns:ahyp="http://schemas.microsoft.com/office/drawing/2018/hyperlinkcolor">
+  <p:cSld>
+    <p:spTree>
+      <p:nvGrpSpPr>
+        <p:cNvPr id="226" name="Shape 226"/>
+        <p:cNvGrpSpPr/>
+        <p:nvPr/>
+      </p:nvGrpSpPr>
+      <p:grpSpPr>
+        <a:xfrm>
+          <a:off x="0" y="0"/>
+          <a:ext cx="0" cy="0"/>
+          <a:chOff x="0" y="0"/>
+          <a:chExt cx="0" cy="0"/>
+        </a:xfrm>
+      </p:grpSpPr>
+      <p:sp>
+        <p:nvSpPr>
+          <p:cNvPr id="227" name="Google Shape;227;p35"/>
+          <p:cNvSpPr txBox="1"/>
+          <p:nvPr>
+            <p:ph type="ctrTitle"/>
+          </p:nvPr>
+        </p:nvSpPr>
+        <p:spPr>
+          <a:xfrm>
+            <a:off x="311700" y="2767525"/>
+            <a:ext cx="8520600" cy="834000"/>
+          </a:xfrm>
+          <a:prstGeom prst="rect">
+            <a:avLst/>
+          </a:prstGeom>
+        </p:spPr>
+        <p:txBody>
+          <a:bodyPr anchorCtr="0" anchor="b" bIns="91425" lIns="91425" spcFirstLastPara="1" rIns="91425" wrap="square" tIns="91425">
+            <a:normAutofit/>
+          </a:bodyPr>
+          <a:lstStyle/>
+          <a:p>
+            <a:pPr indent="0" lvl="0" marL="0" rtl="0" algn="ctr">
+              <a:spcBef>
+                <a:spcPts val="0"/>
+              </a:spcBef>
+              <a:spcAft>
+                <a:spcPts val="0"/>
+              </a:spcAft>
+              <a:buNone/>
+            </a:pPr>
+            <a:r>
+              <a:rPr lang="ru" sz="3500">
+                <a:latin typeface="Roboto Mono Medium"/>
+                <a:ea typeface="Roboto Mono Medium"/>
+                <a:cs typeface="Roboto Mono Medium"/>
+                <a:sym typeface="Roboto Mono Medium"/>
+              </a:rPr>
+              <a:t>Итоги</a:t>
+            </a:r>
+            <a:endParaRPr sz="3500">
+              <a:latin typeface="Roboto Mono Medium"/>
+              <a:ea typeface="Roboto Mono Medium"/>
+              <a:cs typeface="Roboto Mono Medium"/>
+              <a:sym typeface="Roboto Mono Medium"/>
+            </a:endParaRPr>
+          </a:p>
+        </p:txBody>
+      </p:sp>
+      <p:pic>
+        <p:nvPicPr>
+          <p:cNvPr id="228" name="Google Shape;228;p35"/>
+          <p:cNvPicPr preferRelativeResize="0"/>
+          <p:nvPr/>
+        </p:nvPicPr>
+        <p:blipFill>
+          <a:blip r:embed="rId3">
+            <a:alphaModFix/>
+          </a:blip>
+          <a:stretch>
+            <a:fillRect/>
+          </a:stretch>
+        </p:blipFill>
+        <p:spPr>
+          <a:xfrm>
+            <a:off x="1810900" y="1244825"/>
+            <a:ext cx="5522206" cy="1326925"/>
+          </a:xfrm>
+          <a:prstGeom prst="rect">
+            <a:avLst/>
+          </a:prstGeom>
+          <a:noFill/>
+          <a:ln>
+            <a:noFill/>
+          </a:ln>
+        </p:spPr>
+      </p:pic>
     </p:spTree>
   </p:cSld>
   <p:clrMapOvr>
@@ -6683,7 +13139,7 @@
   <p:cSld>
     <p:spTree>
       <p:nvGrpSpPr>
-        <p:cNvPr id="66" name="Shape 66"/>
+        <p:cNvPr id="73" name="Shape 73"/>
         <p:cNvGrpSpPr/>
         <p:nvPr/>
       </p:nvGrpSpPr>
@@ -6697,16 +13153,16 @@
       </p:grpSpPr>
       <p:sp>
         <p:nvSpPr>
-          <p:cNvPr id="67" name="Google Shape;67;p15"/>
+          <p:cNvPr id="74" name="Google Shape;74;p15"/>
           <p:cNvSpPr txBox="1"/>
           <p:nvPr>
-            <p:ph type="title"/>
+            <p:ph idx="4294967295" type="title"/>
           </p:nvPr>
         </p:nvSpPr>
         <p:spPr>
           <a:xfrm>
-            <a:off x="311700" y="332925"/>
-            <a:ext cx="8520600" cy="572700"/>
+            <a:off x="311700" y="277375"/>
+            <a:ext cx="8520600" cy="647100"/>
           </a:xfrm>
           <a:prstGeom prst="rect">
             <a:avLst/>
@@ -6714,7 +13170,7 @@
         </p:spPr>
         <p:txBody>
           <a:bodyPr anchorCtr="0" anchor="t" bIns="91425" lIns="91425" spcFirstLastPara="1" rIns="91425" wrap="square" tIns="91425">
-            <a:normAutofit fontScale="90000"/>
+            <a:noAutofit/>
           </a:bodyPr>
           <a:lstStyle/>
           <a:p>
@@ -6728,24 +13184,15 @@
               <a:buNone/>
             </a:pPr>
             <a:r>
-              <a:rPr lang="ru">
+              <a:rPr lang="ru" sz="3500">
                 <a:latin typeface="Roboto Mono Medium"/>
                 <a:ea typeface="Roboto Mono Medium"/>
                 <a:cs typeface="Roboto Mono Medium"/>
                 <a:sym typeface="Roboto Mono Medium"/>
               </a:rPr>
-              <a:t>Что такое</a:t>
-            </a:r>
-            <a:r>
-              <a:rPr lang="ru">
-                <a:latin typeface="Roboto Mono Medium"/>
-                <a:ea typeface="Roboto Mono Medium"/>
-                <a:cs typeface="Roboto Mono Medium"/>
-                <a:sym typeface="Roboto Mono Medium"/>
-              </a:rPr>
-              <a:t> Copy-On-Write</a:t>
-            </a:r>
-            <a:endParaRPr>
+              <a:t>Зачем нужен Zigbee</a:t>
+            </a:r>
+            <a:endParaRPr sz="3500">
               <a:latin typeface="Roboto Mono Medium"/>
               <a:ea typeface="Roboto Mono Medium"/>
               <a:cs typeface="Roboto Mono Medium"/>
@@ -6756,14 +13203,14 @@
       </p:sp>
       <p:sp>
         <p:nvSpPr>
-          <p:cNvPr id="68" name="Google Shape;68;p15"/>
+          <p:cNvPr id="75" name="Google Shape;75;p15"/>
           <p:cNvSpPr txBox="1"/>
           <p:nvPr/>
         </p:nvSpPr>
         <p:spPr>
           <a:xfrm>
-            <a:off x="2439038" y="954525"/>
-            <a:ext cx="4241700" cy="569400"/>
+            <a:off x="311700" y="1227550"/>
+            <a:ext cx="4999200" cy="2555100"/>
           </a:xfrm>
           <a:prstGeom prst="rect">
             <a:avLst/>
@@ -6789,65 +13236,123 @@
               <a:buNone/>
             </a:pPr>
             <a:r>
-              <a:rPr lang="ru" sz="2500">
-                <a:solidFill>
-                  <a:schemeClr val="dk1"/>
-                </a:solidFill>
+              <a:rPr lang="ru">
                 <a:latin typeface="Roboto Mono Medium"/>
                 <a:ea typeface="Roboto Mono Medium"/>
                 <a:cs typeface="Roboto Mono Medium"/>
                 <a:sym typeface="Roboto Mono Medium"/>
               </a:rPr>
-              <a:t>A           [1, 2]</a:t>
-            </a:r>
-            <a:endParaRPr sz="2500">
-              <a:solidFill>
-                <a:schemeClr val="dk1"/>
-              </a:solidFill>
+              <a:t>Zigbee  стандарт беспроводной связи, предназначенный для систем управления и сбора данных. </a:t>
+            </a:r>
+            <a:endParaRPr>
               <a:latin typeface="Roboto Mono Medium"/>
               <a:ea typeface="Roboto Mono Medium"/>
               <a:cs typeface="Roboto Mono Medium"/>
               <a:sym typeface="Roboto Mono Medium"/>
             </a:endParaRPr>
           </a:p>
+          <a:p>
+            <a:pPr indent="0" lvl="0" marL="0" rtl="0" algn="l">
+              <a:spcBef>
+                <a:spcPts val="0"/>
+              </a:spcBef>
+              <a:spcAft>
+                <a:spcPts val="0"/>
+              </a:spcAft>
+              <a:buNone/>
+            </a:pPr>
+            <a:r>
+              <a:t/>
+            </a:r>
+            <a:endParaRPr>
+              <a:latin typeface="Roboto Mono Medium"/>
+              <a:ea typeface="Roboto Mono Medium"/>
+              <a:cs typeface="Roboto Mono Medium"/>
+              <a:sym typeface="Roboto Mono Medium"/>
+            </a:endParaRPr>
+          </a:p>
+          <a:p>
+            <a:pPr indent="0" lvl="0" marL="0" rtl="0" algn="l">
+              <a:spcBef>
+                <a:spcPts val="0"/>
+              </a:spcBef>
+              <a:spcAft>
+                <a:spcPts val="0"/>
+              </a:spcAft>
+              <a:buNone/>
+            </a:pPr>
+            <a:r>
+              <a:rPr lang="ru">
+                <a:latin typeface="Roboto Mono Medium"/>
+                <a:ea typeface="Roboto Mono Medium"/>
+                <a:cs typeface="Roboto Mono Medium"/>
+                <a:sym typeface="Roboto Mono Medium"/>
+              </a:rPr>
+              <a:t>Основным принципом умной сети Zigbee является </a:t>
+            </a:r>
+            <a:r>
+              <a:rPr b="1" lang="ru">
+                <a:latin typeface="Roboto Mono"/>
+                <a:ea typeface="Roboto Mono"/>
+                <a:cs typeface="Roboto Mono"/>
+                <a:sym typeface="Roboto Mono"/>
+              </a:rPr>
+              <a:t>малый объем передаваемых данных</a:t>
+            </a:r>
+            <a:r>
+              <a:rPr lang="ru">
+                <a:latin typeface="Roboto Mono Medium"/>
+                <a:ea typeface="Roboto Mono Medium"/>
+                <a:cs typeface="Roboto Mono Medium"/>
+                <a:sym typeface="Roboto Mono Medium"/>
+              </a:rPr>
+              <a:t> и </a:t>
+            </a:r>
+            <a:r>
+              <a:rPr b="1" lang="ru">
+                <a:latin typeface="Roboto Mono"/>
+                <a:ea typeface="Roboto Mono"/>
+                <a:cs typeface="Roboto Mono"/>
+                <a:sym typeface="Roboto Mono"/>
+              </a:rPr>
+              <a:t>низкое энергопотребление</a:t>
+            </a:r>
+            <a:r>
+              <a:rPr lang="ru">
+                <a:latin typeface="Roboto Mono Medium"/>
+                <a:ea typeface="Roboto Mono Medium"/>
+                <a:cs typeface="Roboto Mono Medium"/>
+                <a:sym typeface="Roboto Mono Medium"/>
+              </a:rPr>
+              <a:t>. Устройства в сети используют технологию малого радиуса действия, что позволяет им работать с минимальным энергопотреблением и продлить срок службы батареи.</a:t>
+            </a:r>
+            <a:endParaRPr>
+              <a:latin typeface="Roboto Mono Medium"/>
+              <a:ea typeface="Roboto Mono Medium"/>
+              <a:cs typeface="Roboto Mono Medium"/>
+              <a:sym typeface="Roboto Mono Medium"/>
+            </a:endParaRPr>
+          </a:p>
         </p:txBody>
       </p:sp>
-      <p:cxnSp>
-        <p:nvCxnSpPr>
-          <p:cNvPr id="69" name="Google Shape;69;p15"/>
-          <p:cNvCxnSpPr/>
+      <p:pic>
+        <p:nvPicPr>
+          <p:cNvPr id="76" name="Google Shape;76;p15"/>
+          <p:cNvPicPr preferRelativeResize="0"/>
           <p:nvPr/>
-        </p:nvCxnSpPr>
-        <p:spPr>
-          <a:xfrm>
-            <a:off x="2827988" y="1245050"/>
-            <a:ext cx="1950600" cy="0"/>
-          </a:xfrm>
-          <a:prstGeom prst="straightConnector1">
-            <a:avLst/>
-          </a:prstGeom>
-          <a:noFill/>
-          <a:ln cap="flat" cmpd="sng" w="38100">
-            <a:solidFill>
-              <a:schemeClr val="dk1"/>
-            </a:solidFill>
-            <a:prstDash val="solid"/>
-            <a:round/>
-            <a:headEnd len="med" w="med" type="none"/>
-            <a:tailEnd len="med" w="med" type="triangle"/>
-          </a:ln>
-        </p:spPr>
-      </p:cxnSp>
-      <p:sp>
-        <p:nvSpPr>
-          <p:cNvPr id="70" name="Google Shape;70;p15"/>
-          <p:cNvSpPr txBox="1"/>
-          <p:nvPr/>
-        </p:nvSpPr>
-        <p:spPr>
-          <a:xfrm>
-            <a:off x="2439038" y="1961850"/>
-            <a:ext cx="4241700" cy="569400"/>
+        </p:nvPicPr>
+        <p:blipFill>
+          <a:blip r:embed="rId3">
+            <a:alphaModFix/>
+          </a:blip>
+          <a:stretch>
+            <a:fillRect/>
+          </a:stretch>
+        </p:blipFill>
+        <p:spPr>
+          <a:xfrm>
+            <a:off x="5789425" y="1109962"/>
+            <a:ext cx="2790275" cy="2790275"/>
           </a:xfrm>
           <a:prstGeom prst="rect">
             <a:avLst/>
@@ -6857,593 +13362,7 @@
             <a:noFill/>
           </a:ln>
         </p:spPr>
-        <p:txBody>
-          <a:bodyPr anchorCtr="0" anchor="t" bIns="91425" lIns="91425" spcFirstLastPara="1" rIns="91425" wrap="square" tIns="91425">
-            <a:spAutoFit/>
-          </a:bodyPr>
-          <a:lstStyle/>
-          <a:p>
-            <a:pPr indent="0" lvl="0" marL="0" rtl="0" algn="l">
-              <a:spcBef>
-                <a:spcPts val="0"/>
-              </a:spcBef>
-              <a:spcAft>
-                <a:spcPts val="0"/>
-              </a:spcAft>
-              <a:buNone/>
-            </a:pPr>
-            <a:r>
-              <a:rPr lang="ru" sz="2500">
-                <a:solidFill>
-                  <a:schemeClr val="dk1"/>
-                </a:solidFill>
-                <a:latin typeface="Roboto Mono Medium"/>
-                <a:ea typeface="Roboto Mono Medium"/>
-                <a:cs typeface="Roboto Mono Medium"/>
-                <a:sym typeface="Roboto Mono Medium"/>
-              </a:rPr>
-              <a:t>A</a:t>
-            </a:r>
-            <a:endParaRPr sz="2500">
-              <a:solidFill>
-                <a:schemeClr val="dk1"/>
-              </a:solidFill>
-              <a:latin typeface="Roboto Mono Medium"/>
-              <a:ea typeface="Roboto Mono Medium"/>
-              <a:cs typeface="Roboto Mono Medium"/>
-              <a:sym typeface="Roboto Mono Medium"/>
-            </a:endParaRPr>
-          </a:p>
-        </p:txBody>
-      </p:sp>
-      <p:sp>
-        <p:nvSpPr>
-          <p:cNvPr id="71" name="Google Shape;71;p15"/>
-          <p:cNvSpPr txBox="1"/>
-          <p:nvPr/>
-        </p:nvSpPr>
-        <p:spPr>
-          <a:xfrm>
-            <a:off x="2439038" y="2608350"/>
-            <a:ext cx="4241700" cy="569400"/>
-          </a:xfrm>
-          <a:prstGeom prst="rect">
-            <a:avLst/>
-          </a:prstGeom>
-          <a:noFill/>
-          <a:ln>
-            <a:noFill/>
-          </a:ln>
-        </p:spPr>
-        <p:txBody>
-          <a:bodyPr anchorCtr="0" anchor="t" bIns="91425" lIns="91425" spcFirstLastPara="1" rIns="91425" wrap="square" tIns="91425">
-            <a:spAutoFit/>
-          </a:bodyPr>
-          <a:lstStyle/>
-          <a:p>
-            <a:pPr indent="0" lvl="0" marL="0" rtl="0" algn="l">
-              <a:spcBef>
-                <a:spcPts val="0"/>
-              </a:spcBef>
-              <a:spcAft>
-                <a:spcPts val="0"/>
-              </a:spcAft>
-              <a:buNone/>
-            </a:pPr>
-            <a:r>
-              <a:rPr lang="ru" sz="2500">
-                <a:solidFill>
-                  <a:schemeClr val="dk1"/>
-                </a:solidFill>
-                <a:latin typeface="Roboto Mono Medium"/>
-                <a:ea typeface="Roboto Mono Medium"/>
-                <a:cs typeface="Roboto Mono Medium"/>
-                <a:sym typeface="Roboto Mono Medium"/>
-              </a:rPr>
-              <a:t>B</a:t>
-            </a:r>
-            <a:endParaRPr sz="2500">
-              <a:solidFill>
-                <a:schemeClr val="dk1"/>
-              </a:solidFill>
-              <a:latin typeface="Roboto Mono Medium"/>
-              <a:ea typeface="Roboto Mono Medium"/>
-              <a:cs typeface="Roboto Mono Medium"/>
-              <a:sym typeface="Roboto Mono Medium"/>
-            </a:endParaRPr>
-          </a:p>
-        </p:txBody>
-      </p:sp>
-      <p:sp>
-        <p:nvSpPr>
-          <p:cNvPr id="72" name="Google Shape;72;p15"/>
-          <p:cNvSpPr txBox="1"/>
-          <p:nvPr/>
-        </p:nvSpPr>
-        <p:spPr>
-          <a:xfrm>
-            <a:off x="2439038" y="3615700"/>
-            <a:ext cx="4241700" cy="569400"/>
-          </a:xfrm>
-          <a:prstGeom prst="rect">
-            <a:avLst/>
-          </a:prstGeom>
-          <a:noFill/>
-          <a:ln>
-            <a:noFill/>
-          </a:ln>
-        </p:spPr>
-        <p:txBody>
-          <a:bodyPr anchorCtr="0" anchor="t" bIns="91425" lIns="91425" spcFirstLastPara="1" rIns="91425" wrap="square" tIns="91425">
-            <a:spAutoFit/>
-          </a:bodyPr>
-          <a:lstStyle/>
-          <a:p>
-            <a:pPr indent="0" lvl="0" marL="0" rtl="0" algn="l">
-              <a:spcBef>
-                <a:spcPts val="0"/>
-              </a:spcBef>
-              <a:spcAft>
-                <a:spcPts val="0"/>
-              </a:spcAft>
-              <a:buNone/>
-            </a:pPr>
-            <a:r>
-              <a:rPr lang="ru" sz="2500">
-                <a:solidFill>
-                  <a:schemeClr val="dk1"/>
-                </a:solidFill>
-                <a:latin typeface="Roboto Mono Medium"/>
-                <a:ea typeface="Roboto Mono Medium"/>
-                <a:cs typeface="Roboto Mono Medium"/>
-                <a:sym typeface="Roboto Mono Medium"/>
-              </a:rPr>
-              <a:t>A           [1, 2]</a:t>
-            </a:r>
-            <a:endParaRPr sz="2500">
-              <a:solidFill>
-                <a:schemeClr val="dk1"/>
-              </a:solidFill>
-              <a:latin typeface="Roboto Mono Medium"/>
-              <a:ea typeface="Roboto Mono Medium"/>
-              <a:cs typeface="Roboto Mono Medium"/>
-              <a:sym typeface="Roboto Mono Medium"/>
-            </a:endParaRPr>
-          </a:p>
-        </p:txBody>
-      </p:sp>
-      <p:sp>
-        <p:nvSpPr>
-          <p:cNvPr id="73" name="Google Shape;73;p15"/>
-          <p:cNvSpPr txBox="1"/>
-          <p:nvPr/>
-        </p:nvSpPr>
-        <p:spPr>
-          <a:xfrm>
-            <a:off x="2439038" y="4262200"/>
-            <a:ext cx="4241700" cy="569400"/>
-          </a:xfrm>
-          <a:prstGeom prst="rect">
-            <a:avLst/>
-          </a:prstGeom>
-          <a:noFill/>
-          <a:ln>
-            <a:noFill/>
-          </a:ln>
-        </p:spPr>
-        <p:txBody>
-          <a:bodyPr anchorCtr="0" anchor="t" bIns="91425" lIns="91425" spcFirstLastPara="1" rIns="91425" wrap="square" tIns="91425">
-            <a:spAutoFit/>
-          </a:bodyPr>
-          <a:lstStyle/>
-          <a:p>
-            <a:pPr indent="0" lvl="0" marL="0" rtl="0" algn="l">
-              <a:spcBef>
-                <a:spcPts val="0"/>
-              </a:spcBef>
-              <a:spcAft>
-                <a:spcPts val="0"/>
-              </a:spcAft>
-              <a:buNone/>
-            </a:pPr>
-            <a:r>
-              <a:rPr lang="ru" sz="2500">
-                <a:solidFill>
-                  <a:schemeClr val="dk1"/>
-                </a:solidFill>
-                <a:latin typeface="Roboto Mono Medium"/>
-                <a:ea typeface="Roboto Mono Medium"/>
-                <a:cs typeface="Roboto Mono Medium"/>
-                <a:sym typeface="Roboto Mono Medium"/>
-              </a:rPr>
-              <a:t>B           [1, 2, 3]</a:t>
-            </a:r>
-            <a:endParaRPr sz="2500">
-              <a:solidFill>
-                <a:schemeClr val="dk1"/>
-              </a:solidFill>
-              <a:latin typeface="Roboto Mono Medium"/>
-              <a:ea typeface="Roboto Mono Medium"/>
-              <a:cs typeface="Roboto Mono Medium"/>
-              <a:sym typeface="Roboto Mono Medium"/>
-            </a:endParaRPr>
-          </a:p>
-        </p:txBody>
-      </p:sp>
-      <p:sp>
-        <p:nvSpPr>
-          <p:cNvPr id="74" name="Google Shape;74;p15"/>
-          <p:cNvSpPr txBox="1"/>
-          <p:nvPr/>
-        </p:nvSpPr>
-        <p:spPr>
-          <a:xfrm>
-            <a:off x="2439038" y="3067075"/>
-            <a:ext cx="4241700" cy="569400"/>
-          </a:xfrm>
-          <a:prstGeom prst="rect">
-            <a:avLst/>
-          </a:prstGeom>
-          <a:noFill/>
-          <a:ln>
-            <a:noFill/>
-          </a:ln>
-        </p:spPr>
-        <p:txBody>
-          <a:bodyPr anchorCtr="0" anchor="t" bIns="91425" lIns="91425" spcFirstLastPara="1" rIns="91425" wrap="square" tIns="91425">
-            <a:spAutoFit/>
-          </a:bodyPr>
-          <a:lstStyle/>
-          <a:p>
-            <a:pPr indent="0" lvl="0" marL="0" rtl="0" algn="l">
-              <a:spcBef>
-                <a:spcPts val="0"/>
-              </a:spcBef>
-              <a:spcAft>
-                <a:spcPts val="0"/>
-              </a:spcAft>
-              <a:buNone/>
-            </a:pPr>
-            <a:r>
-              <a:rPr lang="ru" sz="2500">
-                <a:solidFill>
-                  <a:schemeClr val="dk1"/>
-                </a:solidFill>
-                <a:latin typeface="Roboto Mono Medium"/>
-                <a:ea typeface="Roboto Mono Medium"/>
-                <a:cs typeface="Roboto Mono Medium"/>
-                <a:sym typeface="Roboto Mono Medium"/>
-              </a:rPr>
-              <a:t>B.append(3)</a:t>
-            </a:r>
-            <a:endParaRPr sz="2500">
-              <a:solidFill>
-                <a:schemeClr val="dk1"/>
-              </a:solidFill>
-              <a:latin typeface="Roboto Mono Medium"/>
-              <a:ea typeface="Roboto Mono Medium"/>
-              <a:cs typeface="Roboto Mono Medium"/>
-              <a:sym typeface="Roboto Mono Medium"/>
-            </a:endParaRPr>
-          </a:p>
-        </p:txBody>
-      </p:sp>
-      <p:cxnSp>
-        <p:nvCxnSpPr>
-          <p:cNvPr id="75" name="Google Shape;75;p15"/>
-          <p:cNvCxnSpPr/>
-          <p:nvPr/>
-        </p:nvCxnSpPr>
-        <p:spPr>
-          <a:xfrm>
-            <a:off x="2489063" y="1528600"/>
-            <a:ext cx="4205400" cy="0"/>
-          </a:xfrm>
-          <a:prstGeom prst="straightConnector1">
-            <a:avLst/>
-          </a:prstGeom>
-          <a:noFill/>
-          <a:ln cap="flat" cmpd="sng" w="19050">
-            <a:solidFill>
-              <a:srgbClr val="999999"/>
-            </a:solidFill>
-            <a:prstDash val="solid"/>
-            <a:round/>
-            <a:headEnd len="med" w="med" type="none"/>
-            <a:tailEnd len="med" w="med" type="none"/>
-          </a:ln>
-        </p:spPr>
-      </p:cxnSp>
-      <p:sp>
-        <p:nvSpPr>
-          <p:cNvPr id="76" name="Google Shape;76;p15"/>
-          <p:cNvSpPr txBox="1"/>
-          <p:nvPr/>
-        </p:nvSpPr>
-        <p:spPr>
-          <a:xfrm>
-            <a:off x="5172788" y="2285500"/>
-            <a:ext cx="1508100" cy="569400"/>
-          </a:xfrm>
-          <a:prstGeom prst="rect">
-            <a:avLst/>
-          </a:prstGeom>
-          <a:noFill/>
-          <a:ln>
-            <a:noFill/>
-          </a:ln>
-        </p:spPr>
-        <p:txBody>
-          <a:bodyPr anchorCtr="0" anchor="t" bIns="91425" lIns="91425" spcFirstLastPara="1" rIns="91425" wrap="square" tIns="91425">
-            <a:spAutoFit/>
-          </a:bodyPr>
-          <a:lstStyle/>
-          <a:p>
-            <a:pPr indent="0" lvl="0" marL="0" rtl="0" algn="l">
-              <a:spcBef>
-                <a:spcPts val="0"/>
-              </a:spcBef>
-              <a:spcAft>
-                <a:spcPts val="0"/>
-              </a:spcAft>
-              <a:buNone/>
-            </a:pPr>
-            <a:r>
-              <a:rPr lang="ru" sz="2500">
-                <a:solidFill>
-                  <a:schemeClr val="dk1"/>
-                </a:solidFill>
-                <a:latin typeface="Roboto Mono Medium"/>
-                <a:ea typeface="Roboto Mono Medium"/>
-                <a:cs typeface="Roboto Mono Medium"/>
-                <a:sym typeface="Roboto Mono Medium"/>
-              </a:rPr>
-              <a:t>[1, 2]</a:t>
-            </a:r>
-            <a:endParaRPr sz="2500"/>
-          </a:p>
-        </p:txBody>
-      </p:sp>
-      <p:cxnSp>
-        <p:nvCxnSpPr>
-          <p:cNvPr id="77" name="Google Shape;77;p15"/>
-          <p:cNvCxnSpPr/>
-          <p:nvPr/>
-        </p:nvCxnSpPr>
-        <p:spPr>
-          <a:xfrm>
-            <a:off x="2924813" y="2286700"/>
-            <a:ext cx="2317200" cy="152100"/>
-          </a:xfrm>
-          <a:prstGeom prst="straightConnector1">
-            <a:avLst/>
-          </a:prstGeom>
-          <a:noFill/>
-          <a:ln cap="flat" cmpd="sng" w="38100">
-            <a:solidFill>
-              <a:schemeClr val="dk1"/>
-            </a:solidFill>
-            <a:prstDash val="solid"/>
-            <a:round/>
-            <a:headEnd len="med" w="med" type="none"/>
-            <a:tailEnd len="med" w="med" type="triangle"/>
-          </a:ln>
-        </p:spPr>
-      </p:cxnSp>
-      <p:cxnSp>
-        <p:nvCxnSpPr>
-          <p:cNvPr id="78" name="Google Shape;78;p15"/>
-          <p:cNvCxnSpPr/>
-          <p:nvPr/>
-        </p:nvCxnSpPr>
-        <p:spPr>
-          <a:xfrm flipH="1" rot="10800000">
-            <a:off x="2945563" y="2722450"/>
-            <a:ext cx="2296500" cy="242100"/>
-          </a:xfrm>
-          <a:prstGeom prst="straightConnector1">
-            <a:avLst/>
-          </a:prstGeom>
-          <a:noFill/>
-          <a:ln cap="flat" cmpd="sng" w="38100">
-            <a:solidFill>
-              <a:schemeClr val="dk1"/>
-            </a:solidFill>
-            <a:prstDash val="solid"/>
-            <a:round/>
-            <a:headEnd len="med" w="med" type="none"/>
-            <a:tailEnd len="med" w="med" type="triangle"/>
-          </a:ln>
-        </p:spPr>
-      </p:cxnSp>
-      <p:cxnSp>
-        <p:nvCxnSpPr>
-          <p:cNvPr id="79" name="Google Shape;79;p15"/>
-          <p:cNvCxnSpPr/>
-          <p:nvPr/>
-        </p:nvCxnSpPr>
-        <p:spPr>
-          <a:xfrm>
-            <a:off x="2827988" y="3900400"/>
-            <a:ext cx="1950600" cy="0"/>
-          </a:xfrm>
-          <a:prstGeom prst="straightConnector1">
-            <a:avLst/>
-          </a:prstGeom>
-          <a:noFill/>
-          <a:ln cap="flat" cmpd="sng" w="38100">
-            <a:solidFill>
-              <a:schemeClr val="dk1"/>
-            </a:solidFill>
-            <a:prstDash val="solid"/>
-            <a:round/>
-            <a:headEnd len="med" w="med" type="none"/>
-            <a:tailEnd len="med" w="med" type="triangle"/>
-          </a:ln>
-        </p:spPr>
-      </p:cxnSp>
-      <p:sp>
-        <p:nvSpPr>
-          <p:cNvPr id="80" name="Google Shape;80;p15"/>
-          <p:cNvSpPr txBox="1"/>
-          <p:nvPr/>
-        </p:nvSpPr>
-        <p:spPr>
-          <a:xfrm>
-            <a:off x="2463263" y="1479200"/>
-            <a:ext cx="4241700" cy="569400"/>
-          </a:xfrm>
-          <a:prstGeom prst="rect">
-            <a:avLst/>
-          </a:prstGeom>
-          <a:noFill/>
-          <a:ln>
-            <a:noFill/>
-          </a:ln>
-        </p:spPr>
-        <p:txBody>
-          <a:bodyPr anchorCtr="0" anchor="t" bIns="91425" lIns="91425" spcFirstLastPara="1" rIns="91425" wrap="square" tIns="91425">
-            <a:spAutoFit/>
-          </a:bodyPr>
-          <a:lstStyle/>
-          <a:p>
-            <a:pPr indent="0" lvl="0" marL="0" rtl="0" algn="l">
-              <a:spcBef>
-                <a:spcPts val="0"/>
-              </a:spcBef>
-              <a:spcAft>
-                <a:spcPts val="0"/>
-              </a:spcAft>
-              <a:buNone/>
-            </a:pPr>
-            <a:r>
-              <a:rPr lang="ru" sz="2500">
-                <a:solidFill>
-                  <a:schemeClr val="dk1"/>
-                </a:solidFill>
-                <a:latin typeface="Roboto Mono Medium"/>
-                <a:ea typeface="Roboto Mono Medium"/>
-                <a:cs typeface="Roboto Mono Medium"/>
-                <a:sym typeface="Roboto Mono Medium"/>
-              </a:rPr>
-              <a:t>B = A</a:t>
-            </a:r>
-            <a:endParaRPr sz="2500">
-              <a:solidFill>
-                <a:schemeClr val="dk1"/>
-              </a:solidFill>
-              <a:latin typeface="Roboto Mono Medium"/>
-              <a:ea typeface="Roboto Mono Medium"/>
-              <a:cs typeface="Roboto Mono Medium"/>
-              <a:sym typeface="Roboto Mono Medium"/>
-            </a:endParaRPr>
-          </a:p>
-        </p:txBody>
-      </p:sp>
-      <p:cxnSp>
-        <p:nvCxnSpPr>
-          <p:cNvPr id="81" name="Google Shape;81;p15"/>
-          <p:cNvCxnSpPr/>
-          <p:nvPr/>
-        </p:nvCxnSpPr>
-        <p:spPr>
-          <a:xfrm>
-            <a:off x="2827988" y="4546900"/>
-            <a:ext cx="1950600" cy="0"/>
-          </a:xfrm>
-          <a:prstGeom prst="straightConnector1">
-            <a:avLst/>
-          </a:prstGeom>
-          <a:noFill/>
-          <a:ln cap="flat" cmpd="sng" w="38100">
-            <a:solidFill>
-              <a:schemeClr val="dk1"/>
-            </a:solidFill>
-            <a:prstDash val="solid"/>
-            <a:round/>
-            <a:headEnd len="med" w="med" type="none"/>
-            <a:tailEnd len="med" w="med" type="triangle"/>
-          </a:ln>
-        </p:spPr>
-      </p:cxnSp>
-      <p:cxnSp>
-        <p:nvCxnSpPr>
-          <p:cNvPr id="82" name="Google Shape;82;p15"/>
-          <p:cNvCxnSpPr/>
-          <p:nvPr/>
-        </p:nvCxnSpPr>
-        <p:spPr>
-          <a:xfrm>
-            <a:off x="2489063" y="2030400"/>
-            <a:ext cx="4205400" cy="0"/>
-          </a:xfrm>
-          <a:prstGeom prst="straightConnector1">
-            <a:avLst/>
-          </a:prstGeom>
-          <a:noFill/>
-          <a:ln cap="flat" cmpd="sng" w="19050">
-            <a:solidFill>
-              <a:srgbClr val="999999"/>
-            </a:solidFill>
-            <a:prstDash val="solid"/>
-            <a:round/>
-            <a:headEnd len="med" w="med" type="none"/>
-            <a:tailEnd len="med" w="med" type="none"/>
-          </a:ln>
-        </p:spPr>
-      </p:cxnSp>
-      <p:cxnSp>
-        <p:nvCxnSpPr>
-          <p:cNvPr id="83" name="Google Shape;83;p15"/>
-          <p:cNvCxnSpPr/>
-          <p:nvPr/>
-        </p:nvCxnSpPr>
-        <p:spPr>
-          <a:xfrm>
-            <a:off x="2489063" y="3116063"/>
-            <a:ext cx="4205400" cy="0"/>
-          </a:xfrm>
-          <a:prstGeom prst="straightConnector1">
-            <a:avLst/>
-          </a:prstGeom>
-          <a:noFill/>
-          <a:ln cap="flat" cmpd="sng" w="19050">
-            <a:solidFill>
-              <a:srgbClr val="999999"/>
-            </a:solidFill>
-            <a:prstDash val="solid"/>
-            <a:round/>
-            <a:headEnd len="med" w="med" type="none"/>
-            <a:tailEnd len="med" w="med" type="none"/>
-          </a:ln>
-        </p:spPr>
-      </p:cxnSp>
-      <p:cxnSp>
-        <p:nvCxnSpPr>
-          <p:cNvPr id="84" name="Google Shape;84;p15"/>
-          <p:cNvCxnSpPr/>
-          <p:nvPr/>
-        </p:nvCxnSpPr>
-        <p:spPr>
-          <a:xfrm>
-            <a:off x="2489063" y="3615700"/>
-            <a:ext cx="4205400" cy="0"/>
-          </a:xfrm>
-          <a:prstGeom prst="straightConnector1">
-            <a:avLst/>
-          </a:prstGeom>
-          <a:noFill/>
-          <a:ln cap="flat" cmpd="sng" w="19050">
-            <a:solidFill>
-              <a:srgbClr val="999999"/>
-            </a:solidFill>
-            <a:prstDash val="solid"/>
-            <a:round/>
-            <a:headEnd len="med" w="med" type="none"/>
-            <a:tailEnd len="med" w="med" type="none"/>
-          </a:ln>
-        </p:spPr>
-      </p:cxnSp>
+      </p:pic>
     </p:spTree>
   </p:cSld>
   <p:clrMapOvr>
@@ -7457,7 +13376,7 @@
   <p:cSld>
     <p:spTree>
       <p:nvGrpSpPr>
-        <p:cNvPr id="88" name="Shape 88"/>
+        <p:cNvPr id="80" name="Shape 80"/>
         <p:cNvGrpSpPr/>
         <p:nvPr/>
       </p:nvGrpSpPr>
@@ -7471,16 +13390,16 @@
       </p:grpSpPr>
       <p:sp>
         <p:nvSpPr>
-          <p:cNvPr id="89" name="Google Shape;89;p16"/>
+          <p:cNvPr id="81" name="Google Shape;81;p16"/>
           <p:cNvSpPr txBox="1"/>
           <p:nvPr>
-            <p:ph type="title"/>
+            <p:ph idx="4294967295" type="title"/>
           </p:nvPr>
         </p:nvSpPr>
         <p:spPr>
           <a:xfrm>
-            <a:off x="311700" y="332925"/>
-            <a:ext cx="8520600" cy="572700"/>
+            <a:off x="311700" y="277375"/>
+            <a:ext cx="8520600" cy="647100"/>
           </a:xfrm>
           <a:prstGeom prst="rect">
             <a:avLst/>
@@ -7488,40 +13407,66 @@
         </p:spPr>
         <p:txBody>
           <a:bodyPr anchorCtr="0" anchor="t" bIns="91425" lIns="91425" spcFirstLastPara="1" rIns="91425" wrap="square" tIns="91425">
-            <a:normAutofit fontScale="90000"/>
+            <a:noAutofit/>
           </a:bodyPr>
           <a:lstStyle/>
           <a:p>
-            <a:pPr indent="0" lvl="0" marL="0" rtl="0" algn="l">
-              <a:spcBef>
-                <a:spcPts val="0"/>
-              </a:spcBef>
-              <a:spcAft>
-                <a:spcPts val="0"/>
-              </a:spcAft>
-              <a:buNone/>
-            </a:pPr>
-            <a:r>
-              <a:rPr lang="ru">
+            <a:pPr indent="0" lvl="0" marL="0" rtl="0" algn="ctr">
+              <a:spcBef>
+                <a:spcPts val="0"/>
+              </a:spcBef>
+              <a:spcAft>
+                <a:spcPts val="0"/>
+              </a:spcAft>
+              <a:buNone/>
+            </a:pPr>
+            <a:r>
+              <a:rPr lang="ru" sz="4000">
                 <a:latin typeface="Roboto Mono Medium"/>
                 <a:ea typeface="Roboto Mono Medium"/>
                 <a:cs typeface="Roboto Mono Medium"/>
                 <a:sym typeface="Roboto Mono Medium"/>
               </a:rPr>
-              <a:t>Что такое дерево Меркла</a:t>
-            </a:r>
-            <a:endParaRPr>
+              <a:t>Типы устройств </a:t>
+            </a:r>
+            <a:endParaRPr sz="4000">
               <a:latin typeface="Roboto Mono Medium"/>
               <a:ea typeface="Roboto Mono Medium"/>
               <a:cs typeface="Roboto Mono Medium"/>
               <a:sym typeface="Roboto Mono Medium"/>
             </a:endParaRPr>
           </a:p>
+          <a:p>
+            <a:pPr indent="0" lvl="0" marL="0" rtl="0" algn="ctr">
+              <a:spcBef>
+                <a:spcPts val="0"/>
+              </a:spcBef>
+              <a:spcAft>
+                <a:spcPts val="0"/>
+              </a:spcAft>
+              <a:buNone/>
+            </a:pPr>
+            <a:r>
+              <a:rPr lang="ru" sz="4000">
+                <a:latin typeface="Roboto Mono Medium"/>
+                <a:ea typeface="Roboto Mono Medium"/>
+                <a:cs typeface="Roboto Mono Medium"/>
+                <a:sym typeface="Roboto Mono Medium"/>
+              </a:rPr>
+              <a:t>в Zigbee</a:t>
+            </a:r>
+            <a:endParaRPr sz="4000">
+              <a:latin typeface="Roboto Mono Medium"/>
+              <a:ea typeface="Roboto Mono Medium"/>
+              <a:cs typeface="Roboto Mono Medium"/>
+              <a:sym typeface="Roboto Mono Medium"/>
+            </a:endParaRPr>
+          </a:p>
         </p:txBody>
       </p:sp>
       <p:pic>
         <p:nvPicPr>
-          <p:cNvPr id="90" name="Google Shape;90;p16"/>
+          <p:cNvPr id="82" name="Google Shape;82;p16"/>
           <p:cNvPicPr preferRelativeResize="0"/>
           <p:nvPr/>
         </p:nvPicPr>
@@ -7535,8 +13480,146 @@
         </p:blipFill>
         <p:spPr>
           <a:xfrm>
-            <a:off x="1417775" y="788375"/>
-            <a:ext cx="6308449" cy="4417150"/>
+            <a:off x="1970372" y="2519450"/>
+            <a:ext cx="1238525" cy="2267725"/>
+          </a:xfrm>
+          <a:prstGeom prst="rect">
+            <a:avLst/>
+          </a:prstGeom>
+          <a:noFill/>
+          <a:ln>
+            <a:noFill/>
+          </a:ln>
+        </p:spPr>
+      </p:pic>
+      <p:pic>
+        <p:nvPicPr>
+          <p:cNvPr id="83" name="Google Shape;83;p16"/>
+          <p:cNvPicPr preferRelativeResize="0"/>
+          <p:nvPr/>
+        </p:nvPicPr>
+        <p:blipFill>
+          <a:blip r:embed="rId4">
+            <a:alphaModFix/>
+          </a:blip>
+          <a:stretch>
+            <a:fillRect/>
+          </a:stretch>
+        </p:blipFill>
+        <p:spPr>
+          <a:xfrm>
+            <a:off x="7238625" y="3048425"/>
+            <a:ext cx="1836725" cy="1836725"/>
+          </a:xfrm>
+          <a:prstGeom prst="rect">
+            <a:avLst/>
+          </a:prstGeom>
+          <a:noFill/>
+          <a:ln>
+            <a:noFill/>
+          </a:ln>
+        </p:spPr>
+      </p:pic>
+      <p:pic>
+        <p:nvPicPr>
+          <p:cNvPr id="84" name="Google Shape;84;p16"/>
+          <p:cNvPicPr preferRelativeResize="0"/>
+          <p:nvPr/>
+        </p:nvPicPr>
+        <p:blipFill>
+          <a:blip r:embed="rId5">
+            <a:alphaModFix/>
+          </a:blip>
+          <a:stretch>
+            <a:fillRect/>
+          </a:stretch>
+        </p:blipFill>
+        <p:spPr>
+          <a:xfrm>
+            <a:off x="3565325" y="1647584"/>
+            <a:ext cx="1709300" cy="1689573"/>
+          </a:xfrm>
+          <a:prstGeom prst="rect">
+            <a:avLst/>
+          </a:prstGeom>
+          <a:noFill/>
+          <a:ln>
+            <a:noFill/>
+          </a:ln>
+        </p:spPr>
+      </p:pic>
+      <p:pic>
+        <p:nvPicPr>
+          <p:cNvPr id="85" name="Google Shape;85;p16"/>
+          <p:cNvPicPr preferRelativeResize="0"/>
+          <p:nvPr/>
+        </p:nvPicPr>
+        <p:blipFill rotWithShape="1">
+          <a:blip r:embed="rId6">
+            <a:alphaModFix/>
+          </a:blip>
+          <a:srcRect b="16755" l="5868" r="42239" t="27130"/>
+          <a:stretch/>
+        </p:blipFill>
+        <p:spPr>
+          <a:xfrm>
+            <a:off x="390250" y="1647575"/>
+            <a:ext cx="1709300" cy="1848350"/>
+          </a:xfrm>
+          <a:prstGeom prst="rect">
+            <a:avLst/>
+          </a:prstGeom>
+          <a:noFill/>
+          <a:ln>
+            <a:noFill/>
+          </a:ln>
+        </p:spPr>
+      </p:pic>
+      <p:pic>
+        <p:nvPicPr>
+          <p:cNvPr id="86" name="Google Shape;86;p16"/>
+          <p:cNvPicPr preferRelativeResize="0"/>
+          <p:nvPr/>
+        </p:nvPicPr>
+        <p:blipFill>
+          <a:blip r:embed="rId7">
+            <a:alphaModFix/>
+          </a:blip>
+          <a:stretch>
+            <a:fillRect/>
+          </a:stretch>
+        </p:blipFill>
+        <p:spPr>
+          <a:xfrm>
+            <a:off x="5038205" y="3337150"/>
+            <a:ext cx="1238525" cy="1409121"/>
+          </a:xfrm>
+          <a:prstGeom prst="rect">
+            <a:avLst/>
+          </a:prstGeom>
+          <a:noFill/>
+          <a:ln>
+            <a:noFill/>
+          </a:ln>
+        </p:spPr>
+      </p:pic>
+      <p:pic>
+        <p:nvPicPr>
+          <p:cNvPr id="87" name="Google Shape;87;p16"/>
+          <p:cNvPicPr preferRelativeResize="0"/>
+          <p:nvPr/>
+        </p:nvPicPr>
+        <p:blipFill rotWithShape="1">
+          <a:blip r:embed="rId8">
+            <a:alphaModFix/>
+          </a:blip>
+          <a:srcRect b="28489" l="10706" r="41000" t="32012"/>
+          <a:stretch/>
+        </p:blipFill>
+        <p:spPr>
+          <a:xfrm>
+            <a:off x="5776150" y="1741287"/>
+            <a:ext cx="1836725" cy="1502151"/>
           </a:xfrm>
           <a:prstGeom prst="rect">
             <a:avLst/>
@@ -7560,7 +13643,7 @@
   <p:cSld>
     <p:spTree>
       <p:nvGrpSpPr>
-        <p:cNvPr id="94" name="Shape 94"/>
+        <p:cNvPr id="91" name="Shape 91"/>
         <p:cNvGrpSpPr/>
         <p:nvPr/>
       </p:nvGrpSpPr>
@@ -7574,16 +13657,16 @@
       </p:grpSpPr>
       <p:sp>
         <p:nvSpPr>
-          <p:cNvPr id="95" name="Google Shape;95;p17"/>
+          <p:cNvPr id="92" name="Google Shape;92;p17"/>
           <p:cNvSpPr txBox="1"/>
           <p:nvPr>
-            <p:ph type="title"/>
+            <p:ph idx="4294967295" type="title"/>
           </p:nvPr>
         </p:nvSpPr>
         <p:spPr>
           <a:xfrm>
-            <a:off x="311700" y="332925"/>
-            <a:ext cx="8520600" cy="572700"/>
+            <a:off x="311700" y="277375"/>
+            <a:ext cx="8520600" cy="647100"/>
           </a:xfrm>
           <a:prstGeom prst="rect">
             <a:avLst/>
@@ -7591,7 +13674,7 @@
         </p:spPr>
         <p:txBody>
           <a:bodyPr anchorCtr="0" anchor="t" bIns="91425" lIns="91425" spcFirstLastPara="1" rIns="91425" wrap="square" tIns="91425">
-            <a:normAutofit fontScale="90000"/>
+            <a:noAutofit/>
           </a:bodyPr>
           <a:lstStyle/>
           <a:p>
@@ -7605,15 +13688,15 @@
               <a:buNone/>
             </a:pPr>
             <a:r>
-              <a:rPr lang="ru">
+              <a:rPr lang="ru" sz="3500">
                 <a:latin typeface="Roboto Mono Medium"/>
                 <a:ea typeface="Roboto Mono Medium"/>
                 <a:cs typeface="Roboto Mono Medium"/>
                 <a:sym typeface="Roboto Mono Medium"/>
               </a:rPr>
-              <a:t>Принцип работы ZFS</a:t>
-            </a:r>
-            <a:endParaRPr>
+              <a:t>Координатор</a:t>
+            </a:r>
+            <a:endParaRPr sz="3500">
               <a:latin typeface="Roboto Mono Medium"/>
               <a:ea typeface="Roboto Mono Medium"/>
               <a:cs typeface="Roboto Mono Medium"/>
@@ -7624,12 +13707,39 @@
       </p:sp>
       <p:pic>
         <p:nvPicPr>
-          <p:cNvPr id="96" name="Google Shape;96;p17"/>
+          <p:cNvPr id="93" name="Google Shape;93;p17"/>
+          <p:cNvPicPr preferRelativeResize="0"/>
+          <p:nvPr/>
+        </p:nvPicPr>
+        <p:blipFill rotWithShape="1">
+          <a:blip r:embed="rId3">
+            <a:alphaModFix/>
+          </a:blip>
+          <a:srcRect b="16755" l="5868" r="42239" t="27130"/>
+          <a:stretch/>
+        </p:blipFill>
+        <p:spPr>
+          <a:xfrm>
+            <a:off x="1440050" y="1450000"/>
+            <a:ext cx="3036700" cy="3283728"/>
+          </a:xfrm>
+          <a:prstGeom prst="rect">
+            <a:avLst/>
+          </a:prstGeom>
+          <a:noFill/>
+          <a:ln>
+            <a:noFill/>
+          </a:ln>
+        </p:spPr>
+      </p:pic>
+      <p:pic>
+        <p:nvPicPr>
+          <p:cNvPr id="94" name="Google Shape;94;p17"/>
           <p:cNvPicPr preferRelativeResize="0"/>
           <p:nvPr/>
         </p:nvPicPr>
         <p:blipFill>
-          <a:blip r:embed="rId3">
+          <a:blip r:embed="rId4">
             <a:alphaModFix/>
           </a:blip>
           <a:stretch>
@@ -7638,8 +13748,8 @@
         </p:blipFill>
         <p:spPr>
           <a:xfrm>
-            <a:off x="1134426" y="761075"/>
-            <a:ext cx="6875125" cy="4334025"/>
+            <a:off x="5822013" y="1450000"/>
+            <a:ext cx="1676324" cy="3069326"/>
           </a:xfrm>
           <a:prstGeom prst="rect">
             <a:avLst/>
@@ -7663,7 +13773,7 @@
   <p:cSld>
     <p:spTree>
       <p:nvGrpSpPr>
-        <p:cNvPr id="100" name="Shape 100"/>
+        <p:cNvPr id="98" name="Shape 98"/>
         <p:cNvGrpSpPr/>
         <p:nvPr/>
       </p:nvGrpSpPr>
@@ -7677,16 +13787,16 @@
       </p:grpSpPr>
       <p:sp>
         <p:nvSpPr>
-          <p:cNvPr id="101" name="Google Shape;101;p18"/>
+          <p:cNvPr id="99" name="Google Shape;99;p18"/>
           <p:cNvSpPr txBox="1"/>
           <p:nvPr>
-            <p:ph type="title"/>
+            <p:ph idx="4294967295" type="title"/>
           </p:nvPr>
         </p:nvSpPr>
         <p:spPr>
           <a:xfrm>
-            <a:off x="311700" y="445025"/>
-            <a:ext cx="8520600" cy="572700"/>
+            <a:off x="311700" y="277375"/>
+            <a:ext cx="8520600" cy="647100"/>
           </a:xfrm>
           <a:prstGeom prst="rect">
             <a:avLst/>
@@ -7694,7 +13804,7 @@
         </p:spPr>
         <p:txBody>
           <a:bodyPr anchorCtr="0" anchor="t" bIns="91425" lIns="91425" spcFirstLastPara="1" rIns="91425" wrap="square" tIns="91425">
-            <a:normAutofit fontScale="90000"/>
+            <a:noAutofit/>
           </a:bodyPr>
           <a:lstStyle/>
           <a:p>
@@ -7708,15 +13818,15 @@
               <a:buNone/>
             </a:pPr>
             <a:r>
-              <a:rPr lang="ru">
+              <a:rPr lang="ru" sz="3500">
                 <a:latin typeface="Roboto Mono Medium"/>
                 <a:ea typeface="Roboto Mono Medium"/>
                 <a:cs typeface="Roboto Mono Medium"/>
                 <a:sym typeface="Roboto Mono Medium"/>
               </a:rPr>
-              <a:t>Устройство ZFS</a:t>
-            </a:r>
-            <a:endParaRPr>
+              <a:t>Роутер</a:t>
+            </a:r>
+            <a:endParaRPr sz="3500">
               <a:latin typeface="Roboto Mono Medium"/>
               <a:ea typeface="Roboto Mono Medium"/>
               <a:cs typeface="Roboto Mono Medium"/>
@@ -7727,12 +13837,39 @@
       </p:sp>
       <p:pic>
         <p:nvPicPr>
-          <p:cNvPr id="102" name="Google Shape;102;p18"/>
+          <p:cNvPr id="100" name="Google Shape;100;p18"/>
+          <p:cNvPicPr preferRelativeResize="0"/>
+          <p:nvPr/>
+        </p:nvPicPr>
+        <p:blipFill rotWithShape="1">
+          <a:blip r:embed="rId3">
+            <a:alphaModFix/>
+          </a:blip>
+          <a:srcRect b="28489" l="10706" r="41000" t="32012"/>
+          <a:stretch/>
+        </p:blipFill>
+        <p:spPr>
+          <a:xfrm>
+            <a:off x="1406750" y="1723300"/>
+            <a:ext cx="3084624" cy="2522725"/>
+          </a:xfrm>
+          <a:prstGeom prst="rect">
+            <a:avLst/>
+          </a:prstGeom>
+          <a:noFill/>
+          <a:ln>
+            <a:noFill/>
+          </a:ln>
+        </p:spPr>
+      </p:pic>
+      <p:pic>
+        <p:nvPicPr>
+          <p:cNvPr id="101" name="Google Shape;101;p18"/>
           <p:cNvPicPr preferRelativeResize="0"/>
           <p:nvPr/>
         </p:nvPicPr>
         <p:blipFill>
-          <a:blip r:embed="rId3">
+          <a:blip r:embed="rId4">
             <a:alphaModFix/>
           </a:blip>
           <a:stretch>
@@ -7741,8 +13878,8 @@
         </p:blipFill>
         <p:spPr>
           <a:xfrm>
-            <a:off x="2070850" y="1134375"/>
-            <a:ext cx="5002301" cy="3757425"/>
+            <a:off x="5081125" y="1400075"/>
+            <a:ext cx="3169150" cy="3169150"/>
           </a:xfrm>
           <a:prstGeom prst="rect">
             <a:avLst/>
@@ -7766,7 +13903,7 @@
   <p:cSld>
     <p:spTree>
       <p:nvGrpSpPr>
-        <p:cNvPr id="106" name="Shape 106"/>
+        <p:cNvPr id="105" name="Shape 105"/>
         <p:cNvGrpSpPr/>
         <p:nvPr/>
       </p:nvGrpSpPr>
@@ -7780,16 +13917,16 @@
       </p:grpSpPr>
       <p:sp>
         <p:nvSpPr>
-          <p:cNvPr id="107" name="Google Shape;107;p19"/>
+          <p:cNvPr id="106" name="Google Shape;106;p19"/>
           <p:cNvSpPr txBox="1"/>
           <p:nvPr>
-            <p:ph type="title"/>
+            <p:ph idx="4294967295" type="title"/>
           </p:nvPr>
         </p:nvSpPr>
         <p:spPr>
           <a:xfrm>
-            <a:off x="311700" y="445025"/>
-            <a:ext cx="8520600" cy="572700"/>
+            <a:off x="311700" y="277375"/>
+            <a:ext cx="8520600" cy="647100"/>
           </a:xfrm>
           <a:prstGeom prst="rect">
             <a:avLst/>
@@ -7797,7 +13934,7 @@
         </p:spPr>
         <p:txBody>
           <a:bodyPr anchorCtr="0" anchor="t" bIns="91425" lIns="91425" spcFirstLastPara="1" rIns="91425" wrap="square" tIns="91425">
-            <a:normAutofit fontScale="90000"/>
+            <a:noAutofit/>
           </a:bodyPr>
           <a:lstStyle/>
           <a:p>
@@ -7811,15 +13948,15 @@
               <a:buNone/>
             </a:pPr>
             <a:r>
-              <a:rPr lang="ru">
+              <a:rPr lang="ru" sz="3500">
                 <a:latin typeface="Roboto Mono Medium"/>
                 <a:ea typeface="Roboto Mono Medium"/>
                 <a:cs typeface="Roboto Mono Medium"/>
                 <a:sym typeface="Roboto Mono Medium"/>
               </a:rPr>
-              <a:t>Преимущества ZFS</a:t>
-            </a:r>
-            <a:endParaRPr>
+              <a:t>Конечное устройство</a:t>
+            </a:r>
+            <a:endParaRPr sz="3500">
               <a:latin typeface="Roboto Mono Medium"/>
               <a:ea typeface="Roboto Mono Medium"/>
               <a:cs typeface="Roboto Mono Medium"/>
@@ -7828,161 +13965,9 @@
           </a:p>
         </p:txBody>
       </p:sp>
-      <p:sp>
-        <p:nvSpPr>
-          <p:cNvPr id="108" name="Google Shape;108;p19"/>
-          <p:cNvSpPr txBox="1"/>
-          <p:nvPr>
-            <p:ph idx="1" type="body"/>
-          </p:nvPr>
-        </p:nvSpPr>
-        <p:spPr>
-          <a:xfrm>
-            <a:off x="311700" y="1487950"/>
-            <a:ext cx="8520600" cy="2375100"/>
-          </a:xfrm>
-          <a:prstGeom prst="rect">
-            <a:avLst/>
-          </a:prstGeom>
-        </p:spPr>
-        <p:txBody>
-          <a:bodyPr anchorCtr="0" anchor="ctr" bIns="91425" lIns="91425" spcFirstLastPara="1" rIns="91425" wrap="square" tIns="91425">
-            <a:normAutofit/>
-          </a:bodyPr>
-          <a:lstStyle/>
-          <a:p>
-            <a:pPr indent="0" lvl="0" marL="0" rtl="0" algn="l">
-              <a:spcBef>
-                <a:spcPts val="0"/>
-              </a:spcBef>
-              <a:spcAft>
-                <a:spcPts val="0"/>
-              </a:spcAft>
-              <a:buNone/>
-            </a:pPr>
-            <a:r>
-              <a:rPr lang="ru" sz="2200">
-                <a:solidFill>
-                  <a:schemeClr val="dk1"/>
-                </a:solidFill>
-                <a:latin typeface="Roboto Mono Medium"/>
-                <a:ea typeface="Roboto Mono Medium"/>
-                <a:cs typeface="Roboto Mono Medium"/>
-                <a:sym typeface="Roboto Mono Medium"/>
-              </a:rPr>
-              <a:t>— Проверка целостности данных</a:t>
-            </a:r>
-            <a:endParaRPr sz="2200">
-              <a:solidFill>
-                <a:schemeClr val="dk1"/>
-              </a:solidFill>
-              <a:latin typeface="Roboto Mono Medium"/>
-              <a:ea typeface="Roboto Mono Medium"/>
-              <a:cs typeface="Roboto Mono Medium"/>
-              <a:sym typeface="Roboto Mono Medium"/>
-            </a:endParaRPr>
-          </a:p>
-          <a:p>
-            <a:pPr indent="0" lvl="0" marL="0" rtl="0" algn="l">
-              <a:spcBef>
-                <a:spcPts val="1200"/>
-              </a:spcBef>
-              <a:spcAft>
-                <a:spcPts val="0"/>
-              </a:spcAft>
-              <a:buNone/>
-            </a:pPr>
-            <a:r>
-              <a:rPr lang="ru" sz="2200">
-                <a:solidFill>
-                  <a:schemeClr val="dk1"/>
-                </a:solidFill>
-                <a:latin typeface="Roboto Mono Medium"/>
-                <a:ea typeface="Roboto Mono Medium"/>
-                <a:cs typeface="Roboto Mono Medium"/>
-                <a:sym typeface="Roboto Mono Medium"/>
-              </a:rPr>
-              <a:t>— Сжатие данных</a:t>
-            </a:r>
-            <a:endParaRPr sz="2200">
-              <a:solidFill>
-                <a:schemeClr val="dk1"/>
-              </a:solidFill>
-              <a:latin typeface="Roboto Mono Medium"/>
-              <a:ea typeface="Roboto Mono Medium"/>
-              <a:cs typeface="Roboto Mono Medium"/>
-              <a:sym typeface="Roboto Mono Medium"/>
-            </a:endParaRPr>
-          </a:p>
-          <a:p>
-            <a:pPr indent="0" lvl="0" marL="0" rtl="0" algn="l">
-              <a:spcBef>
-                <a:spcPts val="1200"/>
-              </a:spcBef>
-              <a:spcAft>
-                <a:spcPts val="0"/>
-              </a:spcAft>
-              <a:buNone/>
-            </a:pPr>
-            <a:r>
-              <a:rPr lang="ru" sz="2200">
-                <a:solidFill>
-                  <a:schemeClr val="dk1"/>
-                </a:solidFill>
-                <a:latin typeface="Roboto Mono Medium"/>
-                <a:ea typeface="Roboto Mono Medium"/>
-                <a:cs typeface="Roboto Mono Medium"/>
-                <a:sym typeface="Roboto Mono Medium"/>
-              </a:rPr>
-              <a:t>— Моментальные снимки</a:t>
-            </a:r>
-            <a:endParaRPr sz="2200">
-              <a:solidFill>
-                <a:schemeClr val="dk1"/>
-              </a:solidFill>
-              <a:latin typeface="Roboto Mono Medium"/>
-              <a:ea typeface="Roboto Mono Medium"/>
-              <a:cs typeface="Roboto Mono Medium"/>
-              <a:sym typeface="Roboto Mono Medium"/>
-            </a:endParaRPr>
-          </a:p>
-          <a:p>
-            <a:pPr indent="0" lvl="0" marL="0" rtl="0" algn="l">
-              <a:spcBef>
-                <a:spcPts val="1200"/>
-              </a:spcBef>
-              <a:spcAft>
-                <a:spcPts val="1200"/>
-              </a:spcAft>
-              <a:buNone/>
-            </a:pPr>
-            <a:r>
-              <a:rPr lang="ru" sz="2200">
-                <a:solidFill>
-                  <a:schemeClr val="dk1"/>
-                </a:solidFill>
-                <a:latin typeface="Roboto Mono Medium"/>
-                <a:ea typeface="Roboto Mono Medium"/>
-                <a:cs typeface="Roboto Mono Medium"/>
-                <a:sym typeface="Roboto Mono Medium"/>
-              </a:rPr>
-              <a:t>— Дедупликация</a:t>
-            </a:r>
-            <a:endParaRPr sz="2200">
-              <a:solidFill>
-                <a:schemeClr val="dk1"/>
-              </a:solidFill>
-              <a:latin typeface="Roboto Mono Medium"/>
-              <a:ea typeface="Roboto Mono Medium"/>
-              <a:cs typeface="Roboto Mono Medium"/>
-              <a:sym typeface="Roboto Mono Medium"/>
-            </a:endParaRPr>
-          </a:p>
-        </p:txBody>
-      </p:sp>
       <p:pic>
         <p:nvPicPr>
-          <p:cNvPr id="109" name="Google Shape;109;p19"/>
+          <p:cNvPr id="107" name="Google Shape;107;p19"/>
           <p:cNvPicPr preferRelativeResize="0"/>
           <p:nvPr/>
         </p:nvPicPr>
@@ -7996,8 +13981,36 @@
         </p:blipFill>
         <p:spPr>
           <a:xfrm>
-            <a:off x="5796275" y="1276450"/>
-            <a:ext cx="2590575" cy="2590575"/>
+            <a:off x="1404225" y="1273813"/>
+            <a:ext cx="3403050" cy="3363775"/>
+          </a:xfrm>
+          <a:prstGeom prst="rect">
+            <a:avLst/>
+          </a:prstGeom>
+          <a:noFill/>
+          <a:ln>
+            <a:noFill/>
+          </a:ln>
+        </p:spPr>
+      </p:pic>
+      <p:pic>
+        <p:nvPicPr>
+          <p:cNvPr id="108" name="Google Shape;108;p19"/>
+          <p:cNvPicPr preferRelativeResize="0"/>
+          <p:nvPr/>
+        </p:nvPicPr>
+        <p:blipFill>
+          <a:blip r:embed="rId4">
+            <a:alphaModFix/>
+          </a:blip>
+          <a:stretch>
+            <a:fillRect/>
+          </a:stretch>
+        </p:blipFill>
+        <p:spPr>
+          <a:xfrm>
+            <a:off x="5326363" y="1762949"/>
+            <a:ext cx="2096725" cy="2385500"/>
           </a:xfrm>
           <a:prstGeom prst="rect">
             <a:avLst/>
@@ -8021,7 +14034,7 @@
   <p:cSld>
     <p:spTree>
       <p:nvGrpSpPr>
-        <p:cNvPr id="113" name="Shape 113"/>
+        <p:cNvPr id="112" name="Shape 112"/>
         <p:cNvGrpSpPr/>
         <p:nvPr/>
       </p:nvGrpSpPr>
@@ -8035,7 +14048,7 @@
       </p:grpSpPr>
       <p:sp>
         <p:nvSpPr>
-          <p:cNvPr id="114" name="Google Shape;114;p20"/>
+          <p:cNvPr id="113" name="Google Shape;113;p20"/>
           <p:cNvSpPr txBox="1"/>
           <p:nvPr>
             <p:ph type="title"/>
@@ -8043,8 +14056,8 @@
         </p:nvSpPr>
         <p:spPr>
           <a:xfrm>
-            <a:off x="311700" y="445025"/>
-            <a:ext cx="8520600" cy="572700"/>
+            <a:off x="311700" y="307475"/>
+            <a:ext cx="8520600" cy="647100"/>
           </a:xfrm>
           <a:prstGeom prst="rect">
             <a:avLst/>
@@ -8052,7 +14065,7 @@
         </p:spPr>
         <p:txBody>
           <a:bodyPr anchorCtr="0" anchor="t" bIns="91425" lIns="91425" spcFirstLastPara="1" rIns="91425" wrap="square" tIns="91425">
-            <a:normAutofit fontScale="90000"/>
+            <a:noAutofit/>
           </a:bodyPr>
           <a:lstStyle/>
           <a:p>
@@ -8066,24 +14079,15 @@
               <a:buNone/>
             </a:pPr>
             <a:r>
-              <a:rPr lang="ru">
+              <a:rPr lang="ru" sz="3500">
                 <a:latin typeface="Roboto Mono Medium"/>
                 <a:ea typeface="Roboto Mono Medium"/>
                 <a:cs typeface="Roboto Mono Medium"/>
                 <a:sym typeface="Roboto Mono Medium"/>
               </a:rPr>
-              <a:t>Особенности</a:t>
-            </a:r>
-            <a:r>
-              <a:rPr lang="ru">
-                <a:latin typeface="Roboto Mono Medium"/>
-                <a:ea typeface="Roboto Mono Medium"/>
-                <a:cs typeface="Roboto Mono Medium"/>
-                <a:sym typeface="Roboto Mono Medium"/>
-              </a:rPr>
-              <a:t> ZFS</a:t>
-            </a:r>
-            <a:endParaRPr>
+              <a:t>Сетевые топологии</a:t>
+            </a:r>
+            <a:endParaRPr sz="3500">
               <a:latin typeface="Roboto Mono Medium"/>
               <a:ea typeface="Roboto Mono Medium"/>
               <a:cs typeface="Roboto Mono Medium"/>
@@ -8092,40 +14096,125 @@
           </a:p>
         </p:txBody>
       </p:sp>
-      <p:sp>
-        <p:nvSpPr>
-          <p:cNvPr id="115" name="Google Shape;115;p20"/>
-          <p:cNvSpPr txBox="1"/>
-          <p:nvPr>
-            <p:ph idx="1" type="body"/>
-          </p:nvPr>
-        </p:nvSpPr>
-        <p:spPr>
-          <a:xfrm>
-            <a:off x="311700" y="1487950"/>
-            <a:ext cx="4910400" cy="2375100"/>
+      <p:pic>
+        <p:nvPicPr>
+          <p:cNvPr id="114" name="Google Shape;114;p20"/>
+          <p:cNvPicPr preferRelativeResize="0"/>
+          <p:nvPr/>
+        </p:nvPicPr>
+        <p:blipFill rotWithShape="1">
+          <a:blip r:embed="rId3">
+            <a:alphaModFix/>
+          </a:blip>
+          <a:srcRect b="0" l="51760" r="0" t="0"/>
+          <a:stretch/>
+        </p:blipFill>
+        <p:spPr>
+          <a:xfrm>
+            <a:off x="470975" y="2343550"/>
+            <a:ext cx="2569774" cy="456375"/>
           </a:xfrm>
           <a:prstGeom prst="rect">
             <a:avLst/>
           </a:prstGeom>
+          <a:noFill/>
+          <a:ln>
+            <a:noFill/>
+          </a:ln>
+        </p:spPr>
+      </p:pic>
+      <p:pic>
+        <p:nvPicPr>
+          <p:cNvPr id="115" name="Google Shape;115;p20"/>
+          <p:cNvPicPr preferRelativeResize="0"/>
+          <p:nvPr/>
+        </p:nvPicPr>
+        <p:blipFill>
+          <a:blip r:embed="rId4">
+            <a:alphaModFix/>
+          </a:blip>
+          <a:stretch>
+            <a:fillRect/>
+          </a:stretch>
+        </p:blipFill>
+        <p:spPr>
+          <a:xfrm>
+            <a:off x="3321702" y="1270800"/>
+            <a:ext cx="2500601" cy="2601925"/>
+          </a:xfrm>
+          <a:prstGeom prst="rect">
+            <a:avLst/>
+          </a:prstGeom>
+          <a:noFill/>
+          <a:ln>
+            <a:noFill/>
+          </a:ln>
+        </p:spPr>
+      </p:pic>
+      <p:pic>
+        <p:nvPicPr>
+          <p:cNvPr id="116" name="Google Shape;116;p20"/>
+          <p:cNvPicPr preferRelativeResize="0"/>
+          <p:nvPr/>
+        </p:nvPicPr>
+        <p:blipFill>
+          <a:blip r:embed="rId5">
+            <a:alphaModFix/>
+          </a:blip>
+          <a:stretch>
+            <a:fillRect/>
+          </a:stretch>
+        </p:blipFill>
+        <p:spPr>
+          <a:xfrm>
+            <a:off x="6262525" y="1270800"/>
+            <a:ext cx="2500601" cy="2601898"/>
+          </a:xfrm>
+          <a:prstGeom prst="rect">
+            <a:avLst/>
+          </a:prstGeom>
+          <a:noFill/>
+          <a:ln>
+            <a:noFill/>
+          </a:ln>
+        </p:spPr>
+      </p:pic>
+      <p:sp>
+        <p:nvSpPr>
+          <p:cNvPr id="117" name="Google Shape;117;p20"/>
+          <p:cNvSpPr txBox="1"/>
+          <p:nvPr/>
+        </p:nvSpPr>
+        <p:spPr>
+          <a:xfrm>
+            <a:off x="-329300" y="4112275"/>
+            <a:ext cx="4170300" cy="554100"/>
+          </a:xfrm>
+          <a:prstGeom prst="rect">
+            <a:avLst/>
+          </a:prstGeom>
+          <a:noFill/>
+          <a:ln>
+            <a:noFill/>
+          </a:ln>
         </p:spPr>
         <p:txBody>
-          <a:bodyPr anchorCtr="0" anchor="ctr" bIns="91425" lIns="91425" spcFirstLastPara="1" rIns="91425" wrap="square" tIns="91425">
-            <a:normAutofit/>
+          <a:bodyPr anchorCtr="0" anchor="t" bIns="91425" lIns="91425" spcFirstLastPara="1" rIns="91425" wrap="square" tIns="91425">
+            <a:spAutoFit/>
           </a:bodyPr>
           <a:lstStyle/>
           <a:p>
-            <a:pPr indent="0" lvl="0" marL="0" rtl="0" algn="l">
-              <a:spcBef>
-                <a:spcPts val="0"/>
-              </a:spcBef>
-              <a:spcAft>
-                <a:spcPts val="0"/>
-              </a:spcAft>
-              <a:buNone/>
-            </a:pPr>
-            <a:r>
-              <a:rPr lang="ru" sz="2200">
+            <a:pPr indent="0" lvl="0" marL="0" rtl="0" algn="ctr">
+              <a:spcBef>
+                <a:spcPts val="0"/>
+              </a:spcBef>
+              <a:spcAft>
+                <a:spcPts val="0"/>
+              </a:spcAft>
+              <a:buNone/>
+            </a:pPr>
+            <a:r>
+              <a:rPr lang="ru" sz="2400">
                 <a:solidFill>
                   <a:schemeClr val="dk1"/>
                 </a:solidFill>
@@ -8134,9 +14223,9 @@
                 <a:cs typeface="Roboto Mono Medium"/>
                 <a:sym typeface="Roboto Mono Medium"/>
               </a:rPr>
-              <a:t>— Высокий порог вхождения</a:t>
-            </a:r>
-            <a:endParaRPr sz="2200">
+              <a:t>точка-точка</a:t>
+            </a:r>
+            <a:endParaRPr sz="2400">
               <a:solidFill>
                 <a:schemeClr val="dk1"/>
               </a:solidFill>
@@ -8146,18 +14235,44 @@
               <a:sym typeface="Roboto Mono Medium"/>
             </a:endParaRPr>
           </a:p>
-          <a:p>
-            <a:pPr indent="0" lvl="0" marL="0" rtl="0" algn="l">
-              <a:spcBef>
-                <a:spcPts val="1200"/>
-              </a:spcBef>
-              <a:spcAft>
-                <a:spcPts val="0"/>
-              </a:spcAft>
-              <a:buNone/>
-            </a:pPr>
-            <a:r>
-              <a:rPr lang="ru" sz="2200">
+        </p:txBody>
+      </p:sp>
+      <p:sp>
+        <p:nvSpPr>
+          <p:cNvPr id="118" name="Google Shape;118;p20"/>
+          <p:cNvSpPr txBox="1"/>
+          <p:nvPr/>
+        </p:nvSpPr>
+        <p:spPr>
+          <a:xfrm>
+            <a:off x="2486850" y="4112275"/>
+            <a:ext cx="4170300" cy="554100"/>
+          </a:xfrm>
+          <a:prstGeom prst="rect">
+            <a:avLst/>
+          </a:prstGeom>
+          <a:noFill/>
+          <a:ln>
+            <a:noFill/>
+          </a:ln>
+        </p:spPr>
+        <p:txBody>
+          <a:bodyPr anchorCtr="0" anchor="t" bIns="91425" lIns="91425" spcFirstLastPara="1" rIns="91425" wrap="square" tIns="91425">
+            <a:spAutoFit/>
+          </a:bodyPr>
+          <a:lstStyle/>
+          <a:p>
+            <a:pPr indent="0" lvl="0" marL="0" rtl="0" algn="ctr">
+              <a:spcBef>
+                <a:spcPts val="0"/>
+              </a:spcBef>
+              <a:spcAft>
+                <a:spcPts val="0"/>
+              </a:spcAft>
+              <a:buNone/>
+            </a:pPr>
+            <a:r>
+              <a:rPr lang="ru" sz="2400">
                 <a:solidFill>
                   <a:schemeClr val="dk1"/>
                 </a:solidFill>
@@ -8166,9 +14281,9 @@
                 <a:cs typeface="Roboto Mono Medium"/>
                 <a:sym typeface="Roboto Mono Medium"/>
               </a:rPr>
-              <a:t>— Фрагментация данных</a:t>
-            </a:r>
-            <a:endParaRPr sz="2200">
+              <a:t>звезда</a:t>
+            </a:r>
+            <a:endParaRPr sz="2400">
               <a:solidFill>
                 <a:schemeClr val="dk1"/>
               </a:solidFill>
@@ -8178,18 +14293,44 @@
               <a:sym typeface="Roboto Mono Medium"/>
             </a:endParaRPr>
           </a:p>
-          <a:p>
-            <a:pPr indent="0" lvl="0" marL="0" rtl="0" algn="l">
-              <a:spcBef>
-                <a:spcPts val="1200"/>
-              </a:spcBef>
-              <a:spcAft>
-                <a:spcPts val="1200"/>
-              </a:spcAft>
-              <a:buNone/>
-            </a:pPr>
-            <a:r>
-              <a:rPr lang="ru" sz="2200">
+        </p:txBody>
+      </p:sp>
+      <p:sp>
+        <p:nvSpPr>
+          <p:cNvPr id="119" name="Google Shape;119;p20"/>
+          <p:cNvSpPr txBox="1"/>
+          <p:nvPr/>
+        </p:nvSpPr>
+        <p:spPr>
+          <a:xfrm>
+            <a:off x="5427675" y="3927625"/>
+            <a:ext cx="4170300" cy="923400"/>
+          </a:xfrm>
+          <a:prstGeom prst="rect">
+            <a:avLst/>
+          </a:prstGeom>
+          <a:noFill/>
+          <a:ln>
+            <a:noFill/>
+          </a:ln>
+        </p:spPr>
+        <p:txBody>
+          <a:bodyPr anchorCtr="0" anchor="t" bIns="91425" lIns="91425" spcFirstLastPara="1" rIns="91425" wrap="square" tIns="91425">
+            <a:spAutoFit/>
+          </a:bodyPr>
+          <a:lstStyle/>
+          <a:p>
+            <a:pPr indent="0" lvl="0" marL="0" rtl="0" algn="ctr">
+              <a:spcBef>
+                <a:spcPts val="0"/>
+              </a:spcBef>
+              <a:spcAft>
+                <a:spcPts val="0"/>
+              </a:spcAft>
+              <a:buNone/>
+            </a:pPr>
+            <a:r>
+              <a:rPr lang="ru" sz="2400">
                 <a:solidFill>
                   <a:schemeClr val="dk1"/>
                 </a:solidFill>
@@ -8198,9 +14339,9 @@
                 <a:cs typeface="Roboto Mono Medium"/>
                 <a:sym typeface="Roboto Mono Medium"/>
               </a:rPr>
-              <a:t>— Не слишком быстрая работа на HDD</a:t>
-            </a:r>
-            <a:endParaRPr sz="2200">
+              <a:t>ячеистая </a:t>
+            </a:r>
+            <a:endParaRPr sz="2400">
               <a:solidFill>
                 <a:schemeClr val="dk1"/>
               </a:solidFill>
@@ -8210,36 +14351,40 @@
               <a:sym typeface="Roboto Mono Medium"/>
             </a:endParaRPr>
           </a:p>
+          <a:p>
+            <a:pPr indent="0" lvl="0" marL="0" rtl="0" algn="ctr">
+              <a:spcBef>
+                <a:spcPts val="0"/>
+              </a:spcBef>
+              <a:spcAft>
+                <a:spcPts val="0"/>
+              </a:spcAft>
+              <a:buNone/>
+            </a:pPr>
+            <a:r>
+              <a:rPr lang="ru" sz="2400">
+                <a:solidFill>
+                  <a:schemeClr val="dk1"/>
+                </a:solidFill>
+                <a:latin typeface="Roboto Mono Medium"/>
+                <a:ea typeface="Roboto Mono Medium"/>
+                <a:cs typeface="Roboto Mono Medium"/>
+                <a:sym typeface="Roboto Mono Medium"/>
+              </a:rPr>
+              <a:t>топология</a:t>
+            </a:r>
+            <a:endParaRPr sz="2400">
+              <a:solidFill>
+                <a:schemeClr val="dk1"/>
+              </a:solidFill>
+              <a:latin typeface="Roboto Mono Medium"/>
+              <a:ea typeface="Roboto Mono Medium"/>
+              <a:cs typeface="Roboto Mono Medium"/>
+              <a:sym typeface="Roboto Mono Medium"/>
+            </a:endParaRPr>
+          </a:p>
         </p:txBody>
       </p:sp>
-      <p:pic>
-        <p:nvPicPr>
-          <p:cNvPr id="116" name="Google Shape;116;p20"/>
-          <p:cNvPicPr preferRelativeResize="0"/>
-          <p:nvPr/>
-        </p:nvPicPr>
-        <p:blipFill>
-          <a:blip r:embed="rId3">
-            <a:alphaModFix/>
-          </a:blip>
-          <a:stretch>
-            <a:fillRect/>
-          </a:stretch>
-        </p:blipFill>
-        <p:spPr>
-          <a:xfrm>
-            <a:off x="5931750" y="1384200"/>
-            <a:ext cx="2375100" cy="2375100"/>
-          </a:xfrm>
-          <a:prstGeom prst="rect">
-            <a:avLst/>
-          </a:prstGeom>
-          <a:noFill/>
-          <a:ln>
-            <a:noFill/>
-          </a:ln>
-        </p:spPr>
-      </p:pic>
     </p:spTree>
   </p:cSld>
   <p:clrMapOvr>
@@ -8253,7 +14398,7 @@
   <p:cSld>
     <p:spTree>
       <p:nvGrpSpPr>
-        <p:cNvPr id="120" name="Shape 120"/>
+        <p:cNvPr id="123" name="Shape 123"/>
         <p:cNvGrpSpPr/>
         <p:nvPr/>
       </p:nvGrpSpPr>
@@ -8267,23 +14412,23 @@
       </p:grpSpPr>
       <p:sp>
         <p:nvSpPr>
-          <p:cNvPr id="121" name="Google Shape;121;p21"/>
+          <p:cNvPr id="124" name="Google Shape;124;p21"/>
           <p:cNvSpPr txBox="1"/>
           <p:nvPr>
-            <p:ph type="ctrTitle"/>
+            <p:ph type="title"/>
           </p:nvPr>
         </p:nvSpPr>
         <p:spPr>
           <a:xfrm>
-            <a:off x="311700" y="1754400"/>
-            <a:ext cx="8520600" cy="1073400"/>
+            <a:off x="311700" y="184400"/>
+            <a:ext cx="8520600" cy="647100"/>
           </a:xfrm>
           <a:prstGeom prst="rect">
             <a:avLst/>
           </a:prstGeom>
         </p:spPr>
         <p:txBody>
-          <a:bodyPr anchorCtr="0" anchor="b" bIns="91425" lIns="91425" spcFirstLastPara="1" rIns="91425" wrap="square" tIns="91425">
+          <a:bodyPr anchorCtr="0" anchor="t" bIns="91425" lIns="91425" spcFirstLastPara="1" rIns="91425" wrap="square" tIns="91425">
             <a:noAutofit/>
           </a:bodyPr>
           <a:lstStyle/>
@@ -8298,15 +14443,15 @@
               <a:buNone/>
             </a:pPr>
             <a:r>
-              <a:rPr lang="ru" sz="4000">
+              <a:rPr lang="ru" sz="3000">
                 <a:latin typeface="Roboto Mono Medium"/>
                 <a:ea typeface="Roboto Mono Medium"/>
                 <a:cs typeface="Roboto Mono Medium"/>
                 <a:sym typeface="Roboto Mono Medium"/>
               </a:rPr>
-              <a:t>Спасибо за внимание</a:t>
-            </a:r>
-            <a:endParaRPr sz="4000">
+              <a:t>Структура сети Zigbee</a:t>
+            </a:r>
+            <a:endParaRPr sz="3000">
               <a:latin typeface="Roboto Mono Medium"/>
               <a:ea typeface="Roboto Mono Medium"/>
               <a:cs typeface="Roboto Mono Medium"/>
@@ -8315,6 +14460,34 @@
           </a:p>
         </p:txBody>
       </p:sp>
+      <p:pic>
+        <p:nvPicPr>
+          <p:cNvPr id="125" name="Google Shape;125;p21"/>
+          <p:cNvPicPr preferRelativeResize="0"/>
+          <p:nvPr/>
+        </p:nvPicPr>
+        <p:blipFill>
+          <a:blip r:embed="rId3">
+            <a:alphaModFix/>
+          </a:blip>
+          <a:stretch>
+            <a:fillRect/>
+          </a:stretch>
+        </p:blipFill>
+        <p:spPr>
+          <a:xfrm>
+            <a:off x="1325675" y="953825"/>
+            <a:ext cx="6492650" cy="4095175"/>
+          </a:xfrm>
+          <a:prstGeom prst="rect">
+            <a:avLst/>
+          </a:prstGeom>
+          <a:noFill/>
+          <a:ln>
+            <a:noFill/>
+          </a:ln>
+        </p:spPr>
+      </p:pic>
     </p:spTree>
   </p:cSld>
   <p:clrMapOvr>
